--- a/Devoir_3.pptx
+++ b/Devoir_3.pptx
@@ -11611,8 +11611,8 @@
           <a:chExt cx="0" cy="0"/>
         </a:xfrm>
       </p:grpSpPr>
-      <mc:AlternateContent xmlns:mc="http://schemas.openxmlformats.org/markup-compatibility/2006">
-        <mc:Choice xmlns:a14="http://schemas.microsoft.com/office/drawing/2010/main" Requires="a14">
+      <mc:AlternateContent xmlns:mc="http://schemas.openxmlformats.org/markup-compatibility/2006" xmlns:a14="http://schemas.microsoft.com/office/drawing/2010/main">
+        <mc:Choice Requires="a14">
           <p:sp>
             <p:nvSpPr>
               <p:cNvPr id="2" name="Title 1">
@@ -11682,7 +11682,7 @@
             </p:txBody>
           </p:sp>
         </mc:Choice>
-        <mc:Fallback>
+        <mc:Fallback xmlns="">
           <p:sp>
             <p:nvSpPr>
               <p:cNvPr id="2" name="Title 1">
@@ -11976,8 +11976,8 @@
                   <a:t> il a </a:t>
                 </a:r>
                 <a:r>
-                  <a:rPr lang="en-CA" sz="1800" dirty="0" err="1"/>
-                  <a:t>ete</a:t>
+                  <a:rPr lang="fr-CA" sz="1800" dirty="0"/>
+                  <a:t>été</a:t>
                 </a:r>
                 <a:r>
                   <a:rPr lang="en-CA" sz="1800" dirty="0"/>
@@ -12016,20 +12016,20 @@
                   <a:t> que de la </a:t>
                 </a:r>
                 <a:r>
-                  <a:rPr lang="en-CA" sz="1800" dirty="0" err="1"/>
-                  <a:t>porosite</a:t>
+                  <a:rPr lang="fr-CA" sz="1800" dirty="0"/>
+                  <a:t>porosité</a:t>
                 </a:r>
                 <a:r>
                   <a:rPr lang="en-CA" sz="1800" dirty="0"/>
-                  <a:t> a la </a:t>
+                  <a:t> a </a:t>
                 </a:r>
                 <a:r>
-                  <a:rPr lang="en-CA" sz="1800" dirty="0" err="1"/>
-                  <a:t>permeabilite</a:t>
+                  <a:rPr lang="fr-CA" sz="1800" dirty="0"/>
+                  <a:t>la perméabilité </a:t>
                 </a:r>
                 <a:r>
                   <a:rPr lang="en-CA" sz="1800" dirty="0"/>
-                  <a:t> qui </a:t>
+                  <a:t>qui </a:t>
                 </a:r>
                 <a:r>
                   <a:rPr lang="en-CA" sz="1800" dirty="0" err="1"/>
@@ -12094,120 +12094,8 @@
                   <a:buNone/>
                 </a:pPr>
                 <a:r>
-                  <a:rPr lang="en-CA" sz="1800" dirty="0"/>
-                  <a:t>Une </a:t>
-                </a:r>
-                <a:r>
-                  <a:rPr lang="en-CA" sz="1800" dirty="0" err="1"/>
-                  <a:t>serie</a:t>
-                </a:r>
-                <a:r>
-                  <a:rPr lang="en-CA" sz="1800" dirty="0"/>
-                  <a:t> de 100 simulations a </a:t>
-                </a:r>
-                <a:r>
-                  <a:rPr lang="en-CA" sz="1800" dirty="0" err="1"/>
-                  <a:t>ete</a:t>
-                </a:r>
-                <a:r>
-                  <a:rPr lang="en-CA" sz="1800" dirty="0"/>
-                  <a:t> </a:t>
-                </a:r>
-                <a:r>
-                  <a:rPr lang="en-CA" sz="1800" dirty="0" err="1"/>
-                  <a:t>realisee</a:t>
-                </a:r>
-                <a:r>
-                  <a:rPr lang="en-CA" sz="1800" dirty="0"/>
-                  <a:t> e pregnant a </a:t>
-                </a:r>
-                <a:r>
-                  <a:rPr lang="en-CA" sz="1800" dirty="0" err="1"/>
-                  <a:t>chaque</a:t>
-                </a:r>
-                <a:r>
-                  <a:rPr lang="en-CA" sz="1800" dirty="0"/>
-                  <a:t> </a:t>
-                </a:r>
-                <a:r>
-                  <a:rPr lang="en-CA" sz="1800" dirty="0" err="1"/>
-                  <a:t>fois</a:t>
-                </a:r>
-                <a:r>
-                  <a:rPr lang="en-CA" sz="1800" dirty="0"/>
-                  <a:t> un couple de </a:t>
-                </a:r>
-                <a:r>
-                  <a:rPr lang="en-CA" sz="1800" dirty="0" err="1"/>
-                  <a:t>donnees</a:t>
-                </a:r>
-                <a:r>
-                  <a:rPr lang="en-CA" sz="1800" dirty="0"/>
-                  <a:t> de </a:t>
-                </a:r>
-                <a:r>
-                  <a:rPr lang="en-CA" sz="1800" dirty="0" err="1"/>
-                  <a:t>porosite</a:t>
-                </a:r>
-                <a:r>
-                  <a:rPr lang="en-CA" sz="1800" dirty="0"/>
-                  <a:t> et de diameter </a:t>
-                </a:r>
-                <a:r>
-                  <a:rPr lang="en-CA" sz="1800" dirty="0" err="1"/>
-                  <a:t>moyen</a:t>
-                </a:r>
-                <a:r>
-                  <a:rPr lang="en-CA" sz="1800" dirty="0"/>
-                  <a:t> des fibres  </a:t>
-                </a:r>
-                <a:r>
-                  <a:rPr lang="en-CA" sz="1800" dirty="0" err="1"/>
-                  <a:t>afin</a:t>
-                </a:r>
-                <a:r>
-                  <a:rPr lang="en-CA" sz="1800" dirty="0"/>
-                  <a:t> de determiner la </a:t>
-                </a:r>
-                <a:r>
-                  <a:rPr lang="en-CA" sz="1800" dirty="0" err="1"/>
-                  <a:t>loi</a:t>
-                </a:r>
-                <a:r>
-                  <a:rPr lang="en-CA" sz="1800" dirty="0"/>
-                  <a:t> de distribution de la </a:t>
-                </a:r>
-                <a:r>
-                  <a:rPr lang="en-CA" sz="1800" dirty="0" err="1"/>
-                  <a:t>permeabilite</a:t>
-                </a:r>
-                <a:r>
-                  <a:rPr lang="en-CA" sz="1800" dirty="0"/>
-                  <a:t>. On </a:t>
-                </a:r>
-                <a:r>
-                  <a:rPr lang="en-CA" sz="1800" dirty="0" err="1"/>
-                  <a:t>obtient</a:t>
-                </a:r>
-                <a:r>
-                  <a:rPr lang="en-CA" sz="1800" dirty="0"/>
-                  <a:t> </a:t>
-                </a:r>
-                <a:r>
-                  <a:rPr lang="en-CA" sz="1800" dirty="0" err="1"/>
-                  <a:t>ainsi</a:t>
-                </a:r>
-                <a:r>
-                  <a:rPr lang="en-CA" sz="1800" dirty="0"/>
-                  <a:t> les figures 4 et 5 </a:t>
-                </a:r>
-                <a:r>
-                  <a:rPr lang="en-CA" sz="1800" dirty="0" err="1"/>
-                  <a:t>suivantes</a:t>
-                </a:r>
-                <a:r>
-                  <a:rPr lang="en-CA" sz="1800" dirty="0"/>
-                  <a:t>.</a:t>
+                  <a:rPr lang="fr-CA" sz="1800" dirty="0"/>
+                  <a:t>Une série de 100 simulations a été réalisée en prenant à chaque fois un couple de données de porosité et de diamètre moyen des fibres  afin de déterminer la loi de distribution de la perméabilité. On obtient ainsi les figures 4 et 5 suivantes.</a:t>
                 </a:r>
               </a:p>
             </p:txBody>
@@ -12238,7 +12126,7 @@
               <a:blipFill>
                 <a:blip r:embed="rId3"/>
                 <a:stretch>
-                  <a:fillRect l="-522" t="-1020" r="-290"/>
+                  <a:fillRect l="-522" t="-1020" r="-464"/>
                 </a:stretch>
               </a:blipFill>
             </p:spPr>
@@ -12247,7 +12135,7 @@
               <a:lstStyle/>
               <a:p>
                 <a:r>
-                  <a:rPr lang="fr-CA">
+                  <a:rPr lang="fr-FR">
                     <a:noFill/>
                   </a:rPr>
                   <a:t> </a:t>
@@ -12257,8 +12145,8 @@
           </p:sp>
         </mc:Fallback>
       </mc:AlternateContent>
-      <mc:AlternateContent xmlns:mc="http://schemas.openxmlformats.org/markup-compatibility/2006">
-        <mc:Choice xmlns:a14="http://schemas.microsoft.com/office/drawing/2010/main" Requires="a14">
+      <mc:AlternateContent xmlns:mc="http://schemas.openxmlformats.org/markup-compatibility/2006" xmlns:a14="http://schemas.microsoft.com/office/drawing/2010/main">
+        <mc:Choice Requires="a14">
           <p:graphicFrame>
             <p:nvGraphicFramePr>
               <p:cNvPr id="4" name="Tableau 3">
@@ -12544,7 +12432,7 @@
             </a:graphic>
           </p:graphicFrame>
         </mc:Choice>
-        <mc:Fallback>
+        <mc:Fallback xmlns="">
           <p:graphicFrame>
             <p:nvGraphicFramePr>
               <p:cNvPr id="4" name="Tableau 3">
@@ -12816,8 +12704,8 @@
           <a:chExt cx="0" cy="0"/>
         </a:xfrm>
       </p:grpSpPr>
-      <mc:AlternateContent xmlns:mc="http://schemas.openxmlformats.org/markup-compatibility/2006">
-        <mc:Choice xmlns:a14="http://schemas.microsoft.com/office/drawing/2010/main" Requires="a14">
+      <mc:AlternateContent xmlns:mc="http://schemas.openxmlformats.org/markup-compatibility/2006" xmlns:a14="http://schemas.microsoft.com/office/drawing/2010/main">
+        <mc:Choice Requires="a14">
           <p:sp>
             <p:nvSpPr>
               <p:cNvPr id="2" name="Title 1">
@@ -12887,7 +12775,7 @@
             </p:txBody>
           </p:sp>
         </mc:Choice>
-        <mc:Fallback>
+        <mc:Fallback xmlns="">
           <p:sp>
             <p:nvSpPr>
               <p:cNvPr id="2" name="Title 1">
@@ -13058,78 +12946,17 @@
           <a:p>
             <a:r>
               <a:rPr lang="en-US" dirty="0"/>
-              <a:t>- Grace a </a:t>
+              <a:t>- </a:t>
             </a:r>
             <a:r>
-              <a:rPr lang="en-US" dirty="0" err="1"/>
-              <a:t>ces</a:t>
+              <a:rPr lang="fr-FR" dirty="0"/>
+              <a:t>Grace a ces deux figures il est possible de conclure que la perméabilité suit une loi log-normale tel que  </a:t>
             </a:r>
-            <a:r>
-              <a:rPr lang="en-US" dirty="0"/>
-              <a:t> deux figures il </a:t>
-            </a:r>
-            <a:r>
-              <a:rPr lang="en-US" dirty="0" err="1"/>
-              <a:t>est</a:t>
-            </a:r>
-            <a:r>
-              <a:rPr lang="en-US" dirty="0"/>
-              <a:t> possible de </a:t>
-            </a:r>
-            <a:r>
-              <a:rPr lang="en-US" dirty="0" err="1"/>
-              <a:t>conclure</a:t>
-            </a:r>
-            <a:r>
-              <a:rPr lang="en-US" dirty="0"/>
-              <a:t> que la </a:t>
-            </a:r>
-            <a:r>
-              <a:rPr lang="en-US" dirty="0" err="1"/>
-              <a:t>permeabilite</a:t>
-            </a:r>
-            <a:r>
-              <a:rPr lang="en-US" dirty="0"/>
-              <a:t> suit </a:t>
-            </a:r>
-            <a:r>
-              <a:rPr lang="en-US" dirty="0" err="1"/>
-              <a:t>une</a:t>
-            </a:r>
-            <a:r>
-              <a:rPr lang="en-US" dirty="0"/>
-              <a:t> </a:t>
-            </a:r>
-            <a:r>
-              <a:rPr lang="en-US" dirty="0" err="1"/>
-              <a:t>loi</a:t>
-            </a:r>
-            <a:r>
-              <a:rPr lang="en-US" dirty="0"/>
-              <a:t> log-</a:t>
-            </a:r>
-            <a:r>
-              <a:rPr lang="en-US" dirty="0" err="1"/>
-              <a:t>normale</a:t>
-            </a:r>
-            <a:r>
-              <a:rPr lang="en-US" dirty="0"/>
-              <a:t> </a:t>
-            </a:r>
-            <a:r>
-              <a:rPr lang="en-US" dirty="0" err="1"/>
-              <a:t>tel</a:t>
-            </a:r>
-            <a:r>
-              <a:rPr lang="en-US" dirty="0"/>
-              <a:t> que  </a:t>
-            </a:r>
-            <a:endParaRPr lang="fr-CA" dirty="0"/>
           </a:p>
         </p:txBody>
       </p:sp>
-      <mc:AlternateContent xmlns:mc="http://schemas.openxmlformats.org/markup-compatibility/2006">
-        <mc:Choice xmlns:a14="http://schemas.microsoft.com/office/drawing/2010/main" Requires="a14">
+      <mc:AlternateContent xmlns:mc="http://schemas.openxmlformats.org/markup-compatibility/2006" xmlns:a14="http://schemas.microsoft.com/office/drawing/2010/main">
+        <mc:Choice Requires="a14">
           <p:graphicFrame>
             <p:nvGraphicFramePr>
               <p:cNvPr id="10" name="Tableau 9">
@@ -13519,7 +13346,7 @@
             </a:graphic>
           </p:graphicFrame>
         </mc:Choice>
-        <mc:Fallback>
+        <mc:Fallback xmlns="">
           <p:graphicFrame>
             <p:nvGraphicFramePr>
               <p:cNvPr id="10" name="Tableau 9">
@@ -13842,32 +13669,8 @@
               <a:lstStyle/>
               <a:p>
                 <a:r>
-                  <a:rPr lang="en-US" dirty="0"/>
-                  <a:t>- On </a:t>
-                </a:r>
-                <a:r>
-                  <a:rPr lang="en-US" dirty="0" err="1"/>
-                  <a:t>peut</a:t>
-                </a:r>
-                <a:r>
-                  <a:rPr lang="en-US" dirty="0"/>
-                  <a:t> </a:t>
-                </a:r>
-                <a:r>
-                  <a:rPr lang="en-US" dirty="0" err="1"/>
-                  <a:t>donc</a:t>
-                </a:r>
-                <a:r>
-                  <a:rPr lang="en-US" dirty="0"/>
-                  <a:t> </a:t>
-                </a:r>
-                <a:r>
-                  <a:rPr lang="en-US" dirty="0" err="1"/>
-                  <a:t>estimer</a:t>
-                </a:r>
-                <a:r>
-                  <a:rPr lang="en-US" dirty="0"/>
-                  <a:t> </a:t>
+                  <a:rPr lang="fr-CA" dirty="0"/>
+                  <a:t>- On peut donc estimer </a:t>
                 </a:r>
                 <a14:m>
                   <m:oMath xmlns:m="http://schemas.openxmlformats.org/officeDocument/2006/math">
@@ -13942,7 +13745,7 @@
               <a:lstStyle/>
               <a:p>
                 <a:r>
-                  <a:rPr lang="fr-CA">
+                  <a:rPr lang="fr-FR">
                     <a:noFill/>
                   </a:rPr>
                   <a:t> </a:t>
@@ -13952,8 +13755,8 @@
           </p:sp>
         </mc:Fallback>
       </mc:AlternateContent>
-      <mc:AlternateContent xmlns:mc="http://schemas.openxmlformats.org/markup-compatibility/2006">
-        <mc:Choice xmlns:a14="http://schemas.microsoft.com/office/drawing/2010/main" Requires="a14">
+      <mc:AlternateContent xmlns:mc="http://schemas.openxmlformats.org/markup-compatibility/2006" xmlns:a14="http://schemas.microsoft.com/office/drawing/2010/main">
+        <mc:Choice Requires="a14">
           <p:graphicFrame>
             <p:nvGraphicFramePr>
               <p:cNvPr id="12" name="Tableau 11">
@@ -14221,7 +14024,7 @@
             </a:graphic>
           </p:graphicFrame>
         </mc:Choice>
-        <mc:Fallback>
+        <mc:Fallback xmlns="">
           <p:graphicFrame>
             <p:nvGraphicFramePr>
               <p:cNvPr id="12" name="Tableau 11">
@@ -14398,8 +14201,8 @@
           <a:chExt cx="0" cy="0"/>
         </a:xfrm>
       </p:grpSpPr>
-      <mc:AlternateContent xmlns:mc="http://schemas.openxmlformats.org/markup-compatibility/2006">
-        <mc:Choice xmlns:a14="http://schemas.microsoft.com/office/drawing/2010/main" Requires="a14">
+      <mc:AlternateContent xmlns:mc="http://schemas.openxmlformats.org/markup-compatibility/2006" xmlns:a14="http://schemas.microsoft.com/office/drawing/2010/main">
+        <mc:Choice Requires="a14">
           <p:sp>
             <p:nvSpPr>
               <p:cNvPr id="2" name="Title 1">
@@ -14461,7 +14264,7 @@
             </p:txBody>
           </p:sp>
         </mc:Choice>
-        <mc:Fallback>
+        <mc:Fallback xmlns="">
           <p:sp>
             <p:nvSpPr>
               <p:cNvPr id="2" name="Title 1">
@@ -14501,41 +14304,406 @@
           </p:sp>
         </mc:Fallback>
       </mc:AlternateContent>
-      <p:sp>
-        <p:nvSpPr>
-          <p:cNvPr id="3" name="Content Placeholder 2">
+      <p:graphicFrame>
+        <p:nvGraphicFramePr>
+          <p:cNvPr id="4" name="Espace réservé du contenu 3">
             <a:extLst>
               <a:ext uri="{FF2B5EF4-FFF2-40B4-BE49-F238E27FC236}">
-                <a16:creationId xmlns:a16="http://schemas.microsoft.com/office/drawing/2014/main" id="{A288ADA9-69BB-35AD-3B5E-4F651B79D01C}"/>
+                <a16:creationId xmlns:a16="http://schemas.microsoft.com/office/drawing/2014/main" id="{301BF28D-93B8-60E8-86AF-60FE158B95BA}"/>
               </a:ext>
             </a:extLst>
           </p:cNvPr>
-          <p:cNvSpPr>
-            <a:spLocks noGrp="1"/>
-          </p:cNvSpPr>
+          <p:cNvGraphicFramePr>
+            <a:graphicFrameLocks noGrp="1"/>
+          </p:cNvGraphicFramePr>
           <p:nvPr>
             <p:ph idx="1"/>
+            <p:extLst>
+              <p:ext uri="{D42A27DB-BD31-4B8C-83A1-F6EECF244321}">
+                <p14:modId xmlns:p14="http://schemas.microsoft.com/office/powerpoint/2010/main" val="2255286031"/>
+              </p:ext>
+            </p:extLst>
           </p:nvPr>
-        </p:nvSpPr>
-        <p:spPr>
-          <a:xfrm>
-            <a:off x="838200" y="1550322"/>
-            <a:ext cx="10515600" cy="947072"/>
-          </a:xfrm>
-        </p:spPr>
-        <p:txBody>
-          <a:bodyPr>
-            <a:normAutofit/>
-          </a:bodyPr>
-          <a:lstStyle/>
-          <a:p>
-            <a:pPr marL="0" indent="0">
-              <a:buNone/>
-            </a:pPr>
-            <a:endParaRPr lang="en-CA" sz="2000" dirty="0"/>
-          </a:p>
-        </p:txBody>
-      </p:sp>
+        </p:nvGraphicFramePr>
+        <p:xfrm>
+          <a:off x="838200" y="1560449"/>
+          <a:ext cx="6486144" cy="1955800"/>
+        </p:xfrm>
+        <a:graphic>
+          <a:graphicData uri="http://schemas.openxmlformats.org/drawingml/2006/table">
+            <a:tbl>
+              <a:tblPr firstRow="1" bandRow="1">
+                <a:tableStyleId>{5C22544A-7EE6-4342-B048-85BDC9FD1C3A}</a:tableStyleId>
+              </a:tblPr>
+              <a:tblGrid>
+                <a:gridCol w="3243072">
+                  <a:extLst>
+                    <a:ext uri="{9D8B030D-6E8A-4147-A177-3AD203B41FA5}">
+                      <a16:colId xmlns:a16="http://schemas.microsoft.com/office/drawing/2014/main" val="328268669"/>
+                    </a:ext>
+                  </a:extLst>
+                </a:gridCol>
+                <a:gridCol w="3243072">
+                  <a:extLst>
+                    <a:ext uri="{9D8B030D-6E8A-4147-A177-3AD203B41FA5}">
+                      <a16:colId xmlns:a16="http://schemas.microsoft.com/office/drawing/2014/main" val="3947392964"/>
+                    </a:ext>
+                  </a:extLst>
+                </a:gridCol>
+              </a:tblGrid>
+              <a:tr h="370840">
+                <a:tc>
+                  <a:txBody>
+                    <a:bodyPr/>
+                    <a:lstStyle/>
+                    <a:p>
+                      <a:r>
+                        <a:rPr lang="fr-FR" dirty="0"/>
+                        <a:t>Composante de l’erreur</a:t>
+                      </a:r>
+                    </a:p>
+                  </a:txBody>
+                  <a:tcPr/>
+                </a:tc>
+                <a:tc>
+                  <a:txBody>
+                    <a:bodyPr/>
+                    <a:lstStyle/>
+                    <a:p>
+                      <a:r>
+                        <a:rPr lang="fr-FR" dirty="0"/>
+                        <a:t>Valeur </a:t>
+                      </a:r>
+                    </a:p>
+                  </a:txBody>
+                  <a:tcPr/>
+                </a:tc>
+                <a:extLst>
+                  <a:ext uri="{0D108BD9-81ED-4DB2-BD59-A6C34878D82A}">
+                    <a16:rowId xmlns:a16="http://schemas.microsoft.com/office/drawing/2014/main" val="3281457425"/>
+                  </a:ext>
+                </a:extLst>
+              </a:tr>
+              <a:tr h="370840">
+                <a:tc>
+                  <a:txBody>
+                    <a:bodyPr/>
+                    <a:lstStyle/>
+                    <a:p>
+                      <a:r>
+                        <a:rPr lang="fr-FR" dirty="0"/>
+                        <a:t>Aléatoire - </a:t>
+                      </a:r>
+                      <a:r>
+                        <a:rPr lang="fr-FR" sz="1400" dirty="0"/>
+                        <a:t>distribution log-normale5 des mesures de perméabilité [µm^2] (test de reproductibilité)</a:t>
+                      </a:r>
+                      <a:endParaRPr lang="fr-FR" dirty="0"/>
+                    </a:p>
+                  </a:txBody>
+                  <a:tcPr/>
+                </a:tc>
+                <a:tc>
+                  <a:txBody>
+                    <a:bodyPr/>
+                    <a:lstStyle/>
+                    <a:p>
+                      <a:r>
+                        <a:rPr lang="fr-FR" dirty="0"/>
+                        <a:t>14,7</a:t>
+                      </a:r>
+                    </a:p>
+                  </a:txBody>
+                  <a:tcPr/>
+                </a:tc>
+                <a:extLst>
+                  <a:ext uri="{0D108BD9-81ED-4DB2-BD59-A6C34878D82A}">
+                    <a16:rowId xmlns:a16="http://schemas.microsoft.com/office/drawing/2014/main" val="1546451597"/>
+                  </a:ext>
+                </a:extLst>
+              </a:tr>
+              <a:tr h="370840">
+                <a:tc>
+                  <a:txBody>
+                    <a:bodyPr/>
+                    <a:lstStyle/>
+                    <a:p>
+                      <a:r>
+                        <a:rPr lang="fr-FR" dirty="0"/>
+                        <a:t>Epistémique - </a:t>
+                      </a:r>
+                      <a:r>
+                        <a:rPr lang="fr-FR" sz="1400" dirty="0"/>
+                        <a:t>Incertitude sur les mesures du </a:t>
+                      </a:r>
+                      <a:r>
+                        <a:rPr lang="fr-FR" sz="1400" dirty="0" err="1"/>
+                        <a:t>perméamétre</a:t>
+                      </a:r>
+                      <a:r>
+                        <a:rPr lang="fr-FR" sz="1400" dirty="0"/>
+                        <a:t> donnée par le manufacturier [µm^2] </a:t>
+                      </a:r>
+                      <a:endParaRPr lang="fr-FR" dirty="0"/>
+                    </a:p>
+                  </a:txBody>
+                  <a:tcPr/>
+                </a:tc>
+                <a:tc>
+                  <a:txBody>
+                    <a:bodyPr/>
+                    <a:lstStyle/>
+                    <a:p>
+                      <a:r>
+                        <a:rPr lang="fr-FR" dirty="0"/>
+                        <a:t>10</a:t>
+                      </a:r>
+                    </a:p>
+                  </a:txBody>
+                  <a:tcPr/>
+                </a:tc>
+                <a:extLst>
+                  <a:ext uri="{0D108BD9-81ED-4DB2-BD59-A6C34878D82A}">
+                    <a16:rowId xmlns:a16="http://schemas.microsoft.com/office/drawing/2014/main" val="2865478612"/>
+                  </a:ext>
+                </a:extLst>
+              </a:tr>
+            </a:tbl>
+          </a:graphicData>
+        </a:graphic>
+      </p:graphicFrame>
+      <mc:AlternateContent xmlns:mc="http://schemas.openxmlformats.org/markup-compatibility/2006">
+        <mc:Choice xmlns:a14="http://schemas.microsoft.com/office/drawing/2010/main" Requires="a14">
+          <p:sp>
+            <p:nvSpPr>
+              <p:cNvPr id="6" name="ZoneTexte 5">
+                <a:extLst>
+                  <a:ext uri="{FF2B5EF4-FFF2-40B4-BE49-F238E27FC236}">
+                    <a16:creationId xmlns:a16="http://schemas.microsoft.com/office/drawing/2014/main" id="{729954E9-C272-CBB0-C59D-AB10BD96D898}"/>
+                  </a:ext>
+                </a:extLst>
+              </p:cNvPr>
+              <p:cNvSpPr txBox="1"/>
+              <p:nvPr/>
+            </p:nvSpPr>
+            <p:spPr>
+              <a:xfrm>
+                <a:off x="1034034" y="3738110"/>
+                <a:ext cx="6094476" cy="656013"/>
+              </a:xfrm>
+              <a:prstGeom prst="rect">
+                <a:avLst/>
+              </a:prstGeom>
+              <a:noFill/>
+            </p:spPr>
+            <p:txBody>
+              <a:bodyPr wrap="square">
+                <a:spAutoFit/>
+              </a:bodyPr>
+              <a:lstStyle/>
+              <a:p>
+                <a:pPr/>
+                <a14:m>
+                  <m:oMath xmlns:m="http://schemas.openxmlformats.org/officeDocument/2006/math">
+                    <m:sSub>
+                      <m:sSubPr>
+                        <m:ctrlPr>
+                          <a:rPr lang="en-CA" sz="1800" i="1" smtClean="0">
+                            <a:latin typeface="Cambria Math" panose="02040503050406030204" pitchFamily="18" charset="0"/>
+                          </a:rPr>
+                        </m:ctrlPr>
+                      </m:sSubPr>
+                      <m:e>
+                        <m:r>
+                          <a:rPr lang="en-US" sz="1800" b="0" i="1" smtClean="0">
+                            <a:latin typeface="Cambria Math" panose="02040503050406030204" pitchFamily="18" charset="0"/>
+                          </a:rPr>
+                          <m:t>𝑈</m:t>
+                        </m:r>
+                      </m:e>
+                      <m:sub>
+                        <m:r>
+                          <a:rPr lang="en-US" sz="1800" b="0" i="1" smtClean="0">
+                            <a:latin typeface="Cambria Math" panose="02040503050406030204" pitchFamily="18" charset="0"/>
+                          </a:rPr>
+                          <m:t>𝐷</m:t>
+                        </m:r>
+                      </m:sub>
+                    </m:sSub>
+                    <m:r>
+                      <a:rPr lang="en-US" sz="1800" b="0" i="1" smtClean="0">
+                        <a:latin typeface="Cambria Math" panose="02040503050406030204" pitchFamily="18" charset="0"/>
+                      </a:rPr>
+                      <m:t>=</m:t>
+                    </m:r>
+                    <m:rad>
+                      <m:radPr>
+                        <m:degHide m:val="on"/>
+                        <m:ctrlPr>
+                          <a:rPr lang="en-US" sz="1800" b="0" i="1" smtClean="0">
+                            <a:latin typeface="Cambria Math" panose="02040503050406030204" pitchFamily="18" charset="0"/>
+                          </a:rPr>
+                        </m:ctrlPr>
+                      </m:radPr>
+                      <m:deg/>
+                      <m:e>
+                        <m:sSup>
+                          <m:sSupPr>
+                            <m:ctrlPr>
+                              <a:rPr lang="en-US" sz="1800" b="0" i="1" smtClean="0">
+                                <a:latin typeface="Cambria Math" panose="02040503050406030204" pitchFamily="18" charset="0"/>
+                              </a:rPr>
+                            </m:ctrlPr>
+                          </m:sSupPr>
+                          <m:e>
+                            <m:sSub>
+                              <m:sSubPr>
+                                <m:ctrlPr>
+                                  <a:rPr lang="en-US" sz="1800" b="0" i="1" smtClean="0">
+                                    <a:latin typeface="Cambria Math" panose="02040503050406030204" pitchFamily="18" charset="0"/>
+                                  </a:rPr>
+                                </m:ctrlPr>
+                              </m:sSubPr>
+                              <m:e>
+                                <m:r>
+                                  <a:rPr lang="en-US" sz="1800" b="0" i="1" smtClean="0">
+                                    <a:latin typeface="Cambria Math" panose="02040503050406030204" pitchFamily="18" charset="0"/>
+                                  </a:rPr>
+                                  <m:t>𝑆</m:t>
+                                </m:r>
+                              </m:e>
+                              <m:sub>
+                                <m:r>
+                                  <a:rPr lang="en-US" sz="1800" b="0" i="1" smtClean="0">
+                                    <a:latin typeface="Cambria Math" panose="02040503050406030204" pitchFamily="18" charset="0"/>
+                                  </a:rPr>
+                                  <m:t>𝑟</m:t>
+                                </m:r>
+                              </m:sub>
+                            </m:sSub>
+                          </m:e>
+                          <m:sup>
+                            <m:r>
+                              <a:rPr lang="en-US" sz="1800" b="0" i="1" smtClean="0">
+                                <a:latin typeface="Cambria Math" panose="02040503050406030204" pitchFamily="18" charset="0"/>
+                              </a:rPr>
+                              <m:t>2</m:t>
+                            </m:r>
+                          </m:sup>
+                        </m:sSup>
+                        <m:r>
+                          <a:rPr lang="en-US" sz="1800" b="0" i="1" smtClean="0">
+                            <a:latin typeface="Cambria Math" panose="02040503050406030204" pitchFamily="18" charset="0"/>
+                          </a:rPr>
+                          <m:t>+</m:t>
+                        </m:r>
+                        <m:sSup>
+                          <m:sSupPr>
+                            <m:ctrlPr>
+                              <a:rPr lang="en-US" i="1">
+                                <a:latin typeface="Cambria Math" panose="02040503050406030204" pitchFamily="18" charset="0"/>
+                              </a:rPr>
+                            </m:ctrlPr>
+                          </m:sSupPr>
+                          <m:e>
+                            <m:sSub>
+                              <m:sSubPr>
+                                <m:ctrlPr>
+                                  <a:rPr lang="en-US" i="1">
+                                    <a:latin typeface="Cambria Math" panose="02040503050406030204" pitchFamily="18" charset="0"/>
+                                  </a:rPr>
+                                </m:ctrlPr>
+                              </m:sSubPr>
+                              <m:e>
+                                <m:r>
+                                  <a:rPr lang="en-US" b="0" i="1" smtClean="0">
+                                    <a:latin typeface="Cambria Math" panose="02040503050406030204" pitchFamily="18" charset="0"/>
+                                  </a:rPr>
+                                  <m:t>𝑏</m:t>
+                                </m:r>
+                              </m:e>
+                              <m:sub>
+                                <m:r>
+                                  <a:rPr lang="en-US" i="1">
+                                    <a:latin typeface="Cambria Math" panose="02040503050406030204" pitchFamily="18" charset="0"/>
+                                  </a:rPr>
+                                  <m:t>𝑟</m:t>
+                                </m:r>
+                              </m:sub>
+                            </m:sSub>
+                          </m:e>
+                          <m:sup>
+                            <m:r>
+                              <a:rPr lang="en-US" i="1">
+                                <a:latin typeface="Cambria Math" panose="02040503050406030204" pitchFamily="18" charset="0"/>
+                              </a:rPr>
+                              <m:t>2</m:t>
+                            </m:r>
+                          </m:sup>
+                        </m:sSup>
+                      </m:e>
+                    </m:rad>
+                    <m:r>
+                      <a:rPr lang="en-US" sz="1800" b="0" i="1" smtClean="0">
+                        <a:latin typeface="Cambria Math" panose="02040503050406030204" pitchFamily="18" charset="0"/>
+                      </a:rPr>
+                      <m:t>=</m:t>
+                    </m:r>
+                  </m:oMath>
+                </a14:m>
+                <a:r>
+                  <a:rPr lang="fr-FR" dirty="0"/>
+                  <a:t>17,77892</a:t>
+                </a:r>
+              </a:p>
+            </p:txBody>
+          </p:sp>
+        </mc:Choice>
+        <mc:Fallback>
+          <p:sp>
+            <p:nvSpPr>
+              <p:cNvPr id="6" name="ZoneTexte 5">
+                <a:extLst>
+                  <a:ext uri="{FF2B5EF4-FFF2-40B4-BE49-F238E27FC236}">
+                    <a16:creationId xmlns:a16="http://schemas.microsoft.com/office/drawing/2014/main" id="{729954E9-C272-CBB0-C59D-AB10BD96D898}"/>
+                  </a:ext>
+                </a:extLst>
+              </p:cNvPr>
+              <p:cNvSpPr txBox="1">
+                <a:spLocks noRot="1" noChangeAspect="1" noMove="1" noResize="1" noEditPoints="1" noAdjustHandles="1" noChangeArrowheads="1" noChangeShapeType="1" noTextEdit="1"/>
+              </p:cNvSpPr>
+              <p:nvPr/>
+            </p:nvSpPr>
+            <p:spPr>
+              <a:xfrm>
+                <a:off x="1034034" y="3738110"/>
+                <a:ext cx="6094476" cy="656013"/>
+              </a:xfrm>
+              <a:prstGeom prst="rect">
+                <a:avLst/>
+              </a:prstGeom>
+              <a:blipFill>
+                <a:blip r:embed="rId3"/>
+                <a:stretch>
+                  <a:fillRect/>
+                </a:stretch>
+              </a:blipFill>
+            </p:spPr>
+            <p:txBody>
+              <a:bodyPr/>
+              <a:lstStyle/>
+              <a:p>
+                <a:r>
+                  <a:rPr lang="fr-FR">
+                    <a:noFill/>
+                  </a:rPr>
+                  <a:t> </a:t>
+                </a:r>
+              </a:p>
+            </p:txBody>
+          </p:sp>
+        </mc:Fallback>
+      </mc:AlternateContent>
     </p:spTree>
     <p:extLst>
       <p:ext uri="{BB962C8B-B14F-4D97-AF65-F5344CB8AC3E}">
@@ -14612,36 +14780,325 @@
           </a:p>
         </p:txBody>
       </p:sp>
-      <p:sp>
-        <p:nvSpPr>
-          <p:cNvPr id="3" name="Content Placeholder 2">
+      <p:graphicFrame>
+        <p:nvGraphicFramePr>
+          <p:cNvPr id="4" name="Espace réservé du contenu 3">
             <a:extLst>
               <a:ext uri="{FF2B5EF4-FFF2-40B4-BE49-F238E27FC236}">
-                <a16:creationId xmlns:a16="http://schemas.microsoft.com/office/drawing/2014/main" id="{E29EC9AA-4F08-C8EC-2036-B120EBB011D8}"/>
+                <a16:creationId xmlns:a16="http://schemas.microsoft.com/office/drawing/2014/main" id="{AADA1EC7-63FC-0D9F-636F-C96C03FE7E42}"/>
               </a:ext>
             </a:extLst>
           </p:cNvPr>
-          <p:cNvSpPr>
-            <a:spLocks noGrp="1"/>
-          </p:cNvSpPr>
+          <p:cNvGraphicFramePr>
+            <a:graphicFrameLocks noGrp="1"/>
+          </p:cNvGraphicFramePr>
           <p:nvPr>
             <p:ph idx="1"/>
+            <p:extLst>
+              <p:ext uri="{D42A27DB-BD31-4B8C-83A1-F6EECF244321}">
+                <p14:modId xmlns:p14="http://schemas.microsoft.com/office/powerpoint/2010/main" val="1848988125"/>
+              </p:ext>
+            </p:extLst>
           </p:nvPr>
-        </p:nvSpPr>
-        <p:spPr/>
-        <p:txBody>
-          <a:bodyPr>
-            <a:normAutofit/>
-          </a:bodyPr>
-          <a:lstStyle/>
-          <a:p>
-            <a:pPr marL="0" indent="0">
-              <a:buNone/>
-            </a:pPr>
-            <a:endParaRPr lang="en-CA" dirty="0"/>
-          </a:p>
-        </p:txBody>
-      </p:sp>
+        </p:nvGraphicFramePr>
+        <p:xfrm>
+          <a:off x="838200" y="1825625"/>
+          <a:ext cx="10515600" cy="1112520"/>
+        </p:xfrm>
+        <a:graphic>
+          <a:graphicData uri="http://schemas.openxmlformats.org/drawingml/2006/table">
+            <a:tbl>
+              <a:tblPr firstRow="1" bandRow="1">
+                <a:tableStyleId>{5C22544A-7EE6-4342-B048-85BDC9FD1C3A}</a:tableStyleId>
+              </a:tblPr>
+              <a:tblGrid>
+                <a:gridCol w="5257800">
+                  <a:extLst>
+                    <a:ext uri="{9D8B030D-6E8A-4147-A177-3AD203B41FA5}">
+                      <a16:colId xmlns:a16="http://schemas.microsoft.com/office/drawing/2014/main" val="961291158"/>
+                    </a:ext>
+                  </a:extLst>
+                </a:gridCol>
+                <a:gridCol w="5257800">
+                  <a:extLst>
+                    <a:ext uri="{9D8B030D-6E8A-4147-A177-3AD203B41FA5}">
+                      <a16:colId xmlns:a16="http://schemas.microsoft.com/office/drawing/2014/main" val="3116165860"/>
+                    </a:ext>
+                  </a:extLst>
+                </a:gridCol>
+              </a:tblGrid>
+              <a:tr h="370840">
+                <a:tc>
+                  <a:txBody>
+                    <a:bodyPr/>
+                    <a:lstStyle/>
+                    <a:p>
+                      <a:endParaRPr lang="fr-FR" dirty="0"/>
+                    </a:p>
+                  </a:txBody>
+                  <a:tcPr>
+                    <a:lnL w="12700" cmpd="sng">
+                      <a:noFill/>
+                    </a:lnL>
+                    <a:lnR w="12700" cmpd="sng">
+                      <a:noFill/>
+                    </a:lnR>
+                    <a:lnT w="12700" cmpd="sng">
+                      <a:noFill/>
+                    </a:lnT>
+                    <a:lnB w="38100" cmpd="sng">
+                      <a:noFill/>
+                    </a:lnB>
+                    <a:lnTlToBr w="12700" cmpd="sng">
+                      <a:noFill/>
+                      <a:prstDash val="solid"/>
+                    </a:lnTlToBr>
+                    <a:lnBlToTr w="12700" cmpd="sng">
+                      <a:noFill/>
+                      <a:prstDash val="solid"/>
+                    </a:lnBlToTr>
+                    <a:noFill/>
+                  </a:tcPr>
+                </a:tc>
+                <a:tc>
+                  <a:txBody>
+                    <a:bodyPr/>
+                    <a:lstStyle/>
+                    <a:p>
+                      <a:pPr marL="0" marR="0" lvl="0" indent="0" algn="l" defTabSz="914400" rtl="0" eaLnBrk="1" fontAlgn="auto" latinLnBrk="0" hangingPunct="1">
+                        <a:lnSpc>
+                          <a:spcPct val="100000"/>
+                        </a:lnSpc>
+                        <a:spcBef>
+                          <a:spcPts val="0"/>
+                        </a:spcBef>
+                        <a:spcAft>
+                          <a:spcPts val="0"/>
+                        </a:spcAft>
+                        <a:buClrTx/>
+                        <a:buSzTx/>
+                        <a:buFontTx/>
+                        <a:buNone/>
+                        <a:tabLst/>
+                        <a:defRPr/>
+                      </a:pPr>
+                      <a:r>
+                        <a:rPr lang="fr-FR" dirty="0"/>
+                        <a:t>Moyenne </a:t>
+                      </a:r>
+                      <a:r>
+                        <a:rPr lang="fr-FR" sz="1800" dirty="0"/>
+                        <a:t>[µm^2] </a:t>
+                      </a:r>
+                      <a:endParaRPr lang="fr-FR" dirty="0"/>
+                    </a:p>
+                  </a:txBody>
+                  <a:tcPr>
+                    <a:lnL w="12700" cmpd="sng">
+                      <a:noFill/>
+                    </a:lnL>
+                  </a:tcPr>
+                </a:tc>
+                <a:extLst>
+                  <a:ext uri="{0D108BD9-81ED-4DB2-BD59-A6C34878D82A}">
+                    <a16:rowId xmlns:a16="http://schemas.microsoft.com/office/drawing/2014/main" val="3046640620"/>
+                  </a:ext>
+                </a:extLst>
+              </a:tr>
+              <a:tr h="370840">
+                <a:tc>
+                  <a:txBody>
+                    <a:bodyPr/>
+                    <a:lstStyle/>
+                    <a:p>
+                      <a:r>
+                        <a:rPr lang="fr-FR" dirty="0"/>
+                        <a:t>D</a:t>
+                      </a:r>
+                    </a:p>
+                  </a:txBody>
+                  <a:tcPr>
+                    <a:lnT w="38100" cmpd="sng">
+                      <a:noFill/>
+                    </a:lnT>
+                  </a:tcPr>
+                </a:tc>
+                <a:tc>
+                  <a:txBody>
+                    <a:bodyPr/>
+                    <a:lstStyle/>
+                    <a:p>
+                      <a:r>
+                        <a:rPr lang="fr-FR" dirty="0"/>
+                        <a:t>80,6</a:t>
+                      </a:r>
+                    </a:p>
+                  </a:txBody>
+                  <a:tcPr/>
+                </a:tc>
+                <a:extLst>
+                  <a:ext uri="{0D108BD9-81ED-4DB2-BD59-A6C34878D82A}">
+                    <a16:rowId xmlns:a16="http://schemas.microsoft.com/office/drawing/2014/main" val="1576091817"/>
+                  </a:ext>
+                </a:extLst>
+              </a:tr>
+              <a:tr h="370840">
+                <a:tc>
+                  <a:txBody>
+                    <a:bodyPr/>
+                    <a:lstStyle/>
+                    <a:p>
+                      <a:r>
+                        <a:rPr lang="fr-FR" dirty="0"/>
+                        <a:t>S</a:t>
+                      </a:r>
+                    </a:p>
+                  </a:txBody>
+                  <a:tcPr/>
+                </a:tc>
+                <a:tc>
+                  <a:txBody>
+                    <a:bodyPr/>
+                    <a:lstStyle/>
+                    <a:p>
+                      <a:r>
+                        <a:rPr lang="fr-FR" dirty="0"/>
+                        <a:t>26,5378</a:t>
+                      </a:r>
+                    </a:p>
+                  </a:txBody>
+                  <a:tcPr/>
+                </a:tc>
+                <a:extLst>
+                  <a:ext uri="{0D108BD9-81ED-4DB2-BD59-A6C34878D82A}">
+                    <a16:rowId xmlns:a16="http://schemas.microsoft.com/office/drawing/2014/main" val="2622347966"/>
+                  </a:ext>
+                </a:extLst>
+              </a:tr>
+            </a:tbl>
+          </a:graphicData>
+        </a:graphic>
+      </p:graphicFrame>
+      <mc:AlternateContent xmlns:mc="http://schemas.openxmlformats.org/markup-compatibility/2006">
+        <mc:Choice xmlns:a14="http://schemas.microsoft.com/office/drawing/2010/main" Requires="a14">
+          <p:sp>
+            <p:nvSpPr>
+              <p:cNvPr id="6" name="ZoneTexte 5">
+                <a:extLst>
+                  <a:ext uri="{FF2B5EF4-FFF2-40B4-BE49-F238E27FC236}">
+                    <a16:creationId xmlns:a16="http://schemas.microsoft.com/office/drawing/2014/main" id="{5CCDD7F3-D572-3F5E-6100-AACDE7AC11FF}"/>
+                  </a:ext>
+                </a:extLst>
+              </p:cNvPr>
+              <p:cNvSpPr txBox="1"/>
+              <p:nvPr/>
+            </p:nvSpPr>
+            <p:spPr>
+              <a:xfrm>
+                <a:off x="758952" y="2967335"/>
+                <a:ext cx="10515600" cy="923330"/>
+              </a:xfrm>
+              <a:prstGeom prst="rect">
+                <a:avLst/>
+              </a:prstGeom>
+              <a:noFill/>
+            </p:spPr>
+            <p:txBody>
+              <a:bodyPr wrap="square">
+                <a:spAutoFit/>
+              </a:bodyPr>
+              <a:lstStyle/>
+              <a:p>
+                <a:r>
+                  <a:rPr lang="fr-FR" dirty="0"/>
+                  <a:t>Ce tableau présente les valeurs de la solution numérique S et la valeur expérimentale D comme étant les médianes des valeurs de perméabilités obtenues numériquement et expérimentalement.</a:t>
+                </a:r>
+              </a:p>
+              <a:p>
+                <a:r>
+                  <a:rPr lang="fr-FR" dirty="0"/>
+                  <a:t>Ainsi, </a:t>
+                </a:r>
+                <a14:m>
+                  <m:oMath xmlns:m="http://schemas.openxmlformats.org/officeDocument/2006/math">
+                    <m:r>
+                      <a:rPr lang="en-US" sz="1800" i="1" smtClean="0">
+                        <a:latin typeface="Cambria Math" panose="02040503050406030204" pitchFamily="18" charset="0"/>
+                      </a:rPr>
+                      <m:t>𝐸</m:t>
+                    </m:r>
+                    <m:r>
+                      <a:rPr lang="en-US" sz="1800" b="0" i="1" smtClean="0">
+                        <a:latin typeface="Cambria Math" panose="02040503050406030204" pitchFamily="18" charset="0"/>
+                      </a:rPr>
+                      <m:t>=</m:t>
+                    </m:r>
+                    <m:r>
+                      <m:rPr>
+                        <m:nor/>
+                      </m:rPr>
+                      <a:rPr lang="fr-CA"/>
+                      <m:t>-54,0622</m:t>
+                    </m:r>
+                    <m:r>
+                      <m:rPr>
+                        <m:nor/>
+                      </m:rPr>
+                      <a:rPr lang="en-US" b="0" i="0" smtClean="0"/>
+                      <m:t>.</m:t>
+                    </m:r>
+                  </m:oMath>
+                </a14:m>
+                <a:endParaRPr lang="fr-FR" dirty="0"/>
+              </a:p>
+            </p:txBody>
+          </p:sp>
+        </mc:Choice>
+        <mc:Fallback>
+          <p:sp>
+            <p:nvSpPr>
+              <p:cNvPr id="6" name="ZoneTexte 5">
+                <a:extLst>
+                  <a:ext uri="{FF2B5EF4-FFF2-40B4-BE49-F238E27FC236}">
+                    <a16:creationId xmlns:a16="http://schemas.microsoft.com/office/drawing/2014/main" id="{5CCDD7F3-D572-3F5E-6100-AACDE7AC11FF}"/>
+                  </a:ext>
+                </a:extLst>
+              </p:cNvPr>
+              <p:cNvSpPr txBox="1">
+                <a:spLocks noRot="1" noChangeAspect="1" noMove="1" noResize="1" noEditPoints="1" noAdjustHandles="1" noChangeArrowheads="1" noChangeShapeType="1" noTextEdit="1"/>
+              </p:cNvSpPr>
+              <p:nvPr/>
+            </p:nvSpPr>
+            <p:spPr>
+              <a:xfrm>
+                <a:off x="758952" y="2967335"/>
+                <a:ext cx="10515600" cy="923330"/>
+              </a:xfrm>
+              <a:prstGeom prst="rect">
+                <a:avLst/>
+              </a:prstGeom>
+              <a:blipFill>
+                <a:blip r:embed="rId2"/>
+                <a:stretch>
+                  <a:fillRect l="-522" t="-3311" r="-116" b="-10596"/>
+                </a:stretch>
+              </a:blipFill>
+            </p:spPr>
+            <p:txBody>
+              <a:bodyPr/>
+              <a:lstStyle/>
+              <a:p>
+                <a:r>
+                  <a:rPr lang="fr-FR">
+                    <a:noFill/>
+                  </a:rPr>
+                  <a:t> </a:t>
+                </a:r>
+              </a:p>
+            </p:txBody>
+          </p:sp>
+        </mc:Fallback>
+      </mc:AlternateContent>
     </p:spTree>
     <p:extLst>
       <p:ext uri="{BB962C8B-B14F-4D97-AF65-F5344CB8AC3E}">
@@ -14672,8 +15129,8 @@
           <a:chExt cx="0" cy="0"/>
         </a:xfrm>
       </p:grpSpPr>
-      <mc:AlternateContent xmlns:mc="http://schemas.openxmlformats.org/markup-compatibility/2006" xmlns:a14="http://schemas.microsoft.com/office/drawing/2010/main">
-        <mc:Choice Requires="a14">
+      <mc:AlternateContent xmlns:mc="http://schemas.openxmlformats.org/markup-compatibility/2006">
+        <mc:Choice xmlns:a14="http://schemas.microsoft.com/office/drawing/2010/main" Requires="a14">
           <p:sp>
             <p:nvSpPr>
               <p:cNvPr id="2" name="Title 1">
@@ -14715,7 +15172,7 @@
                 </a:r>
                 <a:r>
                   <a:rPr lang="en-CA" sz="3600" dirty="0"/>
-                  <a:t> sur</a:t>
+                  <a:t> sur </a:t>
                 </a:r>
                 <a14:m>
                   <m:oMath xmlns:m="http://schemas.openxmlformats.org/officeDocument/2006/math">
@@ -14755,7 +15212,7 @@
             </p:txBody>
           </p:sp>
         </mc:Choice>
-        <mc:Fallback xmlns="">
+        <mc:Fallback>
           <p:sp>
             <p:nvSpPr>
               <p:cNvPr id="2" name="Title 1">
@@ -14785,7 +15242,7 @@
               <a:lstStyle/>
               <a:p>
                 <a:r>
-                  <a:rPr lang="fr-CA">
+                  <a:rPr lang="fr-FR">
                     <a:noFill/>
                   </a:rPr>
                   <a:t> </a:t>
@@ -14813,7 +15270,7 @@
         </p:nvSpPr>
         <p:spPr>
           <a:xfrm>
-            <a:off x="838200" y="1364713"/>
+            <a:off x="838200" y="1337281"/>
             <a:ext cx="10515600" cy="5289755"/>
           </a:xfrm>
         </p:spPr>
@@ -14853,10 +15310,1938 @@
             <a:endParaRPr lang="en-CA" dirty="0"/>
           </a:p>
           <a:p>
+            <a:pPr marL="0" indent="0">
+              <a:buNone/>
+            </a:pPr>
             <a:endParaRPr lang="en-CA" dirty="0"/>
           </a:p>
         </p:txBody>
       </p:sp>
+      <mc:AlternateContent xmlns:mc="http://schemas.openxmlformats.org/markup-compatibility/2006">
+        <mc:Choice xmlns:a14="http://schemas.microsoft.com/office/drawing/2010/main" Requires="a14">
+          <p:graphicFrame>
+            <p:nvGraphicFramePr>
+              <p:cNvPr id="4" name="Tableau 3">
+                <a:extLst>
+                  <a:ext uri="{FF2B5EF4-FFF2-40B4-BE49-F238E27FC236}">
+                    <a16:creationId xmlns:a16="http://schemas.microsoft.com/office/drawing/2014/main" id="{96084FD5-C802-F6A8-AC56-278ED99E7714}"/>
+                  </a:ext>
+                </a:extLst>
+              </p:cNvPr>
+              <p:cNvGraphicFramePr>
+                <a:graphicFrameLocks noGrp="1"/>
+              </p:cNvGraphicFramePr>
+              <p:nvPr>
+                <p:extLst>
+                  <p:ext uri="{D42A27DB-BD31-4B8C-83A1-F6EECF244321}">
+                    <p14:modId xmlns:p14="http://schemas.microsoft.com/office/powerpoint/2010/main" val="107805549"/>
+                  </p:ext>
+                </p:extLst>
+              </p:nvPr>
+            </p:nvGraphicFramePr>
+            <p:xfrm>
+              <a:off x="1017016" y="1502730"/>
+              <a:ext cx="8128000" cy="2051050"/>
+            </p:xfrm>
+            <a:graphic>
+              <a:graphicData uri="http://schemas.openxmlformats.org/drawingml/2006/table">
+                <a:tbl>
+                  <a:tblPr firstRow="1" bandRow="1">
+                    <a:tableStyleId>{5C22544A-7EE6-4342-B048-85BDC9FD1C3A}</a:tableStyleId>
+                  </a:tblPr>
+                  <a:tblGrid>
+                    <a:gridCol w="4064000">
+                      <a:extLst>
+                        <a:ext uri="{9D8B030D-6E8A-4147-A177-3AD203B41FA5}">
+                          <a16:colId xmlns:a16="http://schemas.microsoft.com/office/drawing/2014/main" val="191923470"/>
+                        </a:ext>
+                      </a:extLst>
+                    </a:gridCol>
+                    <a:gridCol w="4064000">
+                      <a:extLst>
+                        <a:ext uri="{9D8B030D-6E8A-4147-A177-3AD203B41FA5}">
+                          <a16:colId xmlns:a16="http://schemas.microsoft.com/office/drawing/2014/main" val="3148446179"/>
+                        </a:ext>
+                      </a:extLst>
+                    </a:gridCol>
+                  </a:tblGrid>
+                  <a:tr h="370840">
+                    <a:tc>
+                      <a:txBody>
+                        <a:bodyPr/>
+                        <a:lstStyle/>
+                        <a:p>
+                          <a:r>
+                            <a:rPr lang="fr-FR" dirty="0"/>
+                            <a:t>Erreur </a:t>
+                          </a:r>
+                        </a:p>
+                      </a:txBody>
+                      <a:tcPr/>
+                    </a:tc>
+                    <a:tc>
+                      <a:txBody>
+                        <a:bodyPr/>
+                        <a:lstStyle/>
+                        <a:p>
+                          <a:r>
+                            <a:rPr lang="fr-FR" dirty="0"/>
+                            <a:t>Valeur</a:t>
+                          </a:r>
+                        </a:p>
+                      </a:txBody>
+                      <a:tcPr/>
+                    </a:tc>
+                    <a:extLst>
+                      <a:ext uri="{0D108BD9-81ED-4DB2-BD59-A6C34878D82A}">
+                        <a16:rowId xmlns:a16="http://schemas.microsoft.com/office/drawing/2014/main" val="371851022"/>
+                      </a:ext>
+                    </a:extLst>
+                  </a:tr>
+                  <a:tr h="370840">
+                    <a:tc>
+                      <a:txBody>
+                        <a:bodyPr/>
+                        <a:lstStyle/>
+                        <a:p>
+                          <a:pPr algn="ctr"/>
+                          <a14:m>
+                            <m:oMathPara xmlns:m="http://schemas.openxmlformats.org/officeDocument/2006/math">
+                              <m:oMathParaPr>
+                                <m:jc m:val="centerGroup"/>
+                              </m:oMathParaPr>
+                              <m:oMath xmlns:m="http://schemas.openxmlformats.org/officeDocument/2006/math">
+                                <m:sSub>
+                                  <m:sSubPr>
+                                    <m:ctrlPr>
+                                      <a:rPr lang="en-CA" sz="1800" i="1" smtClean="0">
+                                        <a:latin typeface="Cambria Math" panose="02040503050406030204" pitchFamily="18" charset="0"/>
+                                      </a:rPr>
+                                    </m:ctrlPr>
+                                  </m:sSubPr>
+                                  <m:e>
+                                    <m:r>
+                                      <a:rPr lang="en-US" sz="1800" b="0" i="1" smtClean="0">
+                                        <a:latin typeface="Cambria Math" panose="02040503050406030204" pitchFamily="18" charset="0"/>
+                                      </a:rPr>
+                                      <m:t>𝑈</m:t>
+                                    </m:r>
+                                  </m:e>
+                                  <m:sub>
+                                    <m:r>
+                                      <a:rPr lang="en-US" sz="1800" b="0" i="1" smtClean="0">
+                                        <a:latin typeface="Cambria Math" panose="02040503050406030204" pitchFamily="18" charset="0"/>
+                                      </a:rPr>
+                                      <m:t>𝑛𝑢𝑚</m:t>
+                                    </m:r>
+                                  </m:sub>
+                                </m:sSub>
+                              </m:oMath>
+                            </m:oMathPara>
+                          </a14:m>
+                          <a:endParaRPr lang="fr-FR" sz="1800" dirty="0"/>
+                        </a:p>
+                      </a:txBody>
+                      <a:tcPr/>
+                    </a:tc>
+                    <a:tc>
+                      <a:txBody>
+                        <a:bodyPr/>
+                        <a:lstStyle/>
+                        <a:p>
+                          <a:pPr algn="r" fontAlgn="b"/>
+                          <a:r>
+                            <a:rPr lang="fr-CA" sz="1800" b="0" i="0" u="none" strike="noStrike" dirty="0">
+                              <a:solidFill>
+                                <a:srgbClr val="000000"/>
+                              </a:solidFill>
+                              <a:effectLst/>
+                              <a:latin typeface="Calibri" panose="020F0502020204030204" pitchFamily="34" charset="0"/>
+                            </a:rPr>
+                            <a:t>0,003535625*</a:t>
+                          </a:r>
+                        </a:p>
+                      </a:txBody>
+                      <a:tcPr marL="9525" marR="9525" marT="9525" marB="0" anchor="b"/>
+                    </a:tc>
+                    <a:extLst>
+                      <a:ext uri="{0D108BD9-81ED-4DB2-BD59-A6C34878D82A}">
+                        <a16:rowId xmlns:a16="http://schemas.microsoft.com/office/drawing/2014/main" val="1923254684"/>
+                      </a:ext>
+                    </a:extLst>
+                  </a:tr>
+                  <a:tr h="193485">
+                    <a:tc rowSpan="2">
+                      <a:txBody>
+                        <a:bodyPr/>
+                        <a:lstStyle/>
+                        <a:p>
+                          <a:pPr algn="ctr"/>
+                          <a14:m>
+                            <m:oMathPara xmlns:m="http://schemas.openxmlformats.org/officeDocument/2006/math">
+                              <m:oMathParaPr>
+                                <m:jc m:val="centerGroup"/>
+                              </m:oMathParaPr>
+                              <m:oMath xmlns:m="http://schemas.openxmlformats.org/officeDocument/2006/math">
+                                <m:sSub>
+                                  <m:sSubPr>
+                                    <m:ctrlPr>
+                                      <a:rPr lang="en-CA" sz="1800" i="1" smtClean="0">
+                                        <a:latin typeface="Cambria Math" panose="02040503050406030204" pitchFamily="18" charset="0"/>
+                                      </a:rPr>
+                                    </m:ctrlPr>
+                                  </m:sSubPr>
+                                  <m:e>
+                                    <m:r>
+                                      <a:rPr lang="en-US" sz="1800" b="0" i="1" smtClean="0">
+                                        <a:latin typeface="Cambria Math" panose="02040503050406030204" pitchFamily="18" charset="0"/>
+                                      </a:rPr>
+                                      <m:t>𝑈</m:t>
+                                    </m:r>
+                                  </m:e>
+                                  <m:sub>
+                                    <m:r>
+                                      <a:rPr lang="en-US" sz="1800" b="0" i="1" smtClean="0">
+                                        <a:latin typeface="Cambria Math" panose="02040503050406030204" pitchFamily="18" charset="0"/>
+                                      </a:rPr>
+                                      <m:t>𝑖𝑛𝑝𝑢𝑡</m:t>
+                                    </m:r>
+                                  </m:sub>
+                                </m:sSub>
+                              </m:oMath>
+                            </m:oMathPara>
+                          </a14:m>
+                          <a:endParaRPr lang="fr-FR" sz="1800" dirty="0"/>
+                        </a:p>
+                      </a:txBody>
+                      <a:tcPr/>
+                    </a:tc>
+                    <a:tc>
+                      <a:txBody>
+                        <a:bodyPr/>
+                        <a:lstStyle/>
+                        <a:p>
+                          <a:pPr algn="r" fontAlgn="b"/>
+                          <a:r>
+                            <a:rPr lang="fr-CA" sz="1800" b="0" i="0" u="none" strike="noStrike" dirty="0">
+                              <a:solidFill>
+                                <a:srgbClr val="000000"/>
+                              </a:solidFill>
+                              <a:effectLst/>
+                              <a:latin typeface="Calibri" panose="020F0502020204030204" pitchFamily="34" charset="0"/>
+                            </a:rPr>
+                            <a:t>8,428821</a:t>
+                          </a:r>
+                        </a:p>
+                      </a:txBody>
+                      <a:tcPr marL="9525" marR="9525" marT="9525" marB="0" anchor="b"/>
+                    </a:tc>
+                    <a:extLst>
+                      <a:ext uri="{0D108BD9-81ED-4DB2-BD59-A6C34878D82A}">
+                        <a16:rowId xmlns:a16="http://schemas.microsoft.com/office/drawing/2014/main" val="1073379208"/>
+                      </a:ext>
+                    </a:extLst>
+                  </a:tr>
+                  <a:tr h="193485">
+                    <a:tc vMerge="1">
+                      <a:txBody>
+                        <a:bodyPr/>
+                        <a:lstStyle/>
+                        <a:p>
+                          <a:endParaRPr lang="fr-FR"/>
+                        </a:p>
+                      </a:txBody>
+                      <a:tcPr/>
+                    </a:tc>
+                    <a:tc>
+                      <a:txBody>
+                        <a:bodyPr/>
+                        <a:lstStyle/>
+                        <a:p>
+                          <a:pPr algn="r" fontAlgn="b"/>
+                          <a:r>
+                            <a:rPr lang="fr-CA" sz="1800" b="0" i="0" u="none" strike="noStrike" dirty="0">
+                              <a:solidFill>
+                                <a:srgbClr val="000000"/>
+                              </a:solidFill>
+                              <a:effectLst/>
+                              <a:latin typeface="Calibri" panose="020F0502020204030204" pitchFamily="34" charset="0"/>
+                            </a:rPr>
+                            <a:t>12,35201</a:t>
+                          </a:r>
+                        </a:p>
+                      </a:txBody>
+                      <a:tcPr marL="9525" marR="9525" marT="9525" marB="0" anchor="b"/>
+                    </a:tc>
+                    <a:extLst>
+                      <a:ext uri="{0D108BD9-81ED-4DB2-BD59-A6C34878D82A}">
+                        <a16:rowId xmlns:a16="http://schemas.microsoft.com/office/drawing/2014/main" val="422281960"/>
+                      </a:ext>
+                    </a:extLst>
+                  </a:tr>
+                  <a:tr h="370840">
+                    <a:tc>
+                      <a:txBody>
+                        <a:bodyPr/>
+                        <a:lstStyle/>
+                        <a:p>
+                          <a:pPr algn="ctr"/>
+                          <a14:m>
+                            <m:oMathPara xmlns:m="http://schemas.openxmlformats.org/officeDocument/2006/math">
+                              <m:oMathParaPr>
+                                <m:jc m:val="centerGroup"/>
+                              </m:oMathParaPr>
+                              <m:oMath xmlns:m="http://schemas.openxmlformats.org/officeDocument/2006/math">
+                                <m:sSub>
+                                  <m:sSubPr>
+                                    <m:ctrlPr>
+                                      <a:rPr lang="en-CA" sz="1800" i="1" smtClean="0">
+                                        <a:latin typeface="Cambria Math" panose="02040503050406030204" pitchFamily="18" charset="0"/>
+                                      </a:rPr>
+                                    </m:ctrlPr>
+                                  </m:sSubPr>
+                                  <m:e>
+                                    <m:r>
+                                      <a:rPr lang="en-US" sz="1800" b="0" i="1" smtClean="0">
+                                        <a:latin typeface="Cambria Math" panose="02040503050406030204" pitchFamily="18" charset="0"/>
+                                      </a:rPr>
+                                      <m:t>𝑈</m:t>
+                                    </m:r>
+                                  </m:e>
+                                  <m:sub>
+                                    <m:r>
+                                      <a:rPr lang="en-US" sz="1800" b="0" i="1" smtClean="0">
+                                        <a:latin typeface="Cambria Math" panose="02040503050406030204" pitchFamily="18" charset="0"/>
+                                      </a:rPr>
+                                      <m:t>𝐷</m:t>
+                                    </m:r>
+                                  </m:sub>
+                                </m:sSub>
+                              </m:oMath>
+                            </m:oMathPara>
+                          </a14:m>
+                          <a:endParaRPr lang="fr-FR" sz="1800" dirty="0"/>
+                        </a:p>
+                      </a:txBody>
+                      <a:tcPr/>
+                    </a:tc>
+                    <a:tc>
+                      <a:txBody>
+                        <a:bodyPr/>
+                        <a:lstStyle/>
+                        <a:p>
+                          <a:pPr algn="r" fontAlgn="b"/>
+                          <a:r>
+                            <a:rPr lang="fr-CA" sz="1800" b="0" i="0" u="none" strike="noStrike" dirty="0">
+                              <a:solidFill>
+                                <a:srgbClr val="000000"/>
+                              </a:solidFill>
+                              <a:effectLst/>
+                              <a:latin typeface="Calibri" panose="020F0502020204030204" pitchFamily="34" charset="0"/>
+                            </a:rPr>
+                            <a:t>17,77892</a:t>
+                          </a:r>
+                        </a:p>
+                      </a:txBody>
+                      <a:tcPr marL="9525" marR="9525" marT="9525" marB="0" anchor="b"/>
+                    </a:tc>
+                    <a:extLst>
+                      <a:ext uri="{0D108BD9-81ED-4DB2-BD59-A6C34878D82A}">
+                        <a16:rowId xmlns:a16="http://schemas.microsoft.com/office/drawing/2014/main" val="2056308481"/>
+                      </a:ext>
+                    </a:extLst>
+                  </a:tr>
+                  <a:tr h="370840">
+                    <a:tc>
+                      <a:txBody>
+                        <a:bodyPr/>
+                        <a:lstStyle/>
+                        <a:p>
+                          <a:pPr algn="ctr"/>
+                          <a:r>
+                            <a:rPr lang="fr-FR" sz="1800" dirty="0"/>
+                            <a:t>E</a:t>
+                          </a:r>
+                        </a:p>
+                      </a:txBody>
+                      <a:tcPr/>
+                    </a:tc>
+                    <a:tc>
+                      <a:txBody>
+                        <a:bodyPr/>
+                        <a:lstStyle/>
+                        <a:p>
+                          <a:pPr algn="r" fontAlgn="b"/>
+                          <a:r>
+                            <a:rPr lang="fr-CA" sz="1800" b="0" i="0" u="none" strike="noStrike" dirty="0">
+                              <a:solidFill>
+                                <a:srgbClr val="000000"/>
+                              </a:solidFill>
+                              <a:effectLst/>
+                              <a:latin typeface="Calibri" panose="020F0502020204030204" pitchFamily="34" charset="0"/>
+                            </a:rPr>
+                            <a:t>-54,0622</a:t>
+                          </a:r>
+                        </a:p>
+                      </a:txBody>
+                      <a:tcPr marL="9525" marR="9525" marT="9525" marB="0" anchor="b"/>
+                    </a:tc>
+                    <a:extLst>
+                      <a:ext uri="{0D108BD9-81ED-4DB2-BD59-A6C34878D82A}">
+                        <a16:rowId xmlns:a16="http://schemas.microsoft.com/office/drawing/2014/main" val="3548964942"/>
+                      </a:ext>
+                    </a:extLst>
+                  </a:tr>
+                </a:tbl>
+              </a:graphicData>
+            </a:graphic>
+          </p:graphicFrame>
+        </mc:Choice>
+        <mc:Fallback>
+          <p:graphicFrame>
+            <p:nvGraphicFramePr>
+              <p:cNvPr id="4" name="Tableau 3">
+                <a:extLst>
+                  <a:ext uri="{FF2B5EF4-FFF2-40B4-BE49-F238E27FC236}">
+                    <a16:creationId xmlns:a16="http://schemas.microsoft.com/office/drawing/2014/main" id="{96084FD5-C802-F6A8-AC56-278ED99E7714}"/>
+                  </a:ext>
+                </a:extLst>
+              </p:cNvPr>
+              <p:cNvGraphicFramePr>
+                <a:graphicFrameLocks noGrp="1"/>
+              </p:cNvGraphicFramePr>
+              <p:nvPr>
+                <p:extLst>
+                  <p:ext uri="{D42A27DB-BD31-4B8C-83A1-F6EECF244321}">
+                    <p14:modId xmlns:p14="http://schemas.microsoft.com/office/powerpoint/2010/main" val="107805549"/>
+                  </p:ext>
+                </p:extLst>
+              </p:nvPr>
+            </p:nvGraphicFramePr>
+            <p:xfrm>
+              <a:off x="1017016" y="1502730"/>
+              <a:ext cx="8128000" cy="2051050"/>
+            </p:xfrm>
+            <a:graphic>
+              <a:graphicData uri="http://schemas.openxmlformats.org/drawingml/2006/table">
+                <a:tbl>
+                  <a:tblPr firstRow="1" bandRow="1">
+                    <a:tableStyleId>{5C22544A-7EE6-4342-B048-85BDC9FD1C3A}</a:tableStyleId>
+                  </a:tblPr>
+                  <a:tblGrid>
+                    <a:gridCol w="4064000">
+                      <a:extLst>
+                        <a:ext uri="{9D8B030D-6E8A-4147-A177-3AD203B41FA5}">
+                          <a16:colId xmlns:a16="http://schemas.microsoft.com/office/drawing/2014/main" val="191923470"/>
+                        </a:ext>
+                      </a:extLst>
+                    </a:gridCol>
+                    <a:gridCol w="4064000">
+                      <a:extLst>
+                        <a:ext uri="{9D8B030D-6E8A-4147-A177-3AD203B41FA5}">
+                          <a16:colId xmlns:a16="http://schemas.microsoft.com/office/drawing/2014/main" val="3148446179"/>
+                        </a:ext>
+                      </a:extLst>
+                    </a:gridCol>
+                  </a:tblGrid>
+                  <a:tr h="370840">
+                    <a:tc>
+                      <a:txBody>
+                        <a:bodyPr/>
+                        <a:lstStyle/>
+                        <a:p>
+                          <a:r>
+                            <a:rPr lang="fr-FR" dirty="0"/>
+                            <a:t>Erreur </a:t>
+                          </a:r>
+                        </a:p>
+                      </a:txBody>
+                      <a:tcPr/>
+                    </a:tc>
+                    <a:tc>
+                      <a:txBody>
+                        <a:bodyPr/>
+                        <a:lstStyle/>
+                        <a:p>
+                          <a:r>
+                            <a:rPr lang="fr-FR" dirty="0"/>
+                            <a:t>Valeur</a:t>
+                          </a:r>
+                        </a:p>
+                      </a:txBody>
+                      <a:tcPr/>
+                    </a:tc>
+                    <a:extLst>
+                      <a:ext uri="{0D108BD9-81ED-4DB2-BD59-A6C34878D82A}">
+                        <a16:rowId xmlns:a16="http://schemas.microsoft.com/office/drawing/2014/main" val="371851022"/>
+                      </a:ext>
+                    </a:extLst>
+                  </a:tr>
+                  <a:tr h="370840">
+                    <a:tc>
+                      <a:txBody>
+                        <a:bodyPr/>
+                        <a:lstStyle/>
+                        <a:p>
+                          <a:endParaRPr lang="fr-FR"/>
+                        </a:p>
+                      </a:txBody>
+                      <a:tcPr>
+                        <a:blipFill>
+                          <a:blip r:embed="rId3"/>
+                          <a:stretch>
+                            <a:fillRect l="-150" t="-106557" r="-100449" b="-390164"/>
+                          </a:stretch>
+                        </a:blipFill>
+                      </a:tcPr>
+                    </a:tc>
+                    <a:tc>
+                      <a:txBody>
+                        <a:bodyPr/>
+                        <a:lstStyle/>
+                        <a:p>
+                          <a:pPr algn="r" fontAlgn="b"/>
+                          <a:r>
+                            <a:rPr lang="fr-CA" sz="1800" b="0" i="0" u="none" strike="noStrike" dirty="0">
+                              <a:solidFill>
+                                <a:srgbClr val="000000"/>
+                              </a:solidFill>
+                              <a:effectLst/>
+                              <a:latin typeface="Calibri" panose="020F0502020204030204" pitchFamily="34" charset="0"/>
+                            </a:rPr>
+                            <a:t>0,003535625*</a:t>
+                          </a:r>
+                        </a:p>
+                      </a:txBody>
+                      <a:tcPr marL="9525" marR="9525" marT="9525" marB="0" anchor="b"/>
+                    </a:tc>
+                    <a:extLst>
+                      <a:ext uri="{0D108BD9-81ED-4DB2-BD59-A6C34878D82A}">
+                        <a16:rowId xmlns:a16="http://schemas.microsoft.com/office/drawing/2014/main" val="1923254684"/>
+                      </a:ext>
+                    </a:extLst>
+                  </a:tr>
+                  <a:tr h="283845">
+                    <a:tc rowSpan="2">
+                      <a:txBody>
+                        <a:bodyPr/>
+                        <a:lstStyle/>
+                        <a:p>
+                          <a:endParaRPr lang="fr-FR"/>
+                        </a:p>
+                      </a:txBody>
+                      <a:tcPr>
+                        <a:blipFill>
+                          <a:blip r:embed="rId3"/>
+                          <a:stretch>
+                            <a:fillRect l="-150" t="-135484" r="-100449" b="-155914"/>
+                          </a:stretch>
+                        </a:blipFill>
+                      </a:tcPr>
+                    </a:tc>
+                    <a:tc>
+                      <a:txBody>
+                        <a:bodyPr/>
+                        <a:lstStyle/>
+                        <a:p>
+                          <a:pPr algn="r" fontAlgn="b"/>
+                          <a:r>
+                            <a:rPr lang="fr-CA" sz="1800" b="0" i="0" u="none" strike="noStrike" dirty="0">
+                              <a:solidFill>
+                                <a:srgbClr val="000000"/>
+                              </a:solidFill>
+                              <a:effectLst/>
+                              <a:latin typeface="Calibri" panose="020F0502020204030204" pitchFamily="34" charset="0"/>
+                            </a:rPr>
+                            <a:t>8,428821</a:t>
+                          </a:r>
+                        </a:p>
+                      </a:txBody>
+                      <a:tcPr marL="9525" marR="9525" marT="9525" marB="0" anchor="b"/>
+                    </a:tc>
+                    <a:extLst>
+                      <a:ext uri="{0D108BD9-81ED-4DB2-BD59-A6C34878D82A}">
+                        <a16:rowId xmlns:a16="http://schemas.microsoft.com/office/drawing/2014/main" val="1073379208"/>
+                      </a:ext>
+                    </a:extLst>
+                  </a:tr>
+                  <a:tr h="283845">
+                    <a:tc vMerge="1">
+                      <a:txBody>
+                        <a:bodyPr/>
+                        <a:lstStyle/>
+                        <a:p>
+                          <a:endParaRPr lang="fr-FR"/>
+                        </a:p>
+                      </a:txBody>
+                      <a:tcPr/>
+                    </a:tc>
+                    <a:tc>
+                      <a:txBody>
+                        <a:bodyPr/>
+                        <a:lstStyle/>
+                        <a:p>
+                          <a:pPr algn="r" fontAlgn="b"/>
+                          <a:r>
+                            <a:rPr lang="fr-CA" sz="1800" b="0" i="0" u="none" strike="noStrike" dirty="0">
+                              <a:solidFill>
+                                <a:srgbClr val="000000"/>
+                              </a:solidFill>
+                              <a:effectLst/>
+                              <a:latin typeface="Calibri" panose="020F0502020204030204" pitchFamily="34" charset="0"/>
+                            </a:rPr>
+                            <a:t>12,35201</a:t>
+                          </a:r>
+                        </a:p>
+                      </a:txBody>
+                      <a:tcPr marL="9525" marR="9525" marT="9525" marB="0" anchor="b"/>
+                    </a:tc>
+                    <a:extLst>
+                      <a:ext uri="{0D108BD9-81ED-4DB2-BD59-A6C34878D82A}">
+                        <a16:rowId xmlns:a16="http://schemas.microsoft.com/office/drawing/2014/main" val="422281960"/>
+                      </a:ext>
+                    </a:extLst>
+                  </a:tr>
+                  <a:tr h="370840">
+                    <a:tc>
+                      <a:txBody>
+                        <a:bodyPr/>
+                        <a:lstStyle/>
+                        <a:p>
+                          <a:endParaRPr lang="fr-FR"/>
+                        </a:p>
+                      </a:txBody>
+                      <a:tcPr>
+                        <a:blipFill>
+                          <a:blip r:embed="rId3"/>
+                          <a:stretch>
+                            <a:fillRect l="-150" t="-359016" r="-100449" b="-137705"/>
+                          </a:stretch>
+                        </a:blipFill>
+                      </a:tcPr>
+                    </a:tc>
+                    <a:tc>
+                      <a:txBody>
+                        <a:bodyPr/>
+                        <a:lstStyle/>
+                        <a:p>
+                          <a:pPr algn="r" fontAlgn="b"/>
+                          <a:r>
+                            <a:rPr lang="fr-CA" sz="1800" b="0" i="0" u="none" strike="noStrike" dirty="0">
+                              <a:solidFill>
+                                <a:srgbClr val="000000"/>
+                              </a:solidFill>
+                              <a:effectLst/>
+                              <a:latin typeface="Calibri" panose="020F0502020204030204" pitchFamily="34" charset="0"/>
+                            </a:rPr>
+                            <a:t>17,77892</a:t>
+                          </a:r>
+                        </a:p>
+                      </a:txBody>
+                      <a:tcPr marL="9525" marR="9525" marT="9525" marB="0" anchor="b"/>
+                    </a:tc>
+                    <a:extLst>
+                      <a:ext uri="{0D108BD9-81ED-4DB2-BD59-A6C34878D82A}">
+                        <a16:rowId xmlns:a16="http://schemas.microsoft.com/office/drawing/2014/main" val="2056308481"/>
+                      </a:ext>
+                    </a:extLst>
+                  </a:tr>
+                  <a:tr h="370840">
+                    <a:tc>
+                      <a:txBody>
+                        <a:bodyPr/>
+                        <a:lstStyle/>
+                        <a:p>
+                          <a:pPr algn="ctr"/>
+                          <a:r>
+                            <a:rPr lang="fr-FR" sz="1800" dirty="0"/>
+                            <a:t>E</a:t>
+                          </a:r>
+                        </a:p>
+                      </a:txBody>
+                      <a:tcPr/>
+                    </a:tc>
+                    <a:tc>
+                      <a:txBody>
+                        <a:bodyPr/>
+                        <a:lstStyle/>
+                        <a:p>
+                          <a:pPr algn="r" fontAlgn="b"/>
+                          <a:r>
+                            <a:rPr lang="fr-CA" sz="1800" b="0" i="0" u="none" strike="noStrike" dirty="0">
+                              <a:solidFill>
+                                <a:srgbClr val="000000"/>
+                              </a:solidFill>
+                              <a:effectLst/>
+                              <a:latin typeface="Calibri" panose="020F0502020204030204" pitchFamily="34" charset="0"/>
+                            </a:rPr>
+                            <a:t>-54,0622</a:t>
+                          </a:r>
+                        </a:p>
+                      </a:txBody>
+                      <a:tcPr marL="9525" marR="9525" marT="9525" marB="0" anchor="b"/>
+                    </a:tc>
+                    <a:extLst>
+                      <a:ext uri="{0D108BD9-81ED-4DB2-BD59-A6C34878D82A}">
+                        <a16:rowId xmlns:a16="http://schemas.microsoft.com/office/drawing/2014/main" val="3548964942"/>
+                      </a:ext>
+                    </a:extLst>
+                  </a:tr>
+                </a:tbl>
+              </a:graphicData>
+            </a:graphic>
+          </p:graphicFrame>
+        </mc:Fallback>
+      </mc:AlternateContent>
+      <mc:AlternateContent xmlns:mc="http://schemas.openxmlformats.org/markup-compatibility/2006">
+        <mc:Choice xmlns:a14="http://schemas.microsoft.com/office/drawing/2010/main" Requires="a14">
+          <p:sp>
+            <p:nvSpPr>
+              <p:cNvPr id="5" name="ZoneTexte 4">
+                <a:extLst>
+                  <a:ext uri="{FF2B5EF4-FFF2-40B4-BE49-F238E27FC236}">
+                    <a16:creationId xmlns:a16="http://schemas.microsoft.com/office/drawing/2014/main" id="{35C7FA90-6161-C4AE-7285-2101BFC218A1}"/>
+                  </a:ext>
+                </a:extLst>
+              </p:cNvPr>
+              <p:cNvSpPr txBox="1"/>
+              <p:nvPr/>
+            </p:nvSpPr>
+            <p:spPr>
+              <a:xfrm>
+                <a:off x="774192" y="3513030"/>
+                <a:ext cx="11241024" cy="357534"/>
+              </a:xfrm>
+              <a:prstGeom prst="rect">
+                <a:avLst/>
+              </a:prstGeom>
+              <a:noFill/>
+            </p:spPr>
+            <p:txBody>
+              <a:bodyPr wrap="square" rtlCol="0">
+                <a:spAutoFit/>
+              </a:bodyPr>
+              <a:lstStyle/>
+              <a:p>
+                <a:r>
+                  <a:rPr lang="fr-FR" sz="1600" dirty="0"/>
+                  <a:t>*Il est possible de remarquer que </a:t>
+                </a:r>
+                <a14:m>
+                  <m:oMath xmlns:m="http://schemas.openxmlformats.org/officeDocument/2006/math">
+                    <m:sSub>
+                      <m:sSubPr>
+                        <m:ctrlPr>
+                          <a:rPr lang="en-CA" sz="1600" i="1" smtClean="0">
+                            <a:latin typeface="Cambria Math" panose="02040503050406030204" pitchFamily="18" charset="0"/>
+                          </a:rPr>
+                        </m:ctrlPr>
+                      </m:sSubPr>
+                      <m:e>
+                        <m:r>
+                          <a:rPr lang="en-US" sz="1600" b="0" i="1" smtClean="0">
+                            <a:latin typeface="Cambria Math" panose="02040503050406030204" pitchFamily="18" charset="0"/>
+                          </a:rPr>
+                          <m:t>𝑈</m:t>
+                        </m:r>
+                      </m:e>
+                      <m:sub>
+                        <m:r>
+                          <a:rPr lang="en-US" sz="1600" b="0" i="1" smtClean="0">
+                            <a:latin typeface="Cambria Math" panose="02040503050406030204" pitchFamily="18" charset="0"/>
+                          </a:rPr>
+                          <m:t>𝑛𝑢𝑚</m:t>
+                        </m:r>
+                      </m:sub>
+                    </m:sSub>
+                  </m:oMath>
+                </a14:m>
+                <a:r>
+                  <a:rPr lang="fr-FR" sz="1600" dirty="0"/>
+                  <a:t> est très faible devant les autres erreurs et peut être négligée devant </a:t>
+                </a:r>
+                <a14:m>
+                  <m:oMath xmlns:m="http://schemas.openxmlformats.org/officeDocument/2006/math">
+                    <m:sSub>
+                      <m:sSubPr>
+                        <m:ctrlPr>
+                          <a:rPr lang="en-CA" sz="1600" i="1">
+                            <a:latin typeface="Cambria Math" panose="02040503050406030204" pitchFamily="18" charset="0"/>
+                          </a:rPr>
+                        </m:ctrlPr>
+                      </m:sSubPr>
+                      <m:e>
+                        <m:r>
+                          <a:rPr lang="en-US" sz="1600" i="1">
+                            <a:latin typeface="Cambria Math" panose="02040503050406030204" pitchFamily="18" charset="0"/>
+                          </a:rPr>
+                          <m:t>𝑈</m:t>
+                        </m:r>
+                      </m:e>
+                      <m:sub>
+                        <m:r>
+                          <a:rPr lang="en-US" sz="1600" b="0" i="1" smtClean="0">
+                            <a:latin typeface="Cambria Math" panose="02040503050406030204" pitchFamily="18" charset="0"/>
+                          </a:rPr>
+                          <m:t>𝑖𝑛𝑝𝑢𝑡</m:t>
+                        </m:r>
+                        <m:r>
+                          <a:rPr lang="en-US" sz="1600" b="0" i="1" smtClean="0">
+                            <a:latin typeface="Cambria Math" panose="02040503050406030204" pitchFamily="18" charset="0"/>
+                          </a:rPr>
+                          <m:t> </m:t>
+                        </m:r>
+                      </m:sub>
+                    </m:sSub>
+                    <m:r>
+                      <a:rPr lang="en-US" sz="1600" b="0" i="1" smtClean="0">
+                        <a:latin typeface="Cambria Math" panose="02040503050406030204" pitchFamily="18" charset="0"/>
+                      </a:rPr>
+                      <m:t>𝑒𝑡</m:t>
+                    </m:r>
+                    <m:sSub>
+                      <m:sSubPr>
+                        <m:ctrlPr>
+                          <a:rPr lang="en-CA" sz="1600" i="1">
+                            <a:latin typeface="Cambria Math" panose="02040503050406030204" pitchFamily="18" charset="0"/>
+                          </a:rPr>
+                        </m:ctrlPr>
+                      </m:sSubPr>
+                      <m:e>
+                        <m:r>
+                          <a:rPr lang="en-US" sz="1600" i="1">
+                            <a:latin typeface="Cambria Math" panose="02040503050406030204" pitchFamily="18" charset="0"/>
+                          </a:rPr>
+                          <m:t>𝑈</m:t>
+                        </m:r>
+                      </m:e>
+                      <m:sub>
+                        <m:r>
+                          <a:rPr lang="en-US" sz="1600" b="0" i="1" smtClean="0">
+                            <a:latin typeface="Cambria Math" panose="02040503050406030204" pitchFamily="18" charset="0"/>
+                          </a:rPr>
+                          <m:t>𝐷</m:t>
+                        </m:r>
+                      </m:sub>
+                    </m:sSub>
+                    <m:r>
+                      <a:rPr lang="en-US" sz="1600" b="0" i="0" smtClean="0">
+                        <a:latin typeface="Cambria Math" panose="02040503050406030204" pitchFamily="18" charset="0"/>
+                      </a:rPr>
+                      <m:t>.</m:t>
+                    </m:r>
+                  </m:oMath>
+                </a14:m>
+                <a:endParaRPr lang="fr-FR" sz="1600" dirty="0"/>
+              </a:p>
+            </p:txBody>
+          </p:sp>
+        </mc:Choice>
+        <mc:Fallback>
+          <p:sp>
+            <p:nvSpPr>
+              <p:cNvPr id="5" name="ZoneTexte 4">
+                <a:extLst>
+                  <a:ext uri="{FF2B5EF4-FFF2-40B4-BE49-F238E27FC236}">
+                    <a16:creationId xmlns:a16="http://schemas.microsoft.com/office/drawing/2014/main" id="{35C7FA90-6161-C4AE-7285-2101BFC218A1}"/>
+                  </a:ext>
+                </a:extLst>
+              </p:cNvPr>
+              <p:cNvSpPr txBox="1">
+                <a:spLocks noRot="1" noChangeAspect="1" noMove="1" noResize="1" noEditPoints="1" noAdjustHandles="1" noChangeArrowheads="1" noChangeShapeType="1" noTextEdit="1"/>
+              </p:cNvSpPr>
+              <p:nvPr/>
+            </p:nvSpPr>
+            <p:spPr>
+              <a:xfrm>
+                <a:off x="774192" y="3513030"/>
+                <a:ext cx="11241024" cy="357534"/>
+              </a:xfrm>
+              <a:prstGeom prst="rect">
+                <a:avLst/>
+              </a:prstGeom>
+              <a:blipFill>
+                <a:blip r:embed="rId4"/>
+                <a:stretch>
+                  <a:fillRect l="-271" t="-3390" b="-16949"/>
+                </a:stretch>
+              </a:blipFill>
+            </p:spPr>
+            <p:txBody>
+              <a:bodyPr/>
+              <a:lstStyle/>
+              <a:p>
+                <a:r>
+                  <a:rPr lang="fr-FR">
+                    <a:noFill/>
+                  </a:rPr>
+                  <a:t> </a:t>
+                </a:r>
+              </a:p>
+            </p:txBody>
+          </p:sp>
+        </mc:Fallback>
+      </mc:AlternateContent>
+      <mc:AlternateContent xmlns:mc="http://schemas.openxmlformats.org/markup-compatibility/2006">
+        <mc:Choice xmlns:a14="http://schemas.microsoft.com/office/drawing/2010/main" Requires="a14">
+          <p:graphicFrame>
+            <p:nvGraphicFramePr>
+              <p:cNvPr id="6" name="Tableau 5">
+                <a:extLst>
+                  <a:ext uri="{FF2B5EF4-FFF2-40B4-BE49-F238E27FC236}">
+                    <a16:creationId xmlns:a16="http://schemas.microsoft.com/office/drawing/2014/main" id="{1BB31E49-5149-3560-616D-DFCB46A0FA6C}"/>
+                  </a:ext>
+                </a:extLst>
+              </p:cNvPr>
+              <p:cNvGraphicFramePr>
+                <a:graphicFrameLocks noGrp="1"/>
+              </p:cNvGraphicFramePr>
+              <p:nvPr>
+                <p:extLst>
+                  <p:ext uri="{D42A27DB-BD31-4B8C-83A1-F6EECF244321}">
+                    <p14:modId xmlns:p14="http://schemas.microsoft.com/office/powerpoint/2010/main" val="814541785"/>
+                  </p:ext>
+                </p:extLst>
+              </p:nvPr>
+            </p:nvGraphicFramePr>
+            <p:xfrm>
+              <a:off x="1195832" y="4939650"/>
+              <a:ext cx="2596896" cy="645624"/>
+            </p:xfrm>
+            <a:graphic>
+              <a:graphicData uri="http://schemas.openxmlformats.org/drawingml/2006/table">
+                <a:tbl>
+                  <a:tblPr firstRow="1" bandRow="1">
+                    <a:tableStyleId>{5C22544A-7EE6-4342-B048-85BDC9FD1C3A}</a:tableStyleId>
+                  </a:tblPr>
+                  <a:tblGrid>
+                    <a:gridCol w="1617158">
+                      <a:extLst>
+                        <a:ext uri="{9D8B030D-6E8A-4147-A177-3AD203B41FA5}">
+                          <a16:colId xmlns:a16="http://schemas.microsoft.com/office/drawing/2014/main" val="3852403275"/>
+                        </a:ext>
+                      </a:extLst>
+                    </a:gridCol>
+                    <a:gridCol w="979738">
+                      <a:extLst>
+                        <a:ext uri="{9D8B030D-6E8A-4147-A177-3AD203B41FA5}">
+                          <a16:colId xmlns:a16="http://schemas.microsoft.com/office/drawing/2014/main" val="2668432904"/>
+                        </a:ext>
+                      </a:extLst>
+                    </a:gridCol>
+                  </a:tblGrid>
+                  <a:tr h="322812">
+                    <a:tc rowSpan="2">
+                      <a:txBody>
+                        <a:bodyPr/>
+                        <a:lstStyle/>
+                        <a:p>
+                          <a14:m>
+                            <m:oMathPara xmlns:m="http://schemas.openxmlformats.org/officeDocument/2006/math">
+                              <m:oMathParaPr>
+                                <m:jc m:val="centerGroup"/>
+                              </m:oMathParaPr>
+                              <m:oMath xmlns:m="http://schemas.openxmlformats.org/officeDocument/2006/math">
+                                <m:sSub>
+                                  <m:sSubPr>
+                                    <m:ctrlPr>
+                                      <a:rPr lang="en-CA" sz="1800" i="1" smtClean="0">
+                                        <a:solidFill>
+                                          <a:schemeClr val="tx1"/>
+                                        </a:solidFill>
+                                        <a:latin typeface="Cambria Math" panose="02040503050406030204" pitchFamily="18" charset="0"/>
+                                      </a:rPr>
+                                    </m:ctrlPr>
+                                  </m:sSubPr>
+                                  <m:e>
+                                    <m:r>
+                                      <a:rPr lang="en-US" sz="1800" b="0" i="1" smtClean="0">
+                                        <a:solidFill>
+                                          <a:schemeClr val="tx1"/>
+                                        </a:solidFill>
+                                        <a:latin typeface="Cambria Math" panose="02040503050406030204" pitchFamily="18" charset="0"/>
+                                      </a:rPr>
+                                      <m:t>𝑈</m:t>
+                                    </m:r>
+                                  </m:e>
+                                  <m:sub>
+                                    <m:r>
+                                      <a:rPr lang="en-US" sz="1800" b="0" i="1" smtClean="0">
+                                        <a:solidFill>
+                                          <a:schemeClr val="tx1"/>
+                                        </a:solidFill>
+                                        <a:latin typeface="Cambria Math" panose="02040503050406030204" pitchFamily="18" charset="0"/>
+                                      </a:rPr>
+                                      <m:t>𝑣𝑎𝑙</m:t>
+                                    </m:r>
+                                  </m:sub>
+                                </m:sSub>
+                              </m:oMath>
+                            </m:oMathPara>
+                          </a14:m>
+                          <a:endParaRPr lang="fr-FR" dirty="0"/>
+                        </a:p>
+                      </a:txBody>
+                      <a:tcPr>
+                        <a:lnL w="12700" cap="flat" cmpd="sng" algn="ctr">
+                          <a:solidFill>
+                            <a:schemeClr val="tx1"/>
+                          </a:solidFill>
+                          <a:prstDash val="solid"/>
+                          <a:round/>
+                          <a:headEnd type="none" w="med" len="med"/>
+                          <a:tailEnd type="none" w="med" len="med"/>
+                        </a:lnL>
+                        <a:lnR w="12700" cap="flat" cmpd="sng" algn="ctr">
+                          <a:solidFill>
+                            <a:schemeClr val="tx1"/>
+                          </a:solidFill>
+                          <a:prstDash val="solid"/>
+                          <a:round/>
+                          <a:headEnd type="none" w="med" len="med"/>
+                          <a:tailEnd type="none" w="med" len="med"/>
+                        </a:lnR>
+                        <a:lnT w="12700" cap="flat" cmpd="sng" algn="ctr">
+                          <a:solidFill>
+                            <a:schemeClr val="tx1"/>
+                          </a:solidFill>
+                          <a:prstDash val="solid"/>
+                          <a:round/>
+                          <a:headEnd type="none" w="med" len="med"/>
+                          <a:tailEnd type="none" w="med" len="med"/>
+                        </a:lnT>
+                        <a:lnB w="12700" cap="flat" cmpd="sng" algn="ctr">
+                          <a:solidFill>
+                            <a:schemeClr val="tx1"/>
+                          </a:solidFill>
+                          <a:prstDash val="solid"/>
+                          <a:round/>
+                          <a:headEnd type="none" w="med" len="med"/>
+                          <a:tailEnd type="none" w="med" len="med"/>
+                        </a:lnB>
+                        <a:lnTlToBr w="12700" cmpd="sng">
+                          <a:noFill/>
+                          <a:prstDash val="solid"/>
+                        </a:lnTlToBr>
+                        <a:lnBlToTr w="12700" cmpd="sng">
+                          <a:noFill/>
+                          <a:prstDash val="solid"/>
+                        </a:lnBlToTr>
+                        <a:noFill/>
+                      </a:tcPr>
+                    </a:tc>
+                    <a:tc>
+                      <a:txBody>
+                        <a:bodyPr/>
+                        <a:lstStyle/>
+                        <a:p>
+                          <a:pPr algn="r" fontAlgn="b"/>
+                          <a:r>
+                            <a:rPr lang="fr-CA" sz="1800" b="0" i="0" u="none" strike="noStrike" dirty="0">
+                              <a:solidFill>
+                                <a:srgbClr val="000000"/>
+                              </a:solidFill>
+                              <a:effectLst/>
+                              <a:latin typeface="Calibri" panose="020F0502020204030204" pitchFamily="34" charset="0"/>
+                            </a:rPr>
+                            <a:t>19,67575</a:t>
+                          </a:r>
+                        </a:p>
+                      </a:txBody>
+                      <a:tcPr marL="9525" marR="9525" marT="9525" marB="0" anchor="b">
+                        <a:lnL w="12700" cap="flat" cmpd="sng" algn="ctr">
+                          <a:solidFill>
+                            <a:schemeClr val="tx1"/>
+                          </a:solidFill>
+                          <a:prstDash val="solid"/>
+                          <a:round/>
+                          <a:headEnd type="none" w="med" len="med"/>
+                          <a:tailEnd type="none" w="med" len="med"/>
+                        </a:lnL>
+                        <a:lnR w="12700" cap="flat" cmpd="sng" algn="ctr">
+                          <a:solidFill>
+                            <a:schemeClr val="tx1"/>
+                          </a:solidFill>
+                          <a:prstDash val="solid"/>
+                          <a:round/>
+                          <a:headEnd type="none" w="med" len="med"/>
+                          <a:tailEnd type="none" w="med" len="med"/>
+                        </a:lnR>
+                        <a:lnT w="12700" cap="flat" cmpd="sng" algn="ctr">
+                          <a:solidFill>
+                            <a:schemeClr val="tx1"/>
+                          </a:solidFill>
+                          <a:prstDash val="solid"/>
+                          <a:round/>
+                          <a:headEnd type="none" w="med" len="med"/>
+                          <a:tailEnd type="none" w="med" len="med"/>
+                        </a:lnT>
+                        <a:lnB w="12700" cap="flat" cmpd="sng" algn="ctr">
+                          <a:solidFill>
+                            <a:schemeClr val="tx1"/>
+                          </a:solidFill>
+                          <a:prstDash val="solid"/>
+                          <a:round/>
+                          <a:headEnd type="none" w="med" len="med"/>
+                          <a:tailEnd type="none" w="med" len="med"/>
+                        </a:lnB>
+                        <a:lnTlToBr w="12700" cmpd="sng">
+                          <a:noFill/>
+                          <a:prstDash val="solid"/>
+                        </a:lnTlToBr>
+                        <a:lnBlToTr w="12700" cmpd="sng">
+                          <a:noFill/>
+                          <a:prstDash val="solid"/>
+                        </a:lnBlToTr>
+                        <a:noFill/>
+                      </a:tcPr>
+                    </a:tc>
+                    <a:extLst>
+                      <a:ext uri="{0D108BD9-81ED-4DB2-BD59-A6C34878D82A}">
+                        <a16:rowId xmlns:a16="http://schemas.microsoft.com/office/drawing/2014/main" val="2164077407"/>
+                      </a:ext>
+                    </a:extLst>
+                  </a:tr>
+                  <a:tr h="322812">
+                    <a:tc vMerge="1">
+                      <a:txBody>
+                        <a:bodyPr/>
+                        <a:lstStyle/>
+                        <a:p>
+                          <a:endParaRPr lang="fr-FR" dirty="0"/>
+                        </a:p>
+                      </a:txBody>
+                      <a:tcPr/>
+                    </a:tc>
+                    <a:tc>
+                      <a:txBody>
+                        <a:bodyPr/>
+                        <a:lstStyle/>
+                        <a:p>
+                          <a:pPr algn="r" fontAlgn="b"/>
+                          <a:r>
+                            <a:rPr lang="fr-CA" sz="1800" b="0" i="0" u="none" strike="noStrike" dirty="0">
+                              <a:solidFill>
+                                <a:srgbClr val="000000"/>
+                              </a:solidFill>
+                              <a:effectLst/>
+                              <a:latin typeface="Calibri" panose="020F0502020204030204" pitchFamily="34" charset="0"/>
+                            </a:rPr>
+                            <a:t>21,64861</a:t>
+                          </a:r>
+                        </a:p>
+                      </a:txBody>
+                      <a:tcPr marL="9525" marR="9525" marT="9525" marB="0" anchor="b">
+                        <a:lnL w="12700" cap="flat" cmpd="sng" algn="ctr">
+                          <a:solidFill>
+                            <a:schemeClr val="tx1"/>
+                          </a:solidFill>
+                          <a:prstDash val="solid"/>
+                          <a:round/>
+                          <a:headEnd type="none" w="med" len="med"/>
+                          <a:tailEnd type="none" w="med" len="med"/>
+                        </a:lnL>
+                        <a:lnR w="12700" cap="flat" cmpd="sng" algn="ctr">
+                          <a:solidFill>
+                            <a:schemeClr val="tx1"/>
+                          </a:solidFill>
+                          <a:prstDash val="solid"/>
+                          <a:round/>
+                          <a:headEnd type="none" w="med" len="med"/>
+                          <a:tailEnd type="none" w="med" len="med"/>
+                        </a:lnR>
+                        <a:lnT w="12700" cap="flat" cmpd="sng" algn="ctr">
+                          <a:solidFill>
+                            <a:schemeClr val="tx1"/>
+                          </a:solidFill>
+                          <a:prstDash val="solid"/>
+                          <a:round/>
+                          <a:headEnd type="none" w="med" len="med"/>
+                          <a:tailEnd type="none" w="med" len="med"/>
+                        </a:lnT>
+                        <a:lnB w="12700" cap="flat" cmpd="sng" algn="ctr">
+                          <a:solidFill>
+                            <a:schemeClr val="tx1"/>
+                          </a:solidFill>
+                          <a:prstDash val="solid"/>
+                          <a:round/>
+                          <a:headEnd type="none" w="med" len="med"/>
+                          <a:tailEnd type="none" w="med" len="med"/>
+                        </a:lnB>
+                        <a:lnTlToBr w="12700" cmpd="sng">
+                          <a:noFill/>
+                          <a:prstDash val="solid"/>
+                        </a:lnTlToBr>
+                        <a:lnBlToTr w="12700" cmpd="sng">
+                          <a:noFill/>
+                          <a:prstDash val="solid"/>
+                        </a:lnBlToTr>
+                        <a:noFill/>
+                      </a:tcPr>
+                    </a:tc>
+                    <a:extLst>
+                      <a:ext uri="{0D108BD9-81ED-4DB2-BD59-A6C34878D82A}">
+                        <a16:rowId xmlns:a16="http://schemas.microsoft.com/office/drawing/2014/main" val="1487772601"/>
+                      </a:ext>
+                    </a:extLst>
+                  </a:tr>
+                </a:tbl>
+              </a:graphicData>
+            </a:graphic>
+          </p:graphicFrame>
+        </mc:Choice>
+        <mc:Fallback>
+          <p:graphicFrame>
+            <p:nvGraphicFramePr>
+              <p:cNvPr id="6" name="Tableau 5">
+                <a:extLst>
+                  <a:ext uri="{FF2B5EF4-FFF2-40B4-BE49-F238E27FC236}">
+                    <a16:creationId xmlns:a16="http://schemas.microsoft.com/office/drawing/2014/main" id="{1BB31E49-5149-3560-616D-DFCB46A0FA6C}"/>
+                  </a:ext>
+                </a:extLst>
+              </p:cNvPr>
+              <p:cNvGraphicFramePr>
+                <a:graphicFrameLocks noGrp="1"/>
+              </p:cNvGraphicFramePr>
+              <p:nvPr>
+                <p:extLst>
+                  <p:ext uri="{D42A27DB-BD31-4B8C-83A1-F6EECF244321}">
+                    <p14:modId xmlns:p14="http://schemas.microsoft.com/office/powerpoint/2010/main" val="814541785"/>
+                  </p:ext>
+                </p:extLst>
+              </p:nvPr>
+            </p:nvGraphicFramePr>
+            <p:xfrm>
+              <a:off x="1195832" y="4939650"/>
+              <a:ext cx="2596896" cy="645624"/>
+            </p:xfrm>
+            <a:graphic>
+              <a:graphicData uri="http://schemas.openxmlformats.org/drawingml/2006/table">
+                <a:tbl>
+                  <a:tblPr firstRow="1" bandRow="1">
+                    <a:tableStyleId>{5C22544A-7EE6-4342-B048-85BDC9FD1C3A}</a:tableStyleId>
+                  </a:tblPr>
+                  <a:tblGrid>
+                    <a:gridCol w="1617158">
+                      <a:extLst>
+                        <a:ext uri="{9D8B030D-6E8A-4147-A177-3AD203B41FA5}">
+                          <a16:colId xmlns:a16="http://schemas.microsoft.com/office/drawing/2014/main" val="3852403275"/>
+                        </a:ext>
+                      </a:extLst>
+                    </a:gridCol>
+                    <a:gridCol w="979738">
+                      <a:extLst>
+                        <a:ext uri="{9D8B030D-6E8A-4147-A177-3AD203B41FA5}">
+                          <a16:colId xmlns:a16="http://schemas.microsoft.com/office/drawing/2014/main" val="2668432904"/>
+                        </a:ext>
+                      </a:extLst>
+                    </a:gridCol>
+                  </a:tblGrid>
+                  <a:tr h="322812">
+                    <a:tc rowSpan="2">
+                      <a:txBody>
+                        <a:bodyPr/>
+                        <a:lstStyle/>
+                        <a:p>
+                          <a:endParaRPr lang="fr-FR"/>
+                        </a:p>
+                      </a:txBody>
+                      <a:tcPr>
+                        <a:lnL w="12700" cap="flat" cmpd="sng" algn="ctr">
+                          <a:solidFill>
+                            <a:schemeClr val="tx1"/>
+                          </a:solidFill>
+                          <a:prstDash val="solid"/>
+                          <a:round/>
+                          <a:headEnd type="none" w="med" len="med"/>
+                          <a:tailEnd type="none" w="med" len="med"/>
+                        </a:lnL>
+                        <a:lnR w="12700" cap="flat" cmpd="sng" algn="ctr">
+                          <a:solidFill>
+                            <a:schemeClr val="tx1"/>
+                          </a:solidFill>
+                          <a:prstDash val="solid"/>
+                          <a:round/>
+                          <a:headEnd type="none" w="med" len="med"/>
+                          <a:tailEnd type="none" w="med" len="med"/>
+                        </a:lnR>
+                        <a:lnT w="12700" cap="flat" cmpd="sng" algn="ctr">
+                          <a:solidFill>
+                            <a:schemeClr val="tx1"/>
+                          </a:solidFill>
+                          <a:prstDash val="solid"/>
+                          <a:round/>
+                          <a:headEnd type="none" w="med" len="med"/>
+                          <a:tailEnd type="none" w="med" len="med"/>
+                        </a:lnT>
+                        <a:lnB w="12700" cap="flat" cmpd="sng" algn="ctr">
+                          <a:solidFill>
+                            <a:schemeClr val="tx1"/>
+                          </a:solidFill>
+                          <a:prstDash val="solid"/>
+                          <a:round/>
+                          <a:headEnd type="none" w="med" len="med"/>
+                          <a:tailEnd type="none" w="med" len="med"/>
+                        </a:lnB>
+                        <a:lnTlToBr w="12700" cmpd="sng">
+                          <a:noFill/>
+                          <a:prstDash val="solid"/>
+                        </a:lnTlToBr>
+                        <a:lnBlToTr w="12700" cmpd="sng">
+                          <a:noFill/>
+                          <a:prstDash val="solid"/>
+                        </a:lnBlToTr>
+                        <a:blipFill>
+                          <a:blip r:embed="rId5"/>
+                          <a:stretch>
+                            <a:fillRect l="-376" t="-4673" r="-61278" b="-21495"/>
+                          </a:stretch>
+                        </a:blipFill>
+                      </a:tcPr>
+                    </a:tc>
+                    <a:tc>
+                      <a:txBody>
+                        <a:bodyPr/>
+                        <a:lstStyle/>
+                        <a:p>
+                          <a:pPr algn="r" fontAlgn="b"/>
+                          <a:r>
+                            <a:rPr lang="fr-CA" sz="1800" b="0" i="0" u="none" strike="noStrike" dirty="0">
+                              <a:solidFill>
+                                <a:srgbClr val="000000"/>
+                              </a:solidFill>
+                              <a:effectLst/>
+                              <a:latin typeface="Calibri" panose="020F0502020204030204" pitchFamily="34" charset="0"/>
+                            </a:rPr>
+                            <a:t>19,67575</a:t>
+                          </a:r>
+                        </a:p>
+                      </a:txBody>
+                      <a:tcPr marL="9525" marR="9525" marT="9525" marB="0" anchor="b">
+                        <a:lnL w="12700" cap="flat" cmpd="sng" algn="ctr">
+                          <a:solidFill>
+                            <a:schemeClr val="tx1"/>
+                          </a:solidFill>
+                          <a:prstDash val="solid"/>
+                          <a:round/>
+                          <a:headEnd type="none" w="med" len="med"/>
+                          <a:tailEnd type="none" w="med" len="med"/>
+                        </a:lnL>
+                        <a:lnR w="12700" cap="flat" cmpd="sng" algn="ctr">
+                          <a:solidFill>
+                            <a:schemeClr val="tx1"/>
+                          </a:solidFill>
+                          <a:prstDash val="solid"/>
+                          <a:round/>
+                          <a:headEnd type="none" w="med" len="med"/>
+                          <a:tailEnd type="none" w="med" len="med"/>
+                        </a:lnR>
+                        <a:lnT w="12700" cap="flat" cmpd="sng" algn="ctr">
+                          <a:solidFill>
+                            <a:schemeClr val="tx1"/>
+                          </a:solidFill>
+                          <a:prstDash val="solid"/>
+                          <a:round/>
+                          <a:headEnd type="none" w="med" len="med"/>
+                          <a:tailEnd type="none" w="med" len="med"/>
+                        </a:lnT>
+                        <a:lnB w="12700" cap="flat" cmpd="sng" algn="ctr">
+                          <a:solidFill>
+                            <a:schemeClr val="tx1"/>
+                          </a:solidFill>
+                          <a:prstDash val="solid"/>
+                          <a:round/>
+                          <a:headEnd type="none" w="med" len="med"/>
+                          <a:tailEnd type="none" w="med" len="med"/>
+                        </a:lnB>
+                        <a:lnTlToBr w="12700" cmpd="sng">
+                          <a:noFill/>
+                          <a:prstDash val="solid"/>
+                        </a:lnTlToBr>
+                        <a:lnBlToTr w="12700" cmpd="sng">
+                          <a:noFill/>
+                          <a:prstDash val="solid"/>
+                        </a:lnBlToTr>
+                        <a:noFill/>
+                      </a:tcPr>
+                    </a:tc>
+                    <a:extLst>
+                      <a:ext uri="{0D108BD9-81ED-4DB2-BD59-A6C34878D82A}">
+                        <a16:rowId xmlns:a16="http://schemas.microsoft.com/office/drawing/2014/main" val="2164077407"/>
+                      </a:ext>
+                    </a:extLst>
+                  </a:tr>
+                  <a:tr h="322812">
+                    <a:tc vMerge="1">
+                      <a:txBody>
+                        <a:bodyPr/>
+                        <a:lstStyle/>
+                        <a:p>
+                          <a:endParaRPr lang="fr-FR" dirty="0"/>
+                        </a:p>
+                      </a:txBody>
+                      <a:tcPr/>
+                    </a:tc>
+                    <a:tc>
+                      <a:txBody>
+                        <a:bodyPr/>
+                        <a:lstStyle/>
+                        <a:p>
+                          <a:pPr algn="r" fontAlgn="b"/>
+                          <a:r>
+                            <a:rPr lang="fr-CA" sz="1800" b="0" i="0" u="none" strike="noStrike" dirty="0">
+                              <a:solidFill>
+                                <a:srgbClr val="000000"/>
+                              </a:solidFill>
+                              <a:effectLst/>
+                              <a:latin typeface="Calibri" panose="020F0502020204030204" pitchFamily="34" charset="0"/>
+                            </a:rPr>
+                            <a:t>21,64861</a:t>
+                          </a:r>
+                        </a:p>
+                      </a:txBody>
+                      <a:tcPr marL="9525" marR="9525" marT="9525" marB="0" anchor="b">
+                        <a:lnL w="12700" cap="flat" cmpd="sng" algn="ctr">
+                          <a:solidFill>
+                            <a:schemeClr val="tx1"/>
+                          </a:solidFill>
+                          <a:prstDash val="solid"/>
+                          <a:round/>
+                          <a:headEnd type="none" w="med" len="med"/>
+                          <a:tailEnd type="none" w="med" len="med"/>
+                        </a:lnL>
+                        <a:lnR w="12700" cap="flat" cmpd="sng" algn="ctr">
+                          <a:solidFill>
+                            <a:schemeClr val="tx1"/>
+                          </a:solidFill>
+                          <a:prstDash val="solid"/>
+                          <a:round/>
+                          <a:headEnd type="none" w="med" len="med"/>
+                          <a:tailEnd type="none" w="med" len="med"/>
+                        </a:lnR>
+                        <a:lnT w="12700" cap="flat" cmpd="sng" algn="ctr">
+                          <a:solidFill>
+                            <a:schemeClr val="tx1"/>
+                          </a:solidFill>
+                          <a:prstDash val="solid"/>
+                          <a:round/>
+                          <a:headEnd type="none" w="med" len="med"/>
+                          <a:tailEnd type="none" w="med" len="med"/>
+                        </a:lnT>
+                        <a:lnB w="12700" cap="flat" cmpd="sng" algn="ctr">
+                          <a:solidFill>
+                            <a:schemeClr val="tx1"/>
+                          </a:solidFill>
+                          <a:prstDash val="solid"/>
+                          <a:round/>
+                          <a:headEnd type="none" w="med" len="med"/>
+                          <a:tailEnd type="none" w="med" len="med"/>
+                        </a:lnB>
+                        <a:lnTlToBr w="12700" cmpd="sng">
+                          <a:noFill/>
+                          <a:prstDash val="solid"/>
+                        </a:lnTlToBr>
+                        <a:lnBlToTr w="12700" cmpd="sng">
+                          <a:noFill/>
+                          <a:prstDash val="solid"/>
+                        </a:lnBlToTr>
+                        <a:noFill/>
+                      </a:tcPr>
+                    </a:tc>
+                    <a:extLst>
+                      <a:ext uri="{0D108BD9-81ED-4DB2-BD59-A6C34878D82A}">
+                        <a16:rowId xmlns:a16="http://schemas.microsoft.com/office/drawing/2014/main" val="1487772601"/>
+                      </a:ext>
+                    </a:extLst>
+                  </a:tr>
+                </a:tbl>
+              </a:graphicData>
+            </a:graphic>
+          </p:graphicFrame>
+        </mc:Fallback>
+      </mc:AlternateContent>
+      <mc:AlternateContent xmlns:mc="http://schemas.openxmlformats.org/markup-compatibility/2006">
+        <mc:Choice xmlns:a14="http://schemas.microsoft.com/office/drawing/2010/main" Requires="a14">
+          <p:sp>
+            <p:nvSpPr>
+              <p:cNvPr id="7" name="ZoneTexte 6">
+                <a:extLst>
+                  <a:ext uri="{FF2B5EF4-FFF2-40B4-BE49-F238E27FC236}">
+                    <a16:creationId xmlns:a16="http://schemas.microsoft.com/office/drawing/2014/main" id="{9066F2FA-F0F9-8C17-AAAD-30B9CB521212}"/>
+                  </a:ext>
+                </a:extLst>
+              </p:cNvPr>
+              <p:cNvSpPr txBox="1"/>
+              <p:nvPr/>
+            </p:nvSpPr>
+            <p:spPr>
+              <a:xfrm>
+                <a:off x="838200" y="3897888"/>
+                <a:ext cx="10637520" cy="933012"/>
+              </a:xfrm>
+              <a:prstGeom prst="rect">
+                <a:avLst/>
+              </a:prstGeom>
+              <a:noFill/>
+            </p:spPr>
+            <p:txBody>
+              <a:bodyPr wrap="square" rtlCol="0">
+                <a:spAutoFit/>
+              </a:bodyPr>
+              <a:lstStyle/>
+              <a:p>
+                <a:r>
+                  <a:rPr lang="fr-FR" dirty="0"/>
+                  <a:t>En utilisant la formule </a:t>
+                </a:r>
+                <a14:m>
+                  <m:oMath xmlns:m="http://schemas.openxmlformats.org/officeDocument/2006/math">
+                    <m:sSub>
+                      <m:sSubPr>
+                        <m:ctrlPr>
+                          <a:rPr lang="en-CA" i="1">
+                            <a:latin typeface="Cambria Math" panose="02040503050406030204" pitchFamily="18" charset="0"/>
+                          </a:rPr>
+                        </m:ctrlPr>
+                      </m:sSubPr>
+                      <m:e>
+                        <m:r>
+                          <a:rPr lang="en-US" i="1">
+                            <a:latin typeface="Cambria Math" panose="02040503050406030204" pitchFamily="18" charset="0"/>
+                          </a:rPr>
+                          <m:t>𝑈</m:t>
+                        </m:r>
+                      </m:e>
+                      <m:sub>
+                        <m:r>
+                          <a:rPr lang="en-US" b="0" i="1" smtClean="0">
+                            <a:latin typeface="Cambria Math" panose="02040503050406030204" pitchFamily="18" charset="0"/>
+                          </a:rPr>
+                          <m:t>𝑣𝑎𝑙</m:t>
+                        </m:r>
+                      </m:sub>
+                    </m:sSub>
+                    <m:r>
+                      <a:rPr lang="en-US" b="0" i="1" smtClean="0">
+                        <a:latin typeface="Cambria Math" panose="02040503050406030204" pitchFamily="18" charset="0"/>
+                      </a:rPr>
+                      <m:t>=</m:t>
+                    </m:r>
+                    <m:rad>
+                      <m:radPr>
+                        <m:degHide m:val="on"/>
+                        <m:ctrlPr>
+                          <a:rPr lang="fr-FR" i="1" smtClean="0">
+                            <a:latin typeface="Cambria Math" panose="02040503050406030204" pitchFamily="18" charset="0"/>
+                          </a:rPr>
+                        </m:ctrlPr>
+                      </m:radPr>
+                      <m:deg/>
+                      <m:e>
+                        <m:sSup>
+                          <m:sSupPr>
+                            <m:ctrlPr>
+                              <a:rPr lang="fr-FR" i="1" smtClean="0">
+                                <a:latin typeface="Cambria Math" panose="02040503050406030204" pitchFamily="18" charset="0"/>
+                              </a:rPr>
+                            </m:ctrlPr>
+                          </m:sSupPr>
+                          <m:e>
+                            <m:sSub>
+                              <m:sSubPr>
+                                <m:ctrlPr>
+                                  <a:rPr lang="en-CA" i="1">
+                                    <a:latin typeface="Cambria Math" panose="02040503050406030204" pitchFamily="18" charset="0"/>
+                                  </a:rPr>
+                                </m:ctrlPr>
+                              </m:sSubPr>
+                              <m:e>
+                                <m:r>
+                                  <a:rPr lang="en-US" i="1">
+                                    <a:latin typeface="Cambria Math" panose="02040503050406030204" pitchFamily="18" charset="0"/>
+                                  </a:rPr>
+                                  <m:t>𝑈</m:t>
+                                </m:r>
+                              </m:e>
+                              <m:sub>
+                                <m:r>
+                                  <a:rPr lang="en-US" i="1">
+                                    <a:latin typeface="Cambria Math" panose="02040503050406030204" pitchFamily="18" charset="0"/>
+                                  </a:rPr>
+                                  <m:t>𝑛𝑢𝑚</m:t>
+                                </m:r>
+                              </m:sub>
+                            </m:sSub>
+                          </m:e>
+                          <m:sup>
+                            <m:r>
+                              <a:rPr lang="en-US" b="0" i="1" smtClean="0">
+                                <a:latin typeface="Cambria Math" panose="02040503050406030204" pitchFamily="18" charset="0"/>
+                              </a:rPr>
+                              <m:t>2</m:t>
+                            </m:r>
+                          </m:sup>
+                        </m:sSup>
+                        <m:r>
+                          <a:rPr lang="en-US" b="0" i="1" smtClean="0">
+                            <a:latin typeface="Cambria Math" panose="02040503050406030204" pitchFamily="18" charset="0"/>
+                          </a:rPr>
+                          <m:t>+</m:t>
+                        </m:r>
+                        <m:sSup>
+                          <m:sSupPr>
+                            <m:ctrlPr>
+                              <a:rPr lang="fr-FR" i="1">
+                                <a:latin typeface="Cambria Math" panose="02040503050406030204" pitchFamily="18" charset="0"/>
+                              </a:rPr>
+                            </m:ctrlPr>
+                          </m:sSupPr>
+                          <m:e>
+                            <m:sSub>
+                              <m:sSubPr>
+                                <m:ctrlPr>
+                                  <a:rPr lang="en-CA" i="1">
+                                    <a:latin typeface="Cambria Math" panose="02040503050406030204" pitchFamily="18" charset="0"/>
+                                  </a:rPr>
+                                </m:ctrlPr>
+                              </m:sSubPr>
+                              <m:e>
+                                <m:r>
+                                  <a:rPr lang="en-US" i="1">
+                                    <a:latin typeface="Cambria Math" panose="02040503050406030204" pitchFamily="18" charset="0"/>
+                                  </a:rPr>
+                                  <m:t>𝑈</m:t>
+                                </m:r>
+                              </m:e>
+                              <m:sub>
+                                <m:r>
+                                  <a:rPr lang="en-US" b="0" i="1" smtClean="0">
+                                    <a:latin typeface="Cambria Math" panose="02040503050406030204" pitchFamily="18" charset="0"/>
+                                  </a:rPr>
+                                  <m:t>𝑖𝑛𝑝𝑢𝑡</m:t>
+                                </m:r>
+                              </m:sub>
+                            </m:sSub>
+                          </m:e>
+                          <m:sup>
+                            <m:r>
+                              <a:rPr lang="en-US" i="1">
+                                <a:latin typeface="Cambria Math" panose="02040503050406030204" pitchFamily="18" charset="0"/>
+                              </a:rPr>
+                              <m:t>2</m:t>
+                            </m:r>
+                          </m:sup>
+                        </m:sSup>
+                        <m:r>
+                          <a:rPr lang="en-US" b="0" i="1" smtClean="0">
+                            <a:latin typeface="Cambria Math" panose="02040503050406030204" pitchFamily="18" charset="0"/>
+                          </a:rPr>
+                          <m:t>+</m:t>
+                        </m:r>
+                        <m:sSup>
+                          <m:sSupPr>
+                            <m:ctrlPr>
+                              <a:rPr lang="fr-FR" i="1">
+                                <a:latin typeface="Cambria Math" panose="02040503050406030204" pitchFamily="18" charset="0"/>
+                              </a:rPr>
+                            </m:ctrlPr>
+                          </m:sSupPr>
+                          <m:e>
+                            <m:sSub>
+                              <m:sSubPr>
+                                <m:ctrlPr>
+                                  <a:rPr lang="en-CA" i="1">
+                                    <a:latin typeface="Cambria Math" panose="02040503050406030204" pitchFamily="18" charset="0"/>
+                                  </a:rPr>
+                                </m:ctrlPr>
+                              </m:sSubPr>
+                              <m:e>
+                                <m:r>
+                                  <a:rPr lang="en-US" i="1">
+                                    <a:latin typeface="Cambria Math" panose="02040503050406030204" pitchFamily="18" charset="0"/>
+                                  </a:rPr>
+                                  <m:t>𝑈</m:t>
+                                </m:r>
+                              </m:e>
+                              <m:sub>
+                                <m:r>
+                                  <a:rPr lang="en-US" b="0" i="1" smtClean="0">
+                                    <a:latin typeface="Cambria Math" panose="02040503050406030204" pitchFamily="18" charset="0"/>
+                                  </a:rPr>
+                                  <m:t>𝐷</m:t>
+                                </m:r>
+                              </m:sub>
+                            </m:sSub>
+                          </m:e>
+                          <m:sup>
+                            <m:r>
+                              <a:rPr lang="en-US" i="1">
+                                <a:latin typeface="Cambria Math" panose="02040503050406030204" pitchFamily="18" charset="0"/>
+                              </a:rPr>
+                              <m:t>2</m:t>
+                            </m:r>
+                          </m:sup>
+                        </m:sSup>
+                        <m:r>
+                          <a:rPr lang="en-US" b="0" i="1" smtClean="0">
+                            <a:latin typeface="Cambria Math" panose="02040503050406030204" pitchFamily="18" charset="0"/>
+                          </a:rPr>
+                          <m:t> </m:t>
+                        </m:r>
+                      </m:e>
+                    </m:rad>
+                    <m:r>
+                      <a:rPr lang="en-US" b="0" i="1" smtClean="0">
+                        <a:latin typeface="Cambria Math" panose="02040503050406030204" pitchFamily="18" charset="0"/>
+                      </a:rPr>
+                      <m:t> </m:t>
+                    </m:r>
+                  </m:oMath>
+                </a14:m>
+                <a:r>
+                  <a:rPr lang="fr-FR" dirty="0"/>
+                  <a:t>tel que les erreurs sont standardisées a un écart-type.</a:t>
+                </a:r>
+              </a:p>
+            </p:txBody>
+          </p:sp>
+        </mc:Choice>
+        <mc:Fallback>
+          <p:sp>
+            <p:nvSpPr>
+              <p:cNvPr id="7" name="ZoneTexte 6">
+                <a:extLst>
+                  <a:ext uri="{FF2B5EF4-FFF2-40B4-BE49-F238E27FC236}">
+                    <a16:creationId xmlns:a16="http://schemas.microsoft.com/office/drawing/2014/main" id="{9066F2FA-F0F9-8C17-AAAD-30B9CB521212}"/>
+                  </a:ext>
+                </a:extLst>
+              </p:cNvPr>
+              <p:cNvSpPr txBox="1">
+                <a:spLocks noRot="1" noChangeAspect="1" noMove="1" noResize="1" noEditPoints="1" noAdjustHandles="1" noChangeArrowheads="1" noChangeShapeType="1" noTextEdit="1"/>
+              </p:cNvSpPr>
+              <p:nvPr/>
+            </p:nvSpPr>
+            <p:spPr>
+              <a:xfrm>
+                <a:off x="838200" y="3897888"/>
+                <a:ext cx="10637520" cy="933012"/>
+              </a:xfrm>
+              <a:prstGeom prst="rect">
+                <a:avLst/>
+              </a:prstGeom>
+              <a:blipFill>
+                <a:blip r:embed="rId6"/>
+                <a:stretch>
+                  <a:fillRect l="-516" b="-9804"/>
+                </a:stretch>
+              </a:blipFill>
+            </p:spPr>
+            <p:txBody>
+              <a:bodyPr/>
+              <a:lstStyle/>
+              <a:p>
+                <a:r>
+                  <a:rPr lang="fr-FR">
+                    <a:noFill/>
+                  </a:rPr>
+                  <a:t> </a:t>
+                </a:r>
+              </a:p>
+            </p:txBody>
+          </p:sp>
+        </mc:Fallback>
+      </mc:AlternateContent>
+      <p:sp>
+        <p:nvSpPr>
+          <p:cNvPr id="8" name="ZoneTexte 7">
+            <a:extLst>
+              <a:ext uri="{FF2B5EF4-FFF2-40B4-BE49-F238E27FC236}">
+                <a16:creationId xmlns:a16="http://schemas.microsoft.com/office/drawing/2014/main" id="{F6F73D0E-1CEA-198C-1543-90E938F5B34B}"/>
+              </a:ext>
+            </a:extLst>
+          </p:cNvPr>
+          <p:cNvSpPr txBox="1"/>
+          <p:nvPr/>
+        </p:nvSpPr>
+        <p:spPr>
+          <a:xfrm>
+            <a:off x="112776" y="5301473"/>
+            <a:ext cx="184731" cy="369332"/>
+          </a:xfrm>
+          <a:prstGeom prst="rect">
+            <a:avLst/>
+          </a:prstGeom>
+          <a:noFill/>
+        </p:spPr>
+        <p:txBody>
+          <a:bodyPr wrap="none" rtlCol="0">
+            <a:spAutoFit/>
+          </a:bodyPr>
+          <a:lstStyle/>
+          <a:p>
+            <a:endParaRPr lang="fr-FR" dirty="0"/>
+          </a:p>
+        </p:txBody>
+      </p:sp>
+      <mc:AlternateContent xmlns:mc="http://schemas.openxmlformats.org/markup-compatibility/2006">
+        <mc:Choice xmlns:a14="http://schemas.microsoft.com/office/drawing/2010/main" Requires="a14">
+          <p:sp>
+            <p:nvSpPr>
+              <p:cNvPr id="9" name="ZoneTexte 8">
+                <a:extLst>
+                  <a:ext uri="{FF2B5EF4-FFF2-40B4-BE49-F238E27FC236}">
+                    <a16:creationId xmlns:a16="http://schemas.microsoft.com/office/drawing/2014/main" id="{500493B6-6D28-9063-FFBF-E1797CC3ADF7}"/>
+                  </a:ext>
+                </a:extLst>
+              </p:cNvPr>
+              <p:cNvSpPr txBox="1"/>
+              <p:nvPr/>
+            </p:nvSpPr>
+            <p:spPr>
+              <a:xfrm>
+                <a:off x="667820" y="5736823"/>
+                <a:ext cx="11347396" cy="646331"/>
+              </a:xfrm>
+              <a:prstGeom prst="rect">
+                <a:avLst/>
+              </a:prstGeom>
+              <a:noFill/>
+            </p:spPr>
+            <p:txBody>
+              <a:bodyPr wrap="square" rtlCol="0">
+                <a:spAutoFit/>
+              </a:bodyPr>
+              <a:lstStyle/>
+              <a:p>
+                <a:r>
+                  <a:rPr lang="fr-FR" dirty="0"/>
+                  <a:t>Ces valeurs de </a:t>
+                </a:r>
+                <a14:m>
+                  <m:oMath xmlns:m="http://schemas.openxmlformats.org/officeDocument/2006/math">
+                    <m:sSub>
+                      <m:sSubPr>
+                        <m:ctrlPr>
+                          <a:rPr lang="en-CA" sz="1800" i="1" smtClean="0">
+                            <a:solidFill>
+                              <a:schemeClr val="tx1"/>
+                            </a:solidFill>
+                            <a:latin typeface="Cambria Math" panose="02040503050406030204" pitchFamily="18" charset="0"/>
+                          </a:rPr>
+                        </m:ctrlPr>
+                      </m:sSubPr>
+                      <m:e>
+                        <m:r>
+                          <a:rPr lang="en-US" sz="1800" b="0" i="1" smtClean="0">
+                            <a:solidFill>
+                              <a:schemeClr val="tx1"/>
+                            </a:solidFill>
+                            <a:latin typeface="Cambria Math" panose="02040503050406030204" pitchFamily="18" charset="0"/>
+                          </a:rPr>
+                          <m:t>𝑈</m:t>
+                        </m:r>
+                      </m:e>
+                      <m:sub>
+                        <m:r>
+                          <a:rPr lang="en-US" sz="1800" b="0" i="1" smtClean="0">
+                            <a:solidFill>
+                              <a:schemeClr val="tx1"/>
+                            </a:solidFill>
+                            <a:latin typeface="Cambria Math" panose="02040503050406030204" pitchFamily="18" charset="0"/>
+                          </a:rPr>
+                          <m:t>𝑣𝑎𝑙</m:t>
+                        </m:r>
+                      </m:sub>
+                    </m:sSub>
+                  </m:oMath>
+                </a14:m>
+                <a:r>
+                  <a:rPr lang="fr-FR" dirty="0"/>
+                  <a:t> se traduisent par un intervalle de confiance à 95,4% sur l’erreur modèle allant de [-93,414,-10,765] . 0 n’appartient par a l’intervalle de </a:t>
+                </a:r>
+                <a14:m>
+                  <m:oMath xmlns:m="http://schemas.openxmlformats.org/officeDocument/2006/math">
+                    <m:sSub>
+                      <m:sSubPr>
+                        <m:ctrlPr>
+                          <a:rPr lang="en-CA" i="1">
+                            <a:latin typeface="Cambria Math" panose="02040503050406030204" pitchFamily="18" charset="0"/>
+                          </a:rPr>
+                        </m:ctrlPr>
+                      </m:sSubPr>
+                      <m:e>
+                        <m:r>
+                          <m:rPr>
+                            <m:nor/>
+                          </m:rPr>
+                          <a:rPr lang="el-GR" dirty="0"/>
+                          <m:t>δ</m:t>
+                        </m:r>
+                      </m:e>
+                      <m:sub>
+                        <m:r>
+                          <a:rPr lang="en-US" i="1">
+                            <a:latin typeface="Cambria Math" panose="02040503050406030204" pitchFamily="18" charset="0"/>
+                          </a:rPr>
+                          <m:t>𝑚𝑜𝑑𝑒𝑙</m:t>
+                        </m:r>
+                      </m:sub>
+                    </m:sSub>
+                  </m:oMath>
+                </a14:m>
+                <a:r>
+                  <a:rPr lang="fr-FR" dirty="0"/>
+                  <a:t>   </a:t>
+                </a:r>
+              </a:p>
+            </p:txBody>
+          </p:sp>
+        </mc:Choice>
+        <mc:Fallback>
+          <p:sp>
+            <p:nvSpPr>
+              <p:cNvPr id="9" name="ZoneTexte 8">
+                <a:extLst>
+                  <a:ext uri="{FF2B5EF4-FFF2-40B4-BE49-F238E27FC236}">
+                    <a16:creationId xmlns:a16="http://schemas.microsoft.com/office/drawing/2014/main" id="{500493B6-6D28-9063-FFBF-E1797CC3ADF7}"/>
+                  </a:ext>
+                </a:extLst>
+              </p:cNvPr>
+              <p:cNvSpPr txBox="1">
+                <a:spLocks noRot="1" noChangeAspect="1" noMove="1" noResize="1" noEditPoints="1" noAdjustHandles="1" noChangeArrowheads="1" noChangeShapeType="1" noTextEdit="1"/>
+              </p:cNvSpPr>
+              <p:nvPr/>
+            </p:nvSpPr>
+            <p:spPr>
+              <a:xfrm>
+                <a:off x="667820" y="5736823"/>
+                <a:ext cx="11347396" cy="646331"/>
+              </a:xfrm>
+              <a:prstGeom prst="rect">
+                <a:avLst/>
+              </a:prstGeom>
+              <a:blipFill>
+                <a:blip r:embed="rId7"/>
+                <a:stretch>
+                  <a:fillRect l="-484" t="-3774" b="-15094"/>
+                </a:stretch>
+              </a:blipFill>
+            </p:spPr>
+            <p:txBody>
+              <a:bodyPr/>
+              <a:lstStyle/>
+              <a:p>
+                <a:r>
+                  <a:rPr lang="fr-FR">
+                    <a:noFill/>
+                  </a:rPr>
+                  <a:t> </a:t>
+                </a:r>
+              </a:p>
+            </p:txBody>
+          </p:sp>
+        </mc:Fallback>
+      </mc:AlternateContent>
     </p:spTree>
     <p:extLst>
       <p:ext uri="{BB962C8B-B14F-4D97-AF65-F5344CB8AC3E}">

--- a/Devoir_3.pptx
+++ b/Devoir_3.pptx
@@ -13222,8 +13222,8 @@
           <a:chExt cx="0" cy="0"/>
         </a:xfrm>
       </p:grpSpPr>
-      <mc:AlternateContent xmlns:mc="http://schemas.openxmlformats.org/markup-compatibility/2006">
-        <mc:Choice xmlns:a14="http://schemas.microsoft.com/office/drawing/2010/main" Requires="a14">
+      <mc:AlternateContent xmlns:mc="http://schemas.openxmlformats.org/markup-compatibility/2006" xmlns:a14="http://schemas.microsoft.com/office/drawing/2010/main">
+        <mc:Choice Requires="a14">
           <p:sp>
             <p:nvSpPr>
               <p:cNvPr id="3" name="Content Placeholder 2">
@@ -13367,7 +13367,7 @@
             </p:txBody>
           </p:sp>
         </mc:Choice>
-        <mc:Fallback>
+        <mc:Fallback xmlns="">
           <p:sp>
             <p:nvSpPr>
               <p:cNvPr id="3" name="Content Placeholder 2">
@@ -13411,8 +13411,8 @@
           </p:sp>
         </mc:Fallback>
       </mc:AlternateContent>
-      <mc:AlternateContent xmlns:mc="http://schemas.openxmlformats.org/markup-compatibility/2006">
-        <mc:Choice xmlns:a14="http://schemas.microsoft.com/office/drawing/2010/main" Requires="a14">
+      <mc:AlternateContent xmlns:mc="http://schemas.openxmlformats.org/markup-compatibility/2006" xmlns:a14="http://schemas.microsoft.com/office/drawing/2010/main">
+        <mc:Choice Requires="a14">
           <p:sp>
             <p:nvSpPr>
               <p:cNvPr id="4" name="Title 1">
@@ -13499,7 +13499,7 @@
             </p:txBody>
           </p:sp>
         </mc:Choice>
-        <mc:Fallback>
+        <mc:Fallback xmlns="">
           <p:sp>
             <p:nvSpPr>
               <p:cNvPr id="4" name="Title 1">
@@ -13573,8 +13573,8 @@
           <a:chExt cx="0" cy="0"/>
         </a:xfrm>
       </p:grpSpPr>
-      <mc:AlternateContent xmlns:mc="http://schemas.openxmlformats.org/markup-compatibility/2006">
-        <mc:Choice xmlns:a14="http://schemas.microsoft.com/office/drawing/2010/main" Requires="a14">
+      <mc:AlternateContent xmlns:mc="http://schemas.openxmlformats.org/markup-compatibility/2006" xmlns:a14="http://schemas.microsoft.com/office/drawing/2010/main">
+        <mc:Choice Requires="a14">
           <p:sp>
             <p:nvSpPr>
               <p:cNvPr id="3" name="Content Placeholder 2">
@@ -13946,7 +13946,7 @@
             </p:txBody>
           </p:sp>
         </mc:Choice>
-        <mc:Fallback>
+        <mc:Fallback xmlns="">
           <p:sp>
             <p:nvSpPr>
               <p:cNvPr id="3" name="Content Placeholder 2">
@@ -14254,8 +14254,8 @@
           </a:p>
         </p:txBody>
       </p:sp>
-      <mc:AlternateContent xmlns:mc="http://schemas.openxmlformats.org/markup-compatibility/2006">
-        <mc:Choice xmlns:a14="http://schemas.microsoft.com/office/drawing/2010/main" Requires="a14">
+      <mc:AlternateContent xmlns:mc="http://schemas.openxmlformats.org/markup-compatibility/2006" xmlns:a14="http://schemas.microsoft.com/office/drawing/2010/main">
+        <mc:Choice Requires="a14">
           <p:sp>
             <p:nvSpPr>
               <p:cNvPr id="8" name="Title 1">
@@ -14330,7 +14330,7 @@
             </p:txBody>
           </p:sp>
         </mc:Choice>
-        <mc:Fallback>
+        <mc:Fallback xmlns="">
           <p:sp>
             <p:nvSpPr>
               <p:cNvPr id="8" name="Title 1">
@@ -14465,8 +14465,8 @@
           </a:graphicData>
         </a:graphic>
       </p:graphicFrame>
-      <mc:AlternateContent xmlns:mc="http://schemas.openxmlformats.org/markup-compatibility/2006">
-        <mc:Choice xmlns:a14="http://schemas.microsoft.com/office/drawing/2010/main" Requires="a14">
+      <mc:AlternateContent xmlns:mc="http://schemas.openxmlformats.org/markup-compatibility/2006" xmlns:a14="http://schemas.microsoft.com/office/drawing/2010/main">
+        <mc:Choice Requires="a14">
           <p:sp>
             <p:nvSpPr>
               <p:cNvPr id="6" name="Title 1">
@@ -14541,7 +14541,7 @@
             </p:txBody>
           </p:sp>
         </mc:Choice>
-        <mc:Fallback>
+        <mc:Fallback xmlns="">
           <p:sp>
             <p:nvSpPr>
               <p:cNvPr id="6" name="Title 1">
@@ -14585,8 +14585,8 @@
           </p:sp>
         </mc:Fallback>
       </mc:AlternateContent>
-      <mc:AlternateContent xmlns:mc="http://schemas.openxmlformats.org/markup-compatibility/2006">
-        <mc:Choice xmlns:a14="http://schemas.microsoft.com/office/drawing/2010/main" Requires="a14">
+      <mc:AlternateContent xmlns:mc="http://schemas.openxmlformats.org/markup-compatibility/2006" xmlns:a14="http://schemas.microsoft.com/office/drawing/2010/main">
+        <mc:Choice Requires="a14">
           <p:sp>
             <p:nvSpPr>
               <p:cNvPr id="8" name="TextBox 7">
@@ -15599,7 +15599,7 @@
             </p:txBody>
           </p:sp>
         </mc:Choice>
-        <mc:Fallback>
+        <mc:Fallback xmlns="">
           <p:sp>
             <p:nvSpPr>
               <p:cNvPr id="8" name="TextBox 7">
@@ -15790,8 +15790,8 @@
           <a:chExt cx="0" cy="0"/>
         </a:xfrm>
       </p:grpSpPr>
-      <mc:AlternateContent xmlns:mc="http://schemas.openxmlformats.org/markup-compatibility/2006">
-        <mc:Choice xmlns:a14="http://schemas.microsoft.com/office/drawing/2010/main" Requires="a14">
+      <mc:AlternateContent xmlns:mc="http://schemas.openxmlformats.org/markup-compatibility/2006" xmlns:a14="http://schemas.microsoft.com/office/drawing/2010/main">
+        <mc:Choice Requires="a14">
           <p:sp>
             <p:nvSpPr>
               <p:cNvPr id="2" name="Title 1">
@@ -15866,7 +15866,7 @@
             </p:txBody>
           </p:sp>
         </mc:Choice>
-        <mc:Fallback>
+        <mc:Fallback xmlns="">
           <p:sp>
             <p:nvSpPr>
               <p:cNvPr id="2" name="Title 1">
@@ -15910,8 +15910,8 @@
           </p:sp>
         </mc:Fallback>
       </mc:AlternateContent>
-      <mc:AlternateContent xmlns:mc="http://schemas.openxmlformats.org/markup-compatibility/2006">
-        <mc:Choice xmlns:a14="http://schemas.microsoft.com/office/drawing/2010/main" Requires="a14">
+      <mc:AlternateContent xmlns:mc="http://schemas.openxmlformats.org/markup-compatibility/2006" xmlns:a14="http://schemas.microsoft.com/office/drawing/2010/main">
+        <mc:Choice Requires="a14">
           <p:sp>
             <p:nvSpPr>
               <p:cNvPr id="3" name="Content Placeholder 2">
@@ -17218,13 +17218,7 @@
                                 <a:rPr lang="en-CA" sz="1800" i="1">
                                   <a:latin typeface="Cambria Math" panose="02040503050406030204" pitchFamily="18" charset="0"/>
                                 </a:rPr>
-                                <m:t>30</m:t>
-                              </m:r>
-                              <m:r>
-                                <a:rPr lang="en-CA" sz="1800" i="1">
-                                  <a:latin typeface="Cambria Math" panose="02040503050406030204" pitchFamily="18" charset="0"/>
-                                </a:rPr>
-                                <m:t>0</m:t>
+                                <m:t>300</m:t>
                               </m:r>
                             </m:sub>
                           </m:sSub>
@@ -17255,13 +17249,7 @@
                                 <a:rPr lang="en-CA" sz="1800" i="1">
                                   <a:latin typeface="Cambria Math" panose="02040503050406030204" pitchFamily="18" charset="0"/>
                                 </a:rPr>
-                                <m:t>6</m:t>
-                              </m:r>
-                              <m:r>
-                                <a:rPr lang="en-CA" sz="1800" i="1">
-                                  <a:latin typeface="Cambria Math" panose="02040503050406030204" pitchFamily="18" charset="0"/>
-                                </a:rPr>
-                                <m:t>00</m:t>
+                                <m:t>600</m:t>
                               </m:r>
                             </m:sub>
                           </m:sSub>
@@ -17371,7 +17359,7 @@
             </p:txBody>
           </p:sp>
         </mc:Choice>
-        <mc:Fallback>
+        <mc:Fallback xmlns="">
           <p:sp>
             <p:nvSpPr>
               <p:cNvPr id="3" name="Content Placeholder 2">
@@ -17962,8 +17950,8 @@
           <a:chExt cx="0" cy="0"/>
         </a:xfrm>
       </p:grpSpPr>
-      <mc:AlternateContent xmlns:mc="http://schemas.openxmlformats.org/markup-compatibility/2006">
-        <mc:Choice xmlns:a14="http://schemas.microsoft.com/office/drawing/2010/main" Requires="a14">
+      <mc:AlternateContent xmlns:mc="http://schemas.openxmlformats.org/markup-compatibility/2006" xmlns:a14="http://schemas.microsoft.com/office/drawing/2010/main">
+        <mc:Choice Requires="a14">
           <p:sp>
             <p:nvSpPr>
               <p:cNvPr id="2" name="Title 1">
@@ -18038,7 +18026,7 @@
             </p:txBody>
           </p:sp>
         </mc:Choice>
-        <mc:Fallback>
+        <mc:Fallback xmlns="">
           <p:sp>
             <p:nvSpPr>
               <p:cNvPr id="2" name="Title 1">
@@ -18336,7 +18324,15 @@
                 </a:r>
                 <a:r>
                   <a:rPr lang="fr-CA" sz="1800" dirty="0"/>
-                  <a:t> afin de calculer la perméabilité k correspondante et de déterminer sa loi de distribution. </a:t>
+                  <a:t> afin de calculer la perméabilité k correspondante et de déterminer sa loi de distribution (le </a:t>
+                </a:r>
+                <a:r>
+                  <a:rPr lang="fr-CA" sz="1800" dirty="0" err="1"/>
+                  <a:t>seed</a:t>
+                </a:r>
+                <a:r>
+                  <a:rPr lang="fr-CA" sz="1800" dirty="0"/>
+                  <a:t> a été remis à 0). </a:t>
                 </a:r>
               </a:p>
               <a:p>
@@ -18395,8 +18391,8 @@
           </p:sp>
         </mc:Fallback>
       </mc:AlternateContent>
-      <mc:AlternateContent xmlns:mc="http://schemas.openxmlformats.org/markup-compatibility/2006">
-        <mc:Choice xmlns:a14="http://schemas.microsoft.com/office/drawing/2010/main" Requires="a14">
+      <mc:AlternateContent xmlns:mc="http://schemas.openxmlformats.org/markup-compatibility/2006" xmlns:a14="http://schemas.microsoft.com/office/drawing/2010/main">
+        <mc:Choice Requires="a14">
           <p:graphicFrame>
             <p:nvGraphicFramePr>
               <p:cNvPr id="4" name="Tableau 3">
@@ -18690,7 +18686,7 @@
             </a:graphic>
           </p:graphicFrame>
         </mc:Choice>
-        <mc:Fallback>
+        <mc:Fallback xmlns="">
           <p:graphicFrame>
             <p:nvGraphicFramePr>
               <p:cNvPr id="4" name="Tableau 3">
@@ -18962,8 +18958,8 @@
           <a:chExt cx="0" cy="0"/>
         </a:xfrm>
       </p:grpSpPr>
-      <mc:AlternateContent xmlns:mc="http://schemas.openxmlformats.org/markup-compatibility/2006">
-        <mc:Choice xmlns:a14="http://schemas.microsoft.com/office/drawing/2010/main" Requires="a14">
+      <mc:AlternateContent xmlns:mc="http://schemas.openxmlformats.org/markup-compatibility/2006" xmlns:a14="http://schemas.microsoft.com/office/drawing/2010/main">
+        <mc:Choice Requires="a14">
           <p:sp>
             <p:nvSpPr>
               <p:cNvPr id="2" name="Title 1">
@@ -19038,7 +19034,7 @@
             </p:txBody>
           </p:sp>
         </mc:Choice>
-        <mc:Fallback>
+        <mc:Fallback xmlns="">
           <p:sp>
             <p:nvSpPr>
               <p:cNvPr id="2" name="Title 1">
@@ -19152,8 +19148,8 @@
           </a:p>
         </p:txBody>
       </p:sp>
-      <mc:AlternateContent xmlns:mc="http://schemas.openxmlformats.org/markup-compatibility/2006">
-        <mc:Choice xmlns:a14="http://schemas.microsoft.com/office/drawing/2010/main" Requires="a14">
+      <mc:AlternateContent xmlns:mc="http://schemas.openxmlformats.org/markup-compatibility/2006" xmlns:a14="http://schemas.microsoft.com/office/drawing/2010/main">
+        <mc:Choice Requires="a14">
           <p:sp>
             <p:nvSpPr>
               <p:cNvPr id="8" name="ZoneTexte 7">
@@ -19310,7 +19306,7 @@
             </p:txBody>
           </p:sp>
         </mc:Choice>
-        <mc:Fallback>
+        <mc:Fallback xmlns="">
           <p:sp>
             <p:nvSpPr>
               <p:cNvPr id="8" name="ZoneTexte 7">
@@ -19355,8 +19351,8 @@
           </p:sp>
         </mc:Fallback>
       </mc:AlternateContent>
-      <mc:AlternateContent xmlns:mc="http://schemas.openxmlformats.org/markup-compatibility/2006">
-        <mc:Choice xmlns:a14="http://schemas.microsoft.com/office/drawing/2010/main" Requires="a14">
+      <mc:AlternateContent xmlns:mc="http://schemas.openxmlformats.org/markup-compatibility/2006" xmlns:a14="http://schemas.microsoft.com/office/drawing/2010/main">
+        <mc:Choice Requires="a14">
           <p:graphicFrame>
             <p:nvGraphicFramePr>
               <p:cNvPr id="10" name="Tableau 9">
@@ -19791,7 +19787,7 @@
             </a:graphic>
           </p:graphicFrame>
         </mc:Choice>
-        <mc:Fallback>
+        <mc:Fallback xmlns="">
           <p:graphicFrame>
             <p:nvGraphicFramePr>
               <p:cNvPr id="10" name="Tableau 9">
@@ -20061,8 +20057,8 @@
           </p:graphicFrame>
         </mc:Fallback>
       </mc:AlternateContent>
-      <mc:AlternateContent xmlns:mc="http://schemas.openxmlformats.org/markup-compatibility/2006">
-        <mc:Choice xmlns:a14="http://schemas.microsoft.com/office/drawing/2010/main" Requires="a14">
+      <mc:AlternateContent xmlns:mc="http://schemas.openxmlformats.org/markup-compatibility/2006" xmlns:a14="http://schemas.microsoft.com/office/drawing/2010/main">
+        <mc:Choice Requires="a14">
           <p:sp>
             <p:nvSpPr>
               <p:cNvPr id="11" name="ZoneTexte 10">
@@ -20137,7 +20133,7 @@
             </p:txBody>
           </p:sp>
         </mc:Choice>
-        <mc:Fallback>
+        <mc:Fallback xmlns="">
           <p:sp>
             <p:nvSpPr>
               <p:cNvPr id="11" name="ZoneTexte 10">
@@ -20182,8 +20178,8 @@
           </p:sp>
         </mc:Fallback>
       </mc:AlternateContent>
-      <mc:AlternateContent xmlns:mc="http://schemas.openxmlformats.org/markup-compatibility/2006">
-        <mc:Choice xmlns:a14="http://schemas.microsoft.com/office/drawing/2010/main" Requires="a14">
+      <mc:AlternateContent xmlns:mc="http://schemas.openxmlformats.org/markup-compatibility/2006" xmlns:a14="http://schemas.microsoft.com/office/drawing/2010/main">
+        <mc:Choice Requires="a14">
           <p:graphicFrame>
             <p:nvGraphicFramePr>
               <p:cNvPr id="12" name="Tableau 11">
@@ -20674,7 +20670,7 @@
             </a:graphic>
           </p:graphicFrame>
         </mc:Choice>
-        <mc:Fallback>
+        <mc:Fallback xmlns="">
           <p:graphicFrame>
             <p:nvGraphicFramePr>
               <p:cNvPr id="12" name="Tableau 11">
@@ -20962,8 +20958,8 @@
           <a:chExt cx="0" cy="0"/>
         </a:xfrm>
       </p:grpSpPr>
-      <mc:AlternateContent xmlns:mc="http://schemas.openxmlformats.org/markup-compatibility/2006">
-        <mc:Choice xmlns:a14="http://schemas.microsoft.com/office/drawing/2010/main" Requires="a14">
+      <mc:AlternateContent xmlns:mc="http://schemas.openxmlformats.org/markup-compatibility/2006" xmlns:a14="http://schemas.microsoft.com/office/drawing/2010/main">
+        <mc:Choice Requires="a14">
           <p:sp>
             <p:nvSpPr>
               <p:cNvPr id="2" name="Title 1">
@@ -21030,7 +21026,7 @@
             </p:txBody>
           </p:sp>
         </mc:Choice>
-        <mc:Fallback>
+        <mc:Fallback xmlns="">
           <p:sp>
             <p:nvSpPr>
               <p:cNvPr id="2" name="Title 1">
@@ -21074,8 +21070,8 @@
           </p:sp>
         </mc:Fallback>
       </mc:AlternateContent>
-      <mc:AlternateContent xmlns:mc="http://schemas.openxmlformats.org/markup-compatibility/2006">
-        <mc:Choice xmlns:a14="http://schemas.microsoft.com/office/drawing/2010/main" Requires="a14">
+      <mc:AlternateContent xmlns:mc="http://schemas.openxmlformats.org/markup-compatibility/2006" xmlns:a14="http://schemas.microsoft.com/office/drawing/2010/main">
+        <mc:Choice Requires="a14">
           <p:graphicFrame>
             <p:nvGraphicFramePr>
               <p:cNvPr id="4" name="Espace réservé du contenu 3">
@@ -21303,7 +21299,7 @@
             </a:graphic>
           </p:graphicFrame>
         </mc:Choice>
-        <mc:Fallback>
+        <mc:Fallback xmlns="">
           <p:graphicFrame>
             <p:nvGraphicFramePr>
               <p:cNvPr id="4" name="Espace réservé du contenu 3">
@@ -21975,8 +21971,8 @@
           </a:graphicData>
         </a:graphic>
       </p:graphicFrame>
-      <mc:AlternateContent xmlns:mc="http://schemas.openxmlformats.org/markup-compatibility/2006">
-        <mc:Choice xmlns:a14="http://schemas.microsoft.com/office/drawing/2010/main" Requires="a14">
+      <mc:AlternateContent xmlns:mc="http://schemas.openxmlformats.org/markup-compatibility/2006" xmlns:a14="http://schemas.microsoft.com/office/drawing/2010/main">
+        <mc:Choice Requires="a14">
           <p:sp>
             <p:nvSpPr>
               <p:cNvPr id="6" name="ZoneTexte 5">
@@ -22074,7 +22070,7 @@
             </p:txBody>
           </p:sp>
         </mc:Choice>
-        <mc:Fallback>
+        <mc:Fallback xmlns="">
           <p:sp>
             <p:nvSpPr>
               <p:cNvPr id="6" name="ZoneTexte 5">
@@ -22149,8 +22145,8 @@
           <a:chExt cx="0" cy="0"/>
         </a:xfrm>
       </p:grpSpPr>
-      <mc:AlternateContent xmlns:mc="http://schemas.openxmlformats.org/markup-compatibility/2006">
-        <mc:Choice xmlns:a14="http://schemas.microsoft.com/office/drawing/2010/main" Requires="a14">
+      <mc:AlternateContent xmlns:mc="http://schemas.openxmlformats.org/markup-compatibility/2006" xmlns:a14="http://schemas.microsoft.com/office/drawing/2010/main">
+        <mc:Choice Requires="a14">
           <p:sp>
             <p:nvSpPr>
               <p:cNvPr id="2" name="Title 1">
@@ -22237,7 +22233,7 @@
             </p:txBody>
           </p:sp>
         </mc:Choice>
-        <mc:Fallback>
+        <mc:Fallback xmlns="">
           <p:sp>
             <p:nvSpPr>
               <p:cNvPr id="2" name="Title 1">
@@ -22281,8 +22277,8 @@
           </p:sp>
         </mc:Fallback>
       </mc:AlternateContent>
-      <mc:AlternateContent xmlns:mc="http://schemas.openxmlformats.org/markup-compatibility/2006">
-        <mc:Choice xmlns:a14="http://schemas.microsoft.com/office/drawing/2010/main" Requires="a14">
+      <mc:AlternateContent xmlns:mc="http://schemas.openxmlformats.org/markup-compatibility/2006" xmlns:a14="http://schemas.microsoft.com/office/drawing/2010/main">
+        <mc:Choice Requires="a14">
           <p:graphicFrame>
             <p:nvGraphicFramePr>
               <p:cNvPr id="4" name="Tableau 3">
@@ -22708,7 +22704,7 @@
             </a:graphic>
           </p:graphicFrame>
         </mc:Choice>
-        <mc:Fallback>
+        <mc:Fallback xmlns="">
           <p:graphicFrame>
             <p:nvGraphicFramePr>
               <p:cNvPr id="4" name="Tableau 3">
@@ -23011,8 +23007,8 @@
           </p:graphicFrame>
         </mc:Fallback>
       </mc:AlternateContent>
-      <mc:AlternateContent xmlns:mc="http://schemas.openxmlformats.org/markup-compatibility/2006">
-        <mc:Choice xmlns:a14="http://schemas.microsoft.com/office/drawing/2010/main" Requires="a14">
+      <mc:AlternateContent xmlns:mc="http://schemas.openxmlformats.org/markup-compatibility/2006" xmlns:a14="http://schemas.microsoft.com/office/drawing/2010/main">
+        <mc:Choice Requires="a14">
           <p:sp>
             <p:nvSpPr>
               <p:cNvPr id="5" name="ZoneTexte 4">
@@ -23155,7 +23151,7 @@
             </p:txBody>
           </p:sp>
         </mc:Choice>
-        <mc:Fallback>
+        <mc:Fallback xmlns="">
           <p:sp>
             <p:nvSpPr>
               <p:cNvPr id="5" name="ZoneTexte 4">
@@ -23779,8 +23775,8 @@
           </p:graphicFrame>
         </mc:Fallback>
       </mc:AlternateContent>
-      <mc:AlternateContent xmlns:mc="http://schemas.openxmlformats.org/markup-compatibility/2006">
-        <mc:Choice xmlns:a14="http://schemas.microsoft.com/office/drawing/2010/main" Requires="a14">
+      <mc:AlternateContent xmlns:mc="http://schemas.openxmlformats.org/markup-compatibility/2006" xmlns:a14="http://schemas.microsoft.com/office/drawing/2010/main">
+        <mc:Choice Requires="a14">
           <p:sp>
             <p:nvSpPr>
               <p:cNvPr id="7" name="ZoneTexte 6">
@@ -24028,7 +24024,7 @@
             </p:txBody>
           </p:sp>
         </mc:Choice>
-        <mc:Fallback>
+        <mc:Fallback xmlns="">
           <p:sp>
             <p:nvSpPr>
               <p:cNvPr id="7" name="ZoneTexte 6">
@@ -24105,8 +24101,8 @@
           </a:p>
         </p:txBody>
       </p:sp>
-      <mc:AlternateContent xmlns:mc="http://schemas.openxmlformats.org/markup-compatibility/2006">
-        <mc:Choice xmlns:a14="http://schemas.microsoft.com/office/drawing/2010/main" Requires="a14">
+      <mc:AlternateContent xmlns:mc="http://schemas.openxmlformats.org/markup-compatibility/2006" xmlns:a14="http://schemas.microsoft.com/office/drawing/2010/main">
+        <mc:Choice Requires="a14">
           <p:sp>
             <p:nvSpPr>
               <p:cNvPr id="9" name="ZoneTexte 8">
@@ -24448,7 +24444,7 @@
             </p:txBody>
           </p:sp>
         </mc:Choice>
-        <mc:Fallback>
+        <mc:Fallback xmlns="">
           <p:sp>
             <p:nvSpPr>
               <p:cNvPr id="9" name="ZoneTexte 8">
@@ -24493,8 +24489,8 @@
           </p:sp>
         </mc:Fallback>
       </mc:AlternateContent>
-      <mc:AlternateContent xmlns:mc="http://schemas.openxmlformats.org/markup-compatibility/2006">
-        <mc:Choice xmlns:a14="http://schemas.microsoft.com/office/drawing/2010/main" Requires="a14">
+      <mc:AlternateContent xmlns:mc="http://schemas.openxmlformats.org/markup-compatibility/2006" xmlns:a14="http://schemas.microsoft.com/office/drawing/2010/main">
+        <mc:Choice Requires="a14">
           <p:sp>
             <p:nvSpPr>
               <p:cNvPr id="13" name="TextBox 12">
@@ -24686,7 +24682,7 @@
             </p:txBody>
           </p:sp>
         </mc:Choice>
-        <mc:Fallback>
+        <mc:Fallback xmlns="">
           <p:sp>
             <p:nvSpPr>
               <p:cNvPr id="13" name="TextBox 12">

--- a/Devoir_3.pptx
+++ b/Devoir_3.pptx
@@ -133,7 +133,7 @@
 <file path=ppt/charts/chart1.xml><?xml version="1.0" encoding="utf-8"?>
 <c:chartSpace xmlns:c="http://schemas.openxmlformats.org/drawingml/2006/chart" xmlns:a="http://schemas.openxmlformats.org/drawingml/2006/main" xmlns:r="http://schemas.openxmlformats.org/officeDocument/2006/relationships" xmlns:c16r2="http://schemas.microsoft.com/office/drawing/2015/06/chart">
   <c:date1904 val="0"/>
-  <c:lang val="en-US"/>
+  <c:lang val="fr-FR"/>
   <c:roundedCorners val="0"/>
   <mc:AlternateContent xmlns:mc="http://schemas.openxmlformats.org/markup-compatibility/2006">
     <mc:Choice xmlns:c14="http://schemas.microsoft.com/office/drawing/2007/8/2/chart" Requires="c14">
@@ -250,7 +250,7 @@
               <a:cs typeface="+mn-cs"/>
             </a:defRPr>
           </a:pPr>
-          <a:endParaRPr lang="en-US"/>
+          <a:endParaRPr lang="fr-FR"/>
         </a:p>
       </c:txPr>
     </c:title>
@@ -457,7 +457,7 @@
                   <a:cs typeface="+mn-cs"/>
                 </a:defRPr>
               </a:pPr>
-              <a:endParaRPr lang="en-US"/>
+              <a:endParaRPr lang="fr-FR"/>
             </a:p>
           </c:txPr>
         </c:title>
@@ -495,7 +495,7 @@
                 <a:cs typeface="+mn-cs"/>
               </a:defRPr>
             </a:pPr>
-            <a:endParaRPr lang="en-US"/>
+            <a:endParaRPr lang="fr-FR"/>
           </a:p>
         </c:txPr>
         <c:crossAx val="936369311"/>
@@ -582,7 +582,7 @@
                   <a:cs typeface="+mn-cs"/>
                 </a:defRPr>
               </a:pPr>
-              <a:endParaRPr lang="en-US"/>
+              <a:endParaRPr lang="fr-FR"/>
             </a:p>
           </c:txPr>
         </c:title>
@@ -620,7 +620,7 @@
                 <a:cs typeface="+mn-cs"/>
               </a:defRPr>
             </a:pPr>
-            <a:endParaRPr lang="en-US"/>
+            <a:endParaRPr lang="fr-FR"/>
           </a:p>
         </c:txPr>
         <c:crossAx val="936366911"/>
@@ -660,7 +660,7 @@
       <a:pPr>
         <a:defRPr/>
       </a:pPr>
-      <a:endParaRPr lang="en-US"/>
+      <a:endParaRPr lang="fr-FR"/>
     </a:p>
   </c:txPr>
   <c:externalData r:id="rId3">
@@ -672,7 +672,7 @@
 <file path=ppt/charts/chart2.xml><?xml version="1.0" encoding="utf-8"?>
 <c:chartSpace xmlns:c="http://schemas.openxmlformats.org/drawingml/2006/chart" xmlns:a="http://schemas.openxmlformats.org/drawingml/2006/main" xmlns:r="http://schemas.openxmlformats.org/officeDocument/2006/relationships" xmlns:c16r2="http://schemas.microsoft.com/office/drawing/2015/06/chart">
   <c:date1904 val="0"/>
-  <c:lang val="en-US"/>
+  <c:lang val="fr-FR"/>
   <c:roundedCorners val="0"/>
   <mc:AlternateContent xmlns:mc="http://schemas.openxmlformats.org/markup-compatibility/2006">
     <mc:Choice xmlns:c14="http://schemas.microsoft.com/office/drawing/2007/8/2/chart" Requires="c14">
@@ -755,7 +755,7 @@
               <a:cs typeface="+mn-cs"/>
             </a:defRPr>
           </a:pPr>
-          <a:endParaRPr lang="en-US"/>
+          <a:endParaRPr lang="fr-FR"/>
         </a:p>
       </c:txPr>
     </c:title>
@@ -1123,7 +1123,7 @@
                   <a:cs typeface="+mn-cs"/>
                 </a:defRPr>
               </a:pPr>
-              <a:endParaRPr lang="en-US"/>
+              <a:endParaRPr lang="fr-FR"/>
             </a:p>
           </c:txPr>
         </c:title>
@@ -1161,7 +1161,7 @@
                 <a:cs typeface="+mn-cs"/>
               </a:defRPr>
             </a:pPr>
-            <a:endParaRPr lang="en-US"/>
+            <a:endParaRPr lang="fr-FR"/>
           </a:p>
         </c:txPr>
         <c:crossAx val="918235711"/>
@@ -1260,7 +1260,7 @@
                   <a:cs typeface="+mn-cs"/>
                 </a:defRPr>
               </a:pPr>
-              <a:endParaRPr lang="en-US"/>
+              <a:endParaRPr lang="fr-FR"/>
             </a:p>
           </c:txPr>
         </c:title>
@@ -1298,7 +1298,7 @@
                 <a:cs typeface="+mn-cs"/>
               </a:defRPr>
             </a:pPr>
-            <a:endParaRPr lang="en-US"/>
+            <a:endParaRPr lang="fr-FR"/>
           </a:p>
         </c:txPr>
         <c:crossAx val="918234271"/>
@@ -1338,7 +1338,7 @@
       <a:pPr>
         <a:defRPr/>
       </a:pPr>
-      <a:endParaRPr lang="en-US"/>
+      <a:endParaRPr lang="fr-FR"/>
     </a:p>
   </c:txPr>
   <c:externalData r:id="rId3">
@@ -1350,7 +1350,7 @@
 <file path=ppt/charts/chart3.xml><?xml version="1.0" encoding="utf-8"?>
 <c:chartSpace xmlns:c="http://schemas.openxmlformats.org/drawingml/2006/chart" xmlns:a="http://schemas.openxmlformats.org/drawingml/2006/main" xmlns:r="http://schemas.openxmlformats.org/officeDocument/2006/relationships" xmlns:c16r2="http://schemas.microsoft.com/office/drawing/2015/06/chart">
   <c:date1904 val="0"/>
-  <c:lang val="en-US"/>
+  <c:lang val="fr-FR"/>
   <c:roundedCorners val="0"/>
   <mc:AlternateContent xmlns:mc="http://schemas.openxmlformats.org/markup-compatibility/2006">
     <mc:Choice xmlns:c14="http://schemas.microsoft.com/office/drawing/2007/8/2/chart" Requires="c14">
@@ -2885,7 +2885,7 @@
                   <a:cs typeface="+mn-cs"/>
                 </a:defRPr>
               </a:pPr>
-              <a:endParaRPr lang="en-US"/>
+              <a:endParaRPr lang="fr-FR"/>
             </a:p>
           </c:txPr>
         </c:title>
@@ -2923,7 +2923,7 @@
                 <a:cs typeface="+mn-cs"/>
               </a:defRPr>
             </a:pPr>
-            <a:endParaRPr lang="en-US"/>
+            <a:endParaRPr lang="fr-FR"/>
           </a:p>
         </c:txPr>
         <c:crossAx val="1138105280"/>
@@ -3011,7 +3011,7 @@
                   <a:cs typeface="+mn-cs"/>
                 </a:defRPr>
               </a:pPr>
-              <a:endParaRPr lang="en-US"/>
+              <a:endParaRPr lang="fr-FR"/>
             </a:p>
           </c:txPr>
         </c:title>
@@ -3049,7 +3049,7 @@
                 <a:cs typeface="+mn-cs"/>
               </a:defRPr>
             </a:pPr>
-            <a:endParaRPr lang="en-US"/>
+            <a:endParaRPr lang="fr-FR"/>
           </a:p>
         </c:txPr>
         <c:crossAx val="1069872976"/>
@@ -3089,7 +3089,7 @@
       <a:pPr>
         <a:defRPr/>
       </a:pPr>
-      <a:endParaRPr lang="en-US"/>
+      <a:endParaRPr lang="fr-FR"/>
     </a:p>
   </c:txPr>
   <c:externalData r:id="rId3">
@@ -3101,7 +3101,7 @@
 <file path=ppt/charts/chart4.xml><?xml version="1.0" encoding="utf-8"?>
 <c:chartSpace xmlns:c="http://schemas.openxmlformats.org/drawingml/2006/chart" xmlns:a="http://schemas.openxmlformats.org/drawingml/2006/main" xmlns:r="http://schemas.openxmlformats.org/officeDocument/2006/relationships" xmlns:c16r2="http://schemas.microsoft.com/office/drawing/2015/06/chart">
   <c:date1904 val="0"/>
-  <c:lang val="en-US"/>
+  <c:lang val="fr-FR"/>
   <c:roundedCorners val="0"/>
   <mc:AlternateContent xmlns:mc="http://schemas.openxmlformats.org/markup-compatibility/2006">
     <mc:Choice xmlns:c14="http://schemas.microsoft.com/office/drawing/2007/8/2/chart" Requires="c14">
@@ -6766,7 +6766,7 @@
                   <a:cs typeface="+mn-cs"/>
                 </a:defRPr>
               </a:pPr>
-              <a:endParaRPr lang="en-US"/>
+              <a:endParaRPr lang="fr-FR"/>
             </a:p>
           </c:txPr>
         </c:title>
@@ -6804,7 +6804,7 @@
                 <a:cs typeface="+mn-cs"/>
               </a:defRPr>
             </a:pPr>
-            <a:endParaRPr lang="en-US"/>
+            <a:endParaRPr lang="fr-FR"/>
           </a:p>
         </c:txPr>
         <c:crossAx val="2056117408"/>
@@ -6909,7 +6909,7 @@
                   <a:cs typeface="+mn-cs"/>
                 </a:defRPr>
               </a:pPr>
-              <a:endParaRPr lang="en-US"/>
+              <a:endParaRPr lang="fr-FR"/>
             </a:p>
           </c:txPr>
         </c:title>
@@ -6947,7 +6947,7 @@
                 <a:cs typeface="+mn-cs"/>
               </a:defRPr>
             </a:pPr>
-            <a:endParaRPr lang="en-US"/>
+            <a:endParaRPr lang="fr-FR"/>
           </a:p>
         </c:txPr>
         <c:crossAx val="2056125568"/>
@@ -6999,7 +6999,7 @@
               <a:cs typeface="+mn-cs"/>
             </a:defRPr>
           </a:pPr>
-          <a:endParaRPr lang="en-US"/>
+          <a:endParaRPr lang="fr-FR"/>
         </a:p>
       </c:txPr>
     </c:legend>
@@ -7028,7 +7028,7 @@
       <a:pPr>
         <a:defRPr/>
       </a:pPr>
-      <a:endParaRPr lang="en-US"/>
+      <a:endParaRPr lang="fr-FR"/>
     </a:p>
   </c:txPr>
   <c:externalData r:id="rId3">
@@ -9502,7 +9502,7 @@
           <a:p>
             <a:fld id="{603E9730-38DB-4F77-A139-6CE923099591}" type="slidenum">
               <a:rPr lang="en-CA" smtClean="0"/>
-              <a:t>‹#›</a:t>
+              <a:t>‹N°›</a:t>
             </a:fld>
             <a:endParaRPr lang="en-CA"/>
           </a:p>
@@ -9814,7 +9814,7 @@
           <a:p>
             <a:fld id="{4BD3201E-7DF8-462B-AC18-61E63795AE0D}" type="slidenum">
               <a:rPr lang="en-CA" smtClean="0"/>
-              <a:t>‹#›</a:t>
+              <a:t>‹N°›</a:t>
             </a:fld>
             <a:endParaRPr lang="en-CA"/>
           </a:p>
@@ -10014,7 +10014,7 @@
           <a:p>
             <a:fld id="{4BD3201E-7DF8-462B-AC18-61E63795AE0D}" type="slidenum">
               <a:rPr lang="en-CA" smtClean="0"/>
-              <a:t>‹#›</a:t>
+              <a:t>‹N°›</a:t>
             </a:fld>
             <a:endParaRPr lang="en-CA"/>
           </a:p>
@@ -10224,7 +10224,7 @@
           <a:p>
             <a:fld id="{4BD3201E-7DF8-462B-AC18-61E63795AE0D}" type="slidenum">
               <a:rPr lang="en-CA" smtClean="0"/>
-              <a:t>‹#›</a:t>
+              <a:t>‹N°›</a:t>
             </a:fld>
             <a:endParaRPr lang="en-CA"/>
           </a:p>
@@ -10424,7 +10424,7 @@
           <a:p>
             <a:fld id="{4BD3201E-7DF8-462B-AC18-61E63795AE0D}" type="slidenum">
               <a:rPr lang="en-CA" smtClean="0"/>
-              <a:t>‹#›</a:t>
+              <a:t>‹N°›</a:t>
             </a:fld>
             <a:endParaRPr lang="en-CA"/>
           </a:p>
@@ -10700,7 +10700,7 @@
           <a:p>
             <a:fld id="{4BD3201E-7DF8-462B-AC18-61E63795AE0D}" type="slidenum">
               <a:rPr lang="en-CA" smtClean="0"/>
-              <a:t>‹#›</a:t>
+              <a:t>‹N°›</a:t>
             </a:fld>
             <a:endParaRPr lang="en-CA"/>
           </a:p>
@@ -10968,7 +10968,7 @@
           <a:p>
             <a:fld id="{4BD3201E-7DF8-462B-AC18-61E63795AE0D}" type="slidenum">
               <a:rPr lang="en-CA" smtClean="0"/>
-              <a:t>‹#›</a:t>
+              <a:t>‹N°›</a:t>
             </a:fld>
             <a:endParaRPr lang="en-CA"/>
           </a:p>
@@ -11383,7 +11383,7 @@
           <a:p>
             <a:fld id="{4BD3201E-7DF8-462B-AC18-61E63795AE0D}" type="slidenum">
               <a:rPr lang="en-CA" smtClean="0"/>
-              <a:t>‹#›</a:t>
+              <a:t>‹N°›</a:t>
             </a:fld>
             <a:endParaRPr lang="en-CA"/>
           </a:p>
@@ -11525,7 +11525,7 @@
           <a:p>
             <a:fld id="{4BD3201E-7DF8-462B-AC18-61E63795AE0D}" type="slidenum">
               <a:rPr lang="en-CA" smtClean="0"/>
-              <a:t>‹#›</a:t>
+              <a:t>‹N°›</a:t>
             </a:fld>
             <a:endParaRPr lang="en-CA"/>
           </a:p>
@@ -11638,7 +11638,7 @@
           <a:p>
             <a:fld id="{4BD3201E-7DF8-462B-AC18-61E63795AE0D}" type="slidenum">
               <a:rPr lang="en-CA" smtClean="0"/>
-              <a:t>‹#›</a:t>
+              <a:t>‹N°›</a:t>
             </a:fld>
             <a:endParaRPr lang="en-CA"/>
           </a:p>
@@ -11951,7 +11951,7 @@
           <a:p>
             <a:fld id="{4BD3201E-7DF8-462B-AC18-61E63795AE0D}" type="slidenum">
               <a:rPr lang="en-CA" smtClean="0"/>
-              <a:t>‹#›</a:t>
+              <a:t>‹N°›</a:t>
             </a:fld>
             <a:endParaRPr lang="en-CA"/>
           </a:p>
@@ -12240,7 +12240,7 @@
           <a:p>
             <a:fld id="{4BD3201E-7DF8-462B-AC18-61E63795AE0D}" type="slidenum">
               <a:rPr lang="en-CA" smtClean="0"/>
-              <a:t>‹#›</a:t>
+              <a:t>‹N°›</a:t>
             </a:fld>
             <a:endParaRPr lang="en-CA"/>
           </a:p>
@@ -12519,7 +12519,7 @@
           <a:p>
             <a:fld id="{4BD3201E-7DF8-462B-AC18-61E63795AE0D}" type="slidenum">
               <a:rPr lang="en-CA" smtClean="0"/>
-              <a:t>‹#›</a:t>
+              <a:t>‹N°›</a:t>
             </a:fld>
             <a:endParaRPr lang="en-CA"/>
           </a:p>
@@ -13222,8 +13222,8 @@
           <a:chExt cx="0" cy="0"/>
         </a:xfrm>
       </p:grpSpPr>
-      <mc:AlternateContent xmlns:mc="http://schemas.openxmlformats.org/markup-compatibility/2006" xmlns:a14="http://schemas.microsoft.com/office/drawing/2010/main">
-        <mc:Choice Requires="a14">
+      <mc:AlternateContent xmlns:mc="http://schemas.openxmlformats.org/markup-compatibility/2006">
+        <mc:Choice xmlns:a14="http://schemas.microsoft.com/office/drawing/2010/main" Requires="a14">
           <p:sp>
             <p:nvSpPr>
               <p:cNvPr id="3" name="Content Placeholder 2">
@@ -13248,7 +13248,7 @@
             </p:spPr>
             <p:txBody>
               <a:bodyPr>
-                <a:normAutofit lnSpcReduction="10000"/>
+                <a:normAutofit fontScale="92500" lnSpcReduction="20000"/>
               </a:bodyPr>
               <a:lstStyle/>
               <a:p>
@@ -13290,6 +13290,62 @@
                 <a:r>
                   <a:rPr lang="fr-FR" sz="2000" dirty="0"/>
                   <a:t> . Ceci indique que l’erreur du modèle n’est jamais nulle à un niveau de confiance de 95.4%. Ainsi le modèle échoue la validation et n’est pas adéquat pour représenter le phénomène physique qui a lieu dans le filtre.</a:t>
+                </a:r>
+                <a:r>
+                  <a:rPr lang="fr-FR" sz="2000" dirty="0">
+                    <a:solidFill>
+                      <a:srgbClr val="FF0000"/>
+                    </a:solidFill>
+                  </a:rPr>
+                  <a:t> Il est aussi possible de conclure d’après les interprétations présentées dans la norme V&amp;V20-2009 que </a:t>
+                </a:r>
+                <a14:m>
+                  <m:oMath xmlns:m="http://schemas.openxmlformats.org/officeDocument/2006/math">
+                    <m:sSub>
+                      <m:sSubPr>
+                        <m:ctrlPr>
+                          <a:rPr lang="en-CA" sz="2000" i="1">
+                            <a:solidFill>
+                              <a:srgbClr val="FF0000"/>
+                            </a:solidFill>
+                            <a:latin typeface="Cambria Math" panose="02040503050406030204" pitchFamily="18" charset="0"/>
+                          </a:rPr>
+                        </m:ctrlPr>
+                      </m:sSubPr>
+                      <m:e>
+                        <m:r>
+                          <m:rPr>
+                            <m:nor/>
+                          </m:rPr>
+                          <a:rPr lang="el-GR" sz="2000" dirty="0">
+                            <a:solidFill>
+                              <a:srgbClr val="FF0000"/>
+                            </a:solidFill>
+                          </a:rPr>
+                          <m:t>δ</m:t>
+                        </m:r>
+                      </m:e>
+                      <m:sub>
+                        <m:r>
+                          <a:rPr lang="en-US" sz="2000" i="1">
+                            <a:solidFill>
+                              <a:srgbClr val="FF0000"/>
+                            </a:solidFill>
+                            <a:latin typeface="Cambria Math" panose="02040503050406030204" pitchFamily="18" charset="0"/>
+                          </a:rPr>
+                          <m:t>𝑚𝑜𝑑𝑒𝑙</m:t>
+                        </m:r>
+                      </m:sub>
+                    </m:sSub>
+                  </m:oMath>
+                </a14:m>
+                <a:r>
+                  <a:rPr lang="fr-FR" sz="2000" dirty="0">
+                    <a:solidFill>
+                      <a:srgbClr val="FF0000"/>
+                    </a:solidFill>
+                  </a:rPr>
+                  <a:t> est de même signe que E donc qu’elle est négative.</a:t>
                 </a:r>
               </a:p>
               <a:p>
@@ -13367,7 +13423,7 @@
             </p:txBody>
           </p:sp>
         </mc:Choice>
-        <mc:Fallback xmlns="">
+        <mc:Fallback>
           <p:sp>
             <p:nvSpPr>
               <p:cNvPr id="3" name="Content Placeholder 2">
@@ -13392,7 +13448,7 @@
               <a:blipFill>
                 <a:blip r:embed="rId2"/>
                 <a:stretch>
-                  <a:fillRect l="-522" t="-1697" r="-580" b="-1958"/>
+                  <a:fillRect l="-464" t="-2219" r="-522"/>
                 </a:stretch>
               </a:blipFill>
             </p:spPr>
@@ -13401,7 +13457,7 @@
               <a:lstStyle/>
               <a:p>
                 <a:r>
-                  <a:rPr lang="en-CA">
+                  <a:rPr lang="fr-FR">
                     <a:noFill/>
                   </a:rPr>
                   <a:t> </a:t>
@@ -18070,8 +18126,8 @@
           </p:sp>
         </mc:Fallback>
       </mc:AlternateContent>
-      <mc:AlternateContent xmlns:mc="http://schemas.openxmlformats.org/markup-compatibility/2006">
-        <mc:Choice xmlns:a14="http://schemas.microsoft.com/office/drawing/2010/main" Requires="a14">
+      <mc:AlternateContent xmlns:mc="http://schemas.openxmlformats.org/markup-compatibility/2006" xmlns:a14="http://schemas.microsoft.com/office/drawing/2010/main">
+        <mc:Choice Requires="a14">
           <p:sp>
             <p:nvSpPr>
               <p:cNvPr id="3" name="Content Placeholder 2">
@@ -18347,7 +18403,7 @@
             </p:txBody>
           </p:sp>
         </mc:Choice>
-        <mc:Fallback>
+        <mc:Fallback xmlns="">
           <p:sp>
             <p:nvSpPr>
               <p:cNvPr id="3" name="Content Placeholder 2">

--- a/Devoir_3.pptx
+++ b/Devoir_3.pptx
@@ -133,7 +133,7 @@
 <file path=ppt/charts/chart1.xml><?xml version="1.0" encoding="utf-8"?>
 <c:chartSpace xmlns:c="http://schemas.openxmlformats.org/drawingml/2006/chart" xmlns:a="http://schemas.openxmlformats.org/drawingml/2006/main" xmlns:r="http://schemas.openxmlformats.org/officeDocument/2006/relationships" xmlns:c16r2="http://schemas.microsoft.com/office/drawing/2015/06/chart">
   <c:date1904 val="0"/>
-  <c:lang val="fr-FR"/>
+  <c:lang val="en-US"/>
   <c:roundedCorners val="0"/>
   <mc:AlternateContent xmlns:mc="http://schemas.openxmlformats.org/markup-compatibility/2006">
     <mc:Choice xmlns:c14="http://schemas.microsoft.com/office/drawing/2007/8/2/chart" Requires="c14">
@@ -250,7 +250,7 @@
               <a:cs typeface="+mn-cs"/>
             </a:defRPr>
           </a:pPr>
-          <a:endParaRPr lang="fr-FR"/>
+          <a:endParaRPr lang="en-US"/>
         </a:p>
       </c:txPr>
     </c:title>
@@ -457,7 +457,7 @@
                   <a:cs typeface="+mn-cs"/>
                 </a:defRPr>
               </a:pPr>
-              <a:endParaRPr lang="fr-FR"/>
+              <a:endParaRPr lang="en-US"/>
             </a:p>
           </c:txPr>
         </c:title>
@@ -495,7 +495,7 @@
                 <a:cs typeface="+mn-cs"/>
               </a:defRPr>
             </a:pPr>
-            <a:endParaRPr lang="fr-FR"/>
+            <a:endParaRPr lang="en-US"/>
           </a:p>
         </c:txPr>
         <c:crossAx val="936369311"/>
@@ -582,7 +582,7 @@
                   <a:cs typeface="+mn-cs"/>
                 </a:defRPr>
               </a:pPr>
-              <a:endParaRPr lang="fr-FR"/>
+              <a:endParaRPr lang="en-US"/>
             </a:p>
           </c:txPr>
         </c:title>
@@ -620,7 +620,7 @@
                 <a:cs typeface="+mn-cs"/>
               </a:defRPr>
             </a:pPr>
-            <a:endParaRPr lang="fr-FR"/>
+            <a:endParaRPr lang="en-US"/>
           </a:p>
         </c:txPr>
         <c:crossAx val="936366911"/>
@@ -660,7 +660,7 @@
       <a:pPr>
         <a:defRPr/>
       </a:pPr>
-      <a:endParaRPr lang="fr-FR"/>
+      <a:endParaRPr lang="en-US"/>
     </a:p>
   </c:txPr>
   <c:externalData r:id="rId3">
@@ -672,7 +672,7 @@
 <file path=ppt/charts/chart2.xml><?xml version="1.0" encoding="utf-8"?>
 <c:chartSpace xmlns:c="http://schemas.openxmlformats.org/drawingml/2006/chart" xmlns:a="http://schemas.openxmlformats.org/drawingml/2006/main" xmlns:r="http://schemas.openxmlformats.org/officeDocument/2006/relationships" xmlns:c16r2="http://schemas.microsoft.com/office/drawing/2015/06/chart">
   <c:date1904 val="0"/>
-  <c:lang val="fr-FR"/>
+  <c:lang val="en-US"/>
   <c:roundedCorners val="0"/>
   <mc:AlternateContent xmlns:mc="http://schemas.openxmlformats.org/markup-compatibility/2006">
     <mc:Choice xmlns:c14="http://schemas.microsoft.com/office/drawing/2007/8/2/chart" Requires="c14">
@@ -755,7 +755,7 @@
               <a:cs typeface="+mn-cs"/>
             </a:defRPr>
           </a:pPr>
-          <a:endParaRPr lang="fr-FR"/>
+          <a:endParaRPr lang="en-US"/>
         </a:p>
       </c:txPr>
     </c:title>
@@ -1123,7 +1123,7 @@
                   <a:cs typeface="+mn-cs"/>
                 </a:defRPr>
               </a:pPr>
-              <a:endParaRPr lang="fr-FR"/>
+              <a:endParaRPr lang="en-US"/>
             </a:p>
           </c:txPr>
         </c:title>
@@ -1161,7 +1161,7 @@
                 <a:cs typeface="+mn-cs"/>
               </a:defRPr>
             </a:pPr>
-            <a:endParaRPr lang="fr-FR"/>
+            <a:endParaRPr lang="en-US"/>
           </a:p>
         </c:txPr>
         <c:crossAx val="918235711"/>
@@ -1260,7 +1260,7 @@
                   <a:cs typeface="+mn-cs"/>
                 </a:defRPr>
               </a:pPr>
-              <a:endParaRPr lang="fr-FR"/>
+              <a:endParaRPr lang="en-US"/>
             </a:p>
           </c:txPr>
         </c:title>
@@ -1298,7 +1298,7 @@
                 <a:cs typeface="+mn-cs"/>
               </a:defRPr>
             </a:pPr>
-            <a:endParaRPr lang="fr-FR"/>
+            <a:endParaRPr lang="en-US"/>
           </a:p>
         </c:txPr>
         <c:crossAx val="918234271"/>
@@ -1338,7 +1338,7 @@
       <a:pPr>
         <a:defRPr/>
       </a:pPr>
-      <a:endParaRPr lang="fr-FR"/>
+      <a:endParaRPr lang="en-US"/>
     </a:p>
   </c:txPr>
   <c:externalData r:id="rId3">
@@ -1350,7 +1350,7 @@
 <file path=ppt/charts/chart3.xml><?xml version="1.0" encoding="utf-8"?>
 <c:chartSpace xmlns:c="http://schemas.openxmlformats.org/drawingml/2006/chart" xmlns:a="http://schemas.openxmlformats.org/drawingml/2006/main" xmlns:r="http://schemas.openxmlformats.org/officeDocument/2006/relationships" xmlns:c16r2="http://schemas.microsoft.com/office/drawing/2015/06/chart">
   <c:date1904 val="0"/>
-  <c:lang val="fr-FR"/>
+  <c:lang val="en-US"/>
   <c:roundedCorners val="0"/>
   <mc:AlternateContent xmlns:mc="http://schemas.openxmlformats.org/markup-compatibility/2006">
     <mc:Choice xmlns:c14="http://schemas.microsoft.com/office/drawing/2007/8/2/chart" Requires="c14">
@@ -2885,7 +2885,7 @@
                   <a:cs typeface="+mn-cs"/>
                 </a:defRPr>
               </a:pPr>
-              <a:endParaRPr lang="fr-FR"/>
+              <a:endParaRPr lang="en-US"/>
             </a:p>
           </c:txPr>
         </c:title>
@@ -2923,7 +2923,7 @@
                 <a:cs typeface="+mn-cs"/>
               </a:defRPr>
             </a:pPr>
-            <a:endParaRPr lang="fr-FR"/>
+            <a:endParaRPr lang="en-US"/>
           </a:p>
         </c:txPr>
         <c:crossAx val="1138105280"/>
@@ -3011,7 +3011,7 @@
                   <a:cs typeface="+mn-cs"/>
                 </a:defRPr>
               </a:pPr>
-              <a:endParaRPr lang="fr-FR"/>
+              <a:endParaRPr lang="en-US"/>
             </a:p>
           </c:txPr>
         </c:title>
@@ -3049,7 +3049,7 @@
                 <a:cs typeface="+mn-cs"/>
               </a:defRPr>
             </a:pPr>
-            <a:endParaRPr lang="fr-FR"/>
+            <a:endParaRPr lang="en-US"/>
           </a:p>
         </c:txPr>
         <c:crossAx val="1069872976"/>
@@ -3089,7 +3089,7 @@
       <a:pPr>
         <a:defRPr/>
       </a:pPr>
-      <a:endParaRPr lang="fr-FR"/>
+      <a:endParaRPr lang="en-US"/>
     </a:p>
   </c:txPr>
   <c:externalData r:id="rId3">
@@ -3101,7 +3101,7 @@
 <file path=ppt/charts/chart4.xml><?xml version="1.0" encoding="utf-8"?>
 <c:chartSpace xmlns:c="http://schemas.openxmlformats.org/drawingml/2006/chart" xmlns:a="http://schemas.openxmlformats.org/drawingml/2006/main" xmlns:r="http://schemas.openxmlformats.org/officeDocument/2006/relationships" xmlns:c16r2="http://schemas.microsoft.com/office/drawing/2015/06/chart">
   <c:date1904 val="0"/>
-  <c:lang val="fr-FR"/>
+  <c:lang val="en-US"/>
   <c:roundedCorners val="0"/>
   <mc:AlternateContent xmlns:mc="http://schemas.openxmlformats.org/markup-compatibility/2006">
     <mc:Choice xmlns:c14="http://schemas.microsoft.com/office/drawing/2007/8/2/chart" Requires="c14">
@@ -6766,7 +6766,7 @@
                   <a:cs typeface="+mn-cs"/>
                 </a:defRPr>
               </a:pPr>
-              <a:endParaRPr lang="fr-FR"/>
+              <a:endParaRPr lang="en-US"/>
             </a:p>
           </c:txPr>
         </c:title>
@@ -6804,7 +6804,7 @@
                 <a:cs typeface="+mn-cs"/>
               </a:defRPr>
             </a:pPr>
-            <a:endParaRPr lang="fr-FR"/>
+            <a:endParaRPr lang="en-US"/>
           </a:p>
         </c:txPr>
         <c:crossAx val="2056117408"/>
@@ -6909,7 +6909,7 @@
                   <a:cs typeface="+mn-cs"/>
                 </a:defRPr>
               </a:pPr>
-              <a:endParaRPr lang="fr-FR"/>
+              <a:endParaRPr lang="en-US"/>
             </a:p>
           </c:txPr>
         </c:title>
@@ -6947,7 +6947,7 @@
                 <a:cs typeface="+mn-cs"/>
               </a:defRPr>
             </a:pPr>
-            <a:endParaRPr lang="fr-FR"/>
+            <a:endParaRPr lang="en-US"/>
           </a:p>
         </c:txPr>
         <c:crossAx val="2056125568"/>
@@ -6999,7 +6999,7 @@
               <a:cs typeface="+mn-cs"/>
             </a:defRPr>
           </a:pPr>
-          <a:endParaRPr lang="fr-FR"/>
+          <a:endParaRPr lang="en-US"/>
         </a:p>
       </c:txPr>
     </c:legend>
@@ -7028,7 +7028,335 @@
       <a:pPr>
         <a:defRPr/>
       </a:pPr>
-      <a:endParaRPr lang="fr-FR"/>
+      <a:endParaRPr lang="en-US"/>
+    </a:p>
+  </c:txPr>
+  <c:externalData r:id="rId3">
+    <c:autoUpdate val="0"/>
+  </c:externalData>
+</c:chartSpace>
+</file>
+
+<file path=ppt/charts/chart5.xml><?xml version="1.0" encoding="utf-8"?>
+<c:chartSpace xmlns:c="http://schemas.openxmlformats.org/drawingml/2006/chart" xmlns:a="http://schemas.openxmlformats.org/drawingml/2006/main" xmlns:r="http://schemas.openxmlformats.org/officeDocument/2006/relationships" xmlns:c16r2="http://schemas.microsoft.com/office/drawing/2015/06/chart">
+  <c:date1904 val="0"/>
+  <c:lang val="en-US"/>
+  <c:roundedCorners val="0"/>
+  <mc:AlternateContent xmlns:mc="http://schemas.openxmlformats.org/markup-compatibility/2006">
+    <mc:Choice xmlns:c14="http://schemas.microsoft.com/office/drawing/2007/8/2/chart" Requires="c14">
+      <c14:style val="102"/>
+    </mc:Choice>
+    <mc:Fallback>
+      <c:style val="2"/>
+    </mc:Fallback>
+  </mc:AlternateContent>
+  <c:chart>
+    <c:autoTitleDeleted val="1"/>
+    <c:plotArea>
+      <c:layout/>
+      <c:scatterChart>
+        <c:scatterStyle val="lineMarker"/>
+        <c:varyColors val="0"/>
+        <c:ser>
+          <c:idx val="0"/>
+          <c:order val="0"/>
+          <c:tx>
+            <c:v>E=S-D</c:v>
+          </c:tx>
+          <c:spPr>
+            <a:ln w="25400" cap="rnd">
+              <a:noFill/>
+              <a:round/>
+            </a:ln>
+            <a:effectLst/>
+          </c:spPr>
+          <c:marker>
+            <c:symbol val="circle"/>
+            <c:size val="5"/>
+            <c:spPr>
+              <a:solidFill>
+                <a:schemeClr val="accent1"/>
+              </a:solidFill>
+              <a:ln w="9525">
+                <a:solidFill>
+                  <a:schemeClr val="accent1"/>
+                </a:solidFill>
+              </a:ln>
+              <a:effectLst/>
+            </c:spPr>
+          </c:marker>
+          <c:errBars>
+            <c:errDir val="x"/>
+            <c:errBarType val="both"/>
+            <c:errValType val="stdDev"/>
+            <c:noEndCap val="0"/>
+            <c:val val="1"/>
+            <c:spPr>
+              <a:noFill/>
+              <a:ln w="9525" cap="flat" cmpd="sng" algn="ctr">
+                <a:solidFill>
+                  <a:schemeClr val="tx1">
+                    <a:lumMod val="65000"/>
+                    <a:lumOff val="35000"/>
+                  </a:schemeClr>
+                </a:solidFill>
+                <a:round/>
+              </a:ln>
+              <a:effectLst/>
+            </c:spPr>
+          </c:errBars>
+          <c:errBars>
+            <c:errDir val="y"/>
+            <c:errBarType val="both"/>
+            <c:errValType val="cust"/>
+            <c:noEndCap val="0"/>
+            <c:plus>
+              <c:numRef>
+                <c:f>Calculs!$D$37</c:f>
+                <c:numCache>
+                  <c:formatCode>General</c:formatCode>
+                  <c:ptCount val="1"/>
+                  <c:pt idx="0">
+                    <c:v>39.351498826031808</c:v>
+                  </c:pt>
+                </c:numCache>
+              </c:numRef>
+            </c:plus>
+            <c:minus>
+              <c:numRef>
+                <c:f>Calculs!$D$39</c:f>
+                <c:numCache>
+                  <c:formatCode>General</c:formatCode>
+                  <c:ptCount val="1"/>
+                  <c:pt idx="0">
+                    <c:v>43.297217483647891</c:v>
+                  </c:pt>
+                </c:numCache>
+              </c:numRef>
+            </c:minus>
+            <c:spPr>
+              <a:noFill/>
+              <a:ln w="9525" cap="flat" cmpd="sng" algn="ctr">
+                <a:solidFill>
+                  <a:schemeClr val="tx1">
+                    <a:lumMod val="65000"/>
+                    <a:lumOff val="35000"/>
+                  </a:schemeClr>
+                </a:solidFill>
+                <a:round/>
+              </a:ln>
+              <a:effectLst/>
+            </c:spPr>
+          </c:errBars>
+          <c:yVal>
+            <c:numRef>
+              <c:f>Calculs!$D$32</c:f>
+              <c:numCache>
+                <c:formatCode>General</c:formatCode>
+                <c:ptCount val="1"/>
+                <c:pt idx="0">
+                  <c:v>-54.062185129918646</c:v>
+                </c:pt>
+              </c:numCache>
+            </c:numRef>
+          </c:yVal>
+          <c:smooth val="0"/>
+          <c:extLst>
+            <c:ext xmlns:c16="http://schemas.microsoft.com/office/drawing/2014/chart" uri="{C3380CC4-5D6E-409C-BE32-E72D297353CC}">
+              <c16:uniqueId val="{00000000-2C9A-4FC8-A6B0-FAF382C4B223}"/>
+            </c:ext>
+          </c:extLst>
+        </c:ser>
+        <c:dLbls>
+          <c:showLegendKey val="0"/>
+          <c:showVal val="0"/>
+          <c:showCatName val="0"/>
+          <c:showSerName val="0"/>
+          <c:showPercent val="0"/>
+          <c:showBubbleSize val="0"/>
+        </c:dLbls>
+        <c:axId val="1632011967"/>
+        <c:axId val="1632014847"/>
+      </c:scatterChart>
+      <c:valAx>
+        <c:axId val="1632011967"/>
+        <c:scaling>
+          <c:orientation val="minMax"/>
+        </c:scaling>
+        <c:delete val="1"/>
+        <c:axPos val="b"/>
+        <c:majorGridlines>
+          <c:spPr>
+            <a:ln w="9525" cap="flat" cmpd="sng" algn="ctr">
+              <a:solidFill>
+                <a:schemeClr val="tx1">
+                  <a:lumMod val="15000"/>
+                  <a:lumOff val="85000"/>
+                </a:schemeClr>
+              </a:solidFill>
+              <a:round/>
+            </a:ln>
+            <a:effectLst/>
+          </c:spPr>
+        </c:majorGridlines>
+        <c:majorTickMark val="out"/>
+        <c:minorTickMark val="none"/>
+        <c:tickLblPos val="nextTo"/>
+        <c:crossAx val="1632014847"/>
+        <c:crosses val="autoZero"/>
+        <c:crossBetween val="midCat"/>
+      </c:valAx>
+      <c:valAx>
+        <c:axId val="1632014847"/>
+        <c:scaling>
+          <c:orientation val="minMax"/>
+        </c:scaling>
+        <c:delete val="0"/>
+        <c:axPos val="l"/>
+        <c:majorGridlines>
+          <c:spPr>
+            <a:ln w="9525" cap="flat" cmpd="sng" algn="ctr">
+              <a:solidFill>
+                <a:schemeClr val="tx1">
+                  <a:lumMod val="15000"/>
+                  <a:lumOff val="85000"/>
+                </a:schemeClr>
+              </a:solidFill>
+              <a:round/>
+            </a:ln>
+            <a:effectLst/>
+          </c:spPr>
+        </c:majorGridlines>
+        <c:title>
+          <c:tx>
+            <c:rich>
+              <a:bodyPr rot="-5400000" spcFirstLastPara="1" vertOverflow="ellipsis" vert="horz" wrap="square" anchor="ctr" anchorCtr="1"/>
+              <a:lstStyle/>
+              <a:p>
+                <a:pPr>
+                  <a:defRPr sz="1000" b="0" i="0" u="none" strike="noStrike" kern="1200" baseline="0">
+                    <a:solidFill>
+                      <a:schemeClr val="tx1">
+                        <a:lumMod val="65000"/>
+                        <a:lumOff val="35000"/>
+                      </a:schemeClr>
+                    </a:solidFill>
+                    <a:latin typeface="+mn-lt"/>
+                    <a:ea typeface="+mn-ea"/>
+                    <a:cs typeface="+mn-cs"/>
+                  </a:defRPr>
+                </a:pPr>
+                <a:r>
+                  <a:rPr lang="en-CA" sz="1400" dirty="0"/>
+                  <a:t>E=S-D</a:t>
+                </a:r>
+              </a:p>
+            </c:rich>
+          </c:tx>
+          <c:overlay val="0"/>
+          <c:spPr>
+            <a:noFill/>
+            <a:ln>
+              <a:noFill/>
+            </a:ln>
+            <a:effectLst/>
+          </c:spPr>
+          <c:txPr>
+            <a:bodyPr rot="-5400000" spcFirstLastPara="1" vertOverflow="ellipsis" vert="horz" wrap="square" anchor="ctr" anchorCtr="1"/>
+            <a:lstStyle/>
+            <a:p>
+              <a:pPr>
+                <a:defRPr sz="1000" b="0" i="0" u="none" strike="noStrike" kern="1200" baseline="0">
+                  <a:solidFill>
+                    <a:schemeClr val="tx1">
+                      <a:lumMod val="65000"/>
+                      <a:lumOff val="35000"/>
+                    </a:schemeClr>
+                  </a:solidFill>
+                  <a:latin typeface="+mn-lt"/>
+                  <a:ea typeface="+mn-ea"/>
+                  <a:cs typeface="+mn-cs"/>
+                </a:defRPr>
+              </a:pPr>
+              <a:endParaRPr lang="en-US"/>
+            </a:p>
+          </c:txPr>
+        </c:title>
+        <c:numFmt formatCode="General" sourceLinked="1"/>
+        <c:majorTickMark val="out"/>
+        <c:minorTickMark val="none"/>
+        <c:tickLblPos val="nextTo"/>
+        <c:spPr>
+          <a:noFill/>
+          <a:ln w="9525" cap="flat" cmpd="sng" algn="ctr">
+            <a:solidFill>
+              <a:schemeClr val="tx1">
+                <a:lumMod val="25000"/>
+                <a:lumOff val="75000"/>
+              </a:schemeClr>
+            </a:solidFill>
+            <a:round/>
+          </a:ln>
+          <a:effectLst/>
+        </c:spPr>
+        <c:txPr>
+          <a:bodyPr rot="-60000000" spcFirstLastPara="1" vertOverflow="ellipsis" vert="horz" wrap="square" anchor="ctr" anchorCtr="1"/>
+          <a:lstStyle/>
+          <a:p>
+            <a:pPr>
+              <a:defRPr sz="900" b="0" i="0" u="none" strike="noStrike" kern="1200" baseline="0">
+                <a:solidFill>
+                  <a:schemeClr val="tx1">
+                    <a:lumMod val="65000"/>
+                    <a:lumOff val="35000"/>
+                  </a:schemeClr>
+                </a:solidFill>
+                <a:latin typeface="+mn-lt"/>
+                <a:ea typeface="+mn-ea"/>
+                <a:cs typeface="+mn-cs"/>
+              </a:defRPr>
+            </a:pPr>
+            <a:endParaRPr lang="en-US"/>
+          </a:p>
+        </c:txPr>
+        <c:crossAx val="1632011967"/>
+        <c:crosses val="autoZero"/>
+        <c:crossBetween val="midCat"/>
+      </c:valAx>
+      <c:spPr>
+        <a:noFill/>
+        <a:ln>
+          <a:noFill/>
+        </a:ln>
+        <a:effectLst/>
+      </c:spPr>
+    </c:plotArea>
+    <c:plotVisOnly val="1"/>
+    <c:dispBlanksAs val="gap"/>
+    <c:extLst>
+      <c:ext xmlns:c16r3="http://schemas.microsoft.com/office/drawing/2017/03/chart" uri="{56B9EC1D-385E-4148-901F-78D8002777C0}">
+        <c16r3:dataDisplayOptions16>
+          <c16r3:dispNaAsBlank val="1"/>
+        </c16r3:dataDisplayOptions16>
+      </c:ext>
+    </c:extLst>
+    <c:showDLblsOverMax val="0"/>
+  </c:chart>
+  <c:spPr>
+    <a:noFill/>
+    <a:ln>
+      <a:noFill/>
+    </a:ln>
+    <a:effectLst/>
+  </c:spPr>
+  <c:txPr>
+    <a:bodyPr/>
+    <a:lstStyle/>
+    <a:p>
+      <a:pPr>
+        <a:defRPr/>
+      </a:pPr>
+      <a:endParaRPr lang="en-US"/>
     </a:p>
   </c:txPr>
   <c:externalData r:id="rId3">
@@ -7158,6 +7486,46 @@
 </file>
 
 <file path=ppt/charts/colors4.xml><?xml version="1.0" encoding="utf-8"?>
+<cs:colorStyle xmlns:cs="http://schemas.microsoft.com/office/drawing/2012/chartStyle" xmlns:a="http://schemas.openxmlformats.org/drawingml/2006/main" meth="cycle" id="10">
+  <a:schemeClr val="accent1"/>
+  <a:schemeClr val="accent2"/>
+  <a:schemeClr val="accent3"/>
+  <a:schemeClr val="accent4"/>
+  <a:schemeClr val="accent5"/>
+  <a:schemeClr val="accent6"/>
+  <cs:variation/>
+  <cs:variation>
+    <a:lumMod val="60000"/>
+  </cs:variation>
+  <cs:variation>
+    <a:lumMod val="80000"/>
+    <a:lumOff val="20000"/>
+  </cs:variation>
+  <cs:variation>
+    <a:lumMod val="80000"/>
+  </cs:variation>
+  <cs:variation>
+    <a:lumMod val="60000"/>
+    <a:lumOff val="40000"/>
+  </cs:variation>
+  <cs:variation>
+    <a:lumMod val="50000"/>
+  </cs:variation>
+  <cs:variation>
+    <a:lumMod val="70000"/>
+    <a:lumOff val="30000"/>
+  </cs:variation>
+  <cs:variation>
+    <a:lumMod val="70000"/>
+  </cs:variation>
+  <cs:variation>
+    <a:lumMod val="50000"/>
+    <a:lumOff val="50000"/>
+  </cs:variation>
+</cs:colorStyle>
+</file>
+
+<file path=ppt/charts/colors5.xml><?xml version="1.0" encoding="utf-8"?>
 <cs:colorStyle xmlns:cs="http://schemas.microsoft.com/office/drawing/2012/chartStyle" xmlns:a="http://schemas.openxmlformats.org/drawingml/2006/main" meth="cycle" id="10">
   <a:schemeClr val="accent1"/>
   <a:schemeClr val="accent2"/>
@@ -9261,6 +9629,522 @@
 </cs:chartStyle>
 </file>
 
+<file path=ppt/charts/style5.xml><?xml version="1.0" encoding="utf-8"?>
+<cs:chartStyle xmlns:cs="http://schemas.microsoft.com/office/drawing/2012/chartStyle" xmlns:a="http://schemas.openxmlformats.org/drawingml/2006/main" id="240">
+  <cs:axisTitle>
+    <cs:lnRef idx="0"/>
+    <cs:fillRef idx="0"/>
+    <cs:effectRef idx="0"/>
+    <cs:fontRef idx="minor">
+      <a:schemeClr val="tx1">
+        <a:lumMod val="65000"/>
+        <a:lumOff val="35000"/>
+      </a:schemeClr>
+    </cs:fontRef>
+    <cs:defRPr sz="1000" kern="1200"/>
+  </cs:axisTitle>
+  <cs:categoryAxis>
+    <cs:lnRef idx="0"/>
+    <cs:fillRef idx="0"/>
+    <cs:effectRef idx="0"/>
+    <cs:fontRef idx="minor">
+      <a:schemeClr val="tx1">
+        <a:lumMod val="65000"/>
+        <a:lumOff val="35000"/>
+      </a:schemeClr>
+    </cs:fontRef>
+    <cs:spPr>
+      <a:ln w="9525" cap="flat" cmpd="sng" algn="ctr">
+        <a:solidFill>
+          <a:schemeClr val="tx1">
+            <a:lumMod val="25000"/>
+            <a:lumOff val="75000"/>
+          </a:schemeClr>
+        </a:solidFill>
+        <a:round/>
+      </a:ln>
+    </cs:spPr>
+    <cs:defRPr sz="900" kern="1200"/>
+  </cs:categoryAxis>
+  <cs:chartArea mods="allowNoFillOverride allowNoLineOverride">
+    <cs:lnRef idx="0"/>
+    <cs:fillRef idx="0"/>
+    <cs:effectRef idx="0"/>
+    <cs:fontRef idx="minor">
+      <a:schemeClr val="tx1"/>
+    </cs:fontRef>
+    <cs:spPr>
+      <a:solidFill>
+        <a:schemeClr val="bg1"/>
+      </a:solidFill>
+      <a:ln w="9525" cap="flat" cmpd="sng" algn="ctr">
+        <a:solidFill>
+          <a:schemeClr val="tx1">
+            <a:lumMod val="15000"/>
+            <a:lumOff val="85000"/>
+          </a:schemeClr>
+        </a:solidFill>
+        <a:round/>
+      </a:ln>
+    </cs:spPr>
+    <cs:defRPr sz="1000" kern="1200"/>
+  </cs:chartArea>
+  <cs:dataLabel>
+    <cs:lnRef idx="0"/>
+    <cs:fillRef idx="0"/>
+    <cs:effectRef idx="0"/>
+    <cs:fontRef idx="minor">
+      <a:schemeClr val="tx1">
+        <a:lumMod val="75000"/>
+        <a:lumOff val="25000"/>
+      </a:schemeClr>
+    </cs:fontRef>
+    <cs:defRPr sz="900" kern="1200"/>
+  </cs:dataLabel>
+  <cs:dataLabelCallout>
+    <cs:lnRef idx="0"/>
+    <cs:fillRef idx="0"/>
+    <cs:effectRef idx="0"/>
+    <cs:fontRef idx="minor">
+      <a:schemeClr val="dk1">
+        <a:lumMod val="65000"/>
+        <a:lumOff val="35000"/>
+      </a:schemeClr>
+    </cs:fontRef>
+    <cs:spPr>
+      <a:solidFill>
+        <a:schemeClr val="lt1"/>
+      </a:solidFill>
+      <a:ln>
+        <a:solidFill>
+          <a:schemeClr val="dk1">
+            <a:lumMod val="25000"/>
+            <a:lumOff val="75000"/>
+          </a:schemeClr>
+        </a:solidFill>
+      </a:ln>
+    </cs:spPr>
+    <cs:defRPr sz="900" kern="1200"/>
+    <cs:bodyPr rot="0" spcFirstLastPara="1" vertOverflow="clip" horzOverflow="clip" vert="horz" wrap="square" lIns="36576" tIns="18288" rIns="36576" bIns="18288" anchor="ctr" anchorCtr="1">
+      <a:spAutoFit/>
+    </cs:bodyPr>
+  </cs:dataLabelCallout>
+  <cs:dataPoint>
+    <cs:lnRef idx="0"/>
+    <cs:fillRef idx="1">
+      <cs:styleClr val="auto"/>
+    </cs:fillRef>
+    <cs:effectRef idx="0"/>
+    <cs:fontRef idx="minor">
+      <a:schemeClr val="tx1"/>
+    </cs:fontRef>
+  </cs:dataPoint>
+  <cs:dataPoint3D>
+    <cs:lnRef idx="0"/>
+    <cs:fillRef idx="1">
+      <cs:styleClr val="auto"/>
+    </cs:fillRef>
+    <cs:effectRef idx="0"/>
+    <cs:fontRef idx="minor">
+      <a:schemeClr val="tx1"/>
+    </cs:fontRef>
+  </cs:dataPoint3D>
+  <cs:dataPointLine>
+    <cs:lnRef idx="0">
+      <cs:styleClr val="auto"/>
+    </cs:lnRef>
+    <cs:fillRef idx="1"/>
+    <cs:effectRef idx="0"/>
+    <cs:fontRef idx="minor">
+      <a:schemeClr val="tx1"/>
+    </cs:fontRef>
+    <cs:spPr>
+      <a:ln w="19050" cap="rnd">
+        <a:solidFill>
+          <a:schemeClr val="phClr"/>
+        </a:solidFill>
+        <a:round/>
+      </a:ln>
+    </cs:spPr>
+  </cs:dataPointLine>
+  <cs:dataPointMarker>
+    <cs:lnRef idx="0">
+      <cs:styleClr val="auto"/>
+    </cs:lnRef>
+    <cs:fillRef idx="1">
+      <cs:styleClr val="auto"/>
+    </cs:fillRef>
+    <cs:effectRef idx="0"/>
+    <cs:fontRef idx="minor">
+      <a:schemeClr val="tx1"/>
+    </cs:fontRef>
+    <cs:spPr>
+      <a:ln w="9525">
+        <a:solidFill>
+          <a:schemeClr val="phClr"/>
+        </a:solidFill>
+      </a:ln>
+    </cs:spPr>
+  </cs:dataPointMarker>
+  <cs:dataPointMarkerLayout symbol="circle" size="5"/>
+  <cs:dataPointWireframe>
+    <cs:lnRef idx="0">
+      <cs:styleClr val="auto"/>
+    </cs:lnRef>
+    <cs:fillRef idx="0"/>
+    <cs:effectRef idx="0"/>
+    <cs:fontRef idx="minor">
+      <a:schemeClr val="dk1"/>
+    </cs:fontRef>
+    <cs:spPr>
+      <a:ln w="9525" cap="rnd">
+        <a:solidFill>
+          <a:schemeClr val="phClr"/>
+        </a:solidFill>
+        <a:round/>
+      </a:ln>
+    </cs:spPr>
+  </cs:dataPointWireframe>
+  <cs:dataTable>
+    <cs:lnRef idx="0"/>
+    <cs:fillRef idx="0"/>
+    <cs:effectRef idx="0"/>
+    <cs:fontRef idx="minor">
+      <a:schemeClr val="tx1">
+        <a:lumMod val="65000"/>
+        <a:lumOff val="35000"/>
+      </a:schemeClr>
+    </cs:fontRef>
+    <cs:spPr>
+      <a:noFill/>
+      <a:ln w="9525" cap="flat" cmpd="sng" algn="ctr">
+        <a:solidFill>
+          <a:schemeClr val="tx1">
+            <a:lumMod val="15000"/>
+            <a:lumOff val="85000"/>
+          </a:schemeClr>
+        </a:solidFill>
+        <a:round/>
+      </a:ln>
+    </cs:spPr>
+    <cs:defRPr sz="900" kern="1200"/>
+  </cs:dataTable>
+  <cs:downBar>
+    <cs:lnRef idx="0"/>
+    <cs:fillRef idx="0"/>
+    <cs:effectRef idx="0"/>
+    <cs:fontRef idx="minor">
+      <a:schemeClr val="tx1"/>
+    </cs:fontRef>
+    <cs:spPr>
+      <a:solidFill>
+        <a:schemeClr val="dk1">
+          <a:lumMod val="75000"/>
+          <a:lumOff val="25000"/>
+        </a:schemeClr>
+      </a:solidFill>
+      <a:ln w="9525" cap="flat" cmpd="sng" algn="ctr">
+        <a:solidFill>
+          <a:schemeClr val="tx1">
+            <a:lumMod val="65000"/>
+            <a:lumOff val="35000"/>
+          </a:schemeClr>
+        </a:solidFill>
+        <a:round/>
+      </a:ln>
+    </cs:spPr>
+  </cs:downBar>
+  <cs:dropLine>
+    <cs:lnRef idx="0"/>
+    <cs:fillRef idx="0"/>
+    <cs:effectRef idx="0"/>
+    <cs:fontRef idx="minor">
+      <a:schemeClr val="tx1"/>
+    </cs:fontRef>
+    <cs:spPr>
+      <a:ln w="9525" cap="flat" cmpd="sng" algn="ctr">
+        <a:solidFill>
+          <a:schemeClr val="tx1">
+            <a:lumMod val="35000"/>
+            <a:lumOff val="65000"/>
+          </a:schemeClr>
+        </a:solidFill>
+        <a:round/>
+      </a:ln>
+    </cs:spPr>
+  </cs:dropLine>
+  <cs:errorBar>
+    <cs:lnRef idx="0"/>
+    <cs:fillRef idx="0"/>
+    <cs:effectRef idx="0"/>
+    <cs:fontRef idx="minor">
+      <a:schemeClr val="tx1"/>
+    </cs:fontRef>
+    <cs:spPr>
+      <a:ln w="9525" cap="flat" cmpd="sng" algn="ctr">
+        <a:solidFill>
+          <a:schemeClr val="tx1">
+            <a:lumMod val="65000"/>
+            <a:lumOff val="35000"/>
+          </a:schemeClr>
+        </a:solidFill>
+        <a:round/>
+      </a:ln>
+    </cs:spPr>
+  </cs:errorBar>
+  <cs:floor>
+    <cs:lnRef idx="0"/>
+    <cs:fillRef idx="0"/>
+    <cs:effectRef idx="0"/>
+    <cs:fontRef idx="minor">
+      <a:schemeClr val="tx1"/>
+    </cs:fontRef>
+    <cs:spPr>
+      <a:noFill/>
+      <a:ln>
+        <a:noFill/>
+      </a:ln>
+    </cs:spPr>
+  </cs:floor>
+  <cs:gridlineMajor>
+    <cs:lnRef idx="0"/>
+    <cs:fillRef idx="0"/>
+    <cs:effectRef idx="0"/>
+    <cs:fontRef idx="minor">
+      <a:schemeClr val="tx1"/>
+    </cs:fontRef>
+    <cs:spPr>
+      <a:ln w="9525" cap="flat" cmpd="sng" algn="ctr">
+        <a:solidFill>
+          <a:schemeClr val="tx1">
+            <a:lumMod val="15000"/>
+            <a:lumOff val="85000"/>
+          </a:schemeClr>
+        </a:solidFill>
+        <a:round/>
+      </a:ln>
+    </cs:spPr>
+  </cs:gridlineMajor>
+  <cs:gridlineMinor>
+    <cs:lnRef idx="0"/>
+    <cs:fillRef idx="0"/>
+    <cs:effectRef idx="0"/>
+    <cs:fontRef idx="minor">
+      <a:schemeClr val="tx1"/>
+    </cs:fontRef>
+    <cs:spPr>
+      <a:ln w="9525" cap="flat" cmpd="sng" algn="ctr">
+        <a:solidFill>
+          <a:schemeClr val="tx1">
+            <a:lumMod val="5000"/>
+            <a:lumOff val="95000"/>
+          </a:schemeClr>
+        </a:solidFill>
+        <a:round/>
+      </a:ln>
+    </cs:spPr>
+  </cs:gridlineMinor>
+  <cs:hiLoLine>
+    <cs:lnRef idx="0"/>
+    <cs:fillRef idx="0"/>
+    <cs:effectRef idx="0"/>
+    <cs:fontRef idx="minor">
+      <a:schemeClr val="tx1"/>
+    </cs:fontRef>
+    <cs:spPr>
+      <a:ln w="9525" cap="flat" cmpd="sng" algn="ctr">
+        <a:solidFill>
+          <a:schemeClr val="tx1">
+            <a:lumMod val="50000"/>
+            <a:lumOff val="50000"/>
+          </a:schemeClr>
+        </a:solidFill>
+        <a:round/>
+      </a:ln>
+    </cs:spPr>
+  </cs:hiLoLine>
+  <cs:leaderLine>
+    <cs:lnRef idx="0"/>
+    <cs:fillRef idx="0"/>
+    <cs:effectRef idx="0"/>
+    <cs:fontRef idx="minor">
+      <a:schemeClr val="tx1"/>
+    </cs:fontRef>
+    <cs:spPr>
+      <a:ln w="9525" cap="flat" cmpd="sng" algn="ctr">
+        <a:solidFill>
+          <a:schemeClr val="tx1">
+            <a:lumMod val="35000"/>
+            <a:lumOff val="65000"/>
+          </a:schemeClr>
+        </a:solidFill>
+        <a:round/>
+      </a:ln>
+    </cs:spPr>
+  </cs:leaderLine>
+  <cs:legend>
+    <cs:lnRef idx="0"/>
+    <cs:fillRef idx="0"/>
+    <cs:effectRef idx="0"/>
+    <cs:fontRef idx="minor">
+      <a:schemeClr val="tx1">
+        <a:lumMod val="65000"/>
+        <a:lumOff val="35000"/>
+      </a:schemeClr>
+    </cs:fontRef>
+    <cs:defRPr sz="900" kern="1200"/>
+  </cs:legend>
+  <cs:plotArea mods="allowNoFillOverride allowNoLineOverride">
+    <cs:lnRef idx="0"/>
+    <cs:fillRef idx="0"/>
+    <cs:effectRef idx="0"/>
+    <cs:fontRef idx="minor">
+      <a:schemeClr val="tx1"/>
+    </cs:fontRef>
+  </cs:plotArea>
+  <cs:plotArea3D mods="allowNoFillOverride allowNoLineOverride">
+    <cs:lnRef idx="0"/>
+    <cs:fillRef idx="0"/>
+    <cs:effectRef idx="0"/>
+    <cs:fontRef idx="minor">
+      <a:schemeClr val="tx1"/>
+    </cs:fontRef>
+  </cs:plotArea3D>
+  <cs:seriesAxis>
+    <cs:lnRef idx="0"/>
+    <cs:fillRef idx="0"/>
+    <cs:effectRef idx="0"/>
+    <cs:fontRef idx="minor">
+      <a:schemeClr val="tx1">
+        <a:lumMod val="65000"/>
+        <a:lumOff val="35000"/>
+      </a:schemeClr>
+    </cs:fontRef>
+    <cs:defRPr sz="900" kern="1200"/>
+  </cs:seriesAxis>
+  <cs:seriesLine>
+    <cs:lnRef idx="0"/>
+    <cs:fillRef idx="0"/>
+    <cs:effectRef idx="0"/>
+    <cs:fontRef idx="minor">
+      <a:schemeClr val="tx1"/>
+    </cs:fontRef>
+    <cs:spPr>
+      <a:ln w="9525" cap="flat" cmpd="sng" algn="ctr">
+        <a:solidFill>
+          <a:schemeClr val="tx1">
+            <a:lumMod val="35000"/>
+            <a:lumOff val="65000"/>
+          </a:schemeClr>
+        </a:solidFill>
+        <a:round/>
+      </a:ln>
+    </cs:spPr>
+  </cs:seriesLine>
+  <cs:title>
+    <cs:lnRef idx="0"/>
+    <cs:fillRef idx="0"/>
+    <cs:effectRef idx="0"/>
+    <cs:fontRef idx="minor">
+      <a:schemeClr val="tx1">
+        <a:lumMod val="65000"/>
+        <a:lumOff val="35000"/>
+      </a:schemeClr>
+    </cs:fontRef>
+    <cs:defRPr sz="1400" b="0" kern="1200" spc="0" baseline="0"/>
+  </cs:title>
+  <cs:trendline>
+    <cs:lnRef idx="0">
+      <cs:styleClr val="auto"/>
+    </cs:lnRef>
+    <cs:fillRef idx="0"/>
+    <cs:effectRef idx="0"/>
+    <cs:fontRef idx="minor">
+      <a:schemeClr val="tx1"/>
+    </cs:fontRef>
+    <cs:spPr>
+      <a:ln w="19050" cap="rnd">
+        <a:solidFill>
+          <a:schemeClr val="phClr"/>
+        </a:solidFill>
+        <a:prstDash val="sysDot"/>
+      </a:ln>
+    </cs:spPr>
+  </cs:trendline>
+  <cs:trendlineLabel>
+    <cs:lnRef idx="0"/>
+    <cs:fillRef idx="0"/>
+    <cs:effectRef idx="0"/>
+    <cs:fontRef idx="minor">
+      <a:schemeClr val="tx1">
+        <a:lumMod val="65000"/>
+        <a:lumOff val="35000"/>
+      </a:schemeClr>
+    </cs:fontRef>
+    <cs:defRPr sz="900" kern="1200"/>
+  </cs:trendlineLabel>
+  <cs:upBar>
+    <cs:lnRef idx="0"/>
+    <cs:fillRef idx="0"/>
+    <cs:effectRef idx="0"/>
+    <cs:fontRef idx="minor">
+      <a:schemeClr val="tx1"/>
+    </cs:fontRef>
+    <cs:spPr>
+      <a:solidFill>
+        <a:schemeClr val="lt1"/>
+      </a:solidFill>
+      <a:ln w="9525" cap="flat" cmpd="sng" algn="ctr">
+        <a:solidFill>
+          <a:schemeClr val="tx1">
+            <a:lumMod val="65000"/>
+            <a:lumOff val="35000"/>
+          </a:schemeClr>
+        </a:solidFill>
+        <a:round/>
+      </a:ln>
+    </cs:spPr>
+  </cs:upBar>
+  <cs:valueAxis>
+    <cs:lnRef idx="0"/>
+    <cs:fillRef idx="0"/>
+    <cs:effectRef idx="0"/>
+    <cs:fontRef idx="minor">
+      <a:schemeClr val="tx1">
+        <a:lumMod val="65000"/>
+        <a:lumOff val="35000"/>
+      </a:schemeClr>
+    </cs:fontRef>
+    <cs:spPr>
+      <a:ln w="9525" cap="flat" cmpd="sng" algn="ctr">
+        <a:solidFill>
+          <a:schemeClr val="tx1">
+            <a:lumMod val="25000"/>
+            <a:lumOff val="75000"/>
+          </a:schemeClr>
+        </a:solidFill>
+        <a:round/>
+      </a:ln>
+    </cs:spPr>
+    <cs:defRPr sz="900" kern="1200"/>
+  </cs:valueAxis>
+  <cs:wall>
+    <cs:lnRef idx="0"/>
+    <cs:fillRef idx="0"/>
+    <cs:effectRef idx="0"/>
+    <cs:fontRef idx="minor">
+      <a:schemeClr val="tx1"/>
+    </cs:fontRef>
+    <cs:spPr>
+      <a:noFill/>
+      <a:ln>
+        <a:noFill/>
+      </a:ln>
+    </cs:spPr>
+  </cs:wall>
+</cs:chartStyle>
+</file>
+
 <file path=ppt/notesMasters/notesMaster1.xml><?xml version="1.0" encoding="utf-8"?>
 <p:notesMaster xmlns:a="http://schemas.openxmlformats.org/drawingml/2006/main" xmlns:r="http://schemas.openxmlformats.org/officeDocument/2006/relationships" xmlns:p="http://schemas.openxmlformats.org/presentationml/2006/main">
   <p:cSld>
@@ -9343,7 +10227,7 @@
           <a:p>
             <a:fld id="{DAB5DE69-65B2-445A-B9D2-BC2BC199D49F}" type="datetimeFigureOut">
               <a:rPr lang="en-CA" smtClean="0"/>
-              <a:t>2024-03-23</a:t>
+              <a:t>2024-03-24</a:t>
             </a:fld>
             <a:endParaRPr lang="en-CA"/>
           </a:p>
@@ -9502,7 +10386,7 @@
           <a:p>
             <a:fld id="{603E9730-38DB-4F77-A139-6CE923099591}" type="slidenum">
               <a:rPr lang="en-CA" smtClean="0"/>
-              <a:t>‹N°›</a:t>
+              <a:t>‹#›</a:t>
             </a:fld>
             <a:endParaRPr lang="en-CA"/>
           </a:p>
@@ -9760,7 +10644,7 @@
           <a:p>
             <a:fld id="{CF633E34-DD75-4254-AB88-C9D2090F6CC5}" type="datetimeFigureOut">
               <a:rPr lang="en-CA" smtClean="0"/>
-              <a:t>2024-03-23</a:t>
+              <a:t>2024-03-24</a:t>
             </a:fld>
             <a:endParaRPr lang="en-CA"/>
           </a:p>
@@ -9814,7 +10698,7 @@
           <a:p>
             <a:fld id="{4BD3201E-7DF8-462B-AC18-61E63795AE0D}" type="slidenum">
               <a:rPr lang="en-CA" smtClean="0"/>
-              <a:t>‹N°›</a:t>
+              <a:t>‹#›</a:t>
             </a:fld>
             <a:endParaRPr lang="en-CA"/>
           </a:p>
@@ -9960,7 +10844,7 @@
           <a:p>
             <a:fld id="{CF633E34-DD75-4254-AB88-C9D2090F6CC5}" type="datetimeFigureOut">
               <a:rPr lang="en-CA" smtClean="0"/>
-              <a:t>2024-03-23</a:t>
+              <a:t>2024-03-24</a:t>
             </a:fld>
             <a:endParaRPr lang="en-CA"/>
           </a:p>
@@ -10014,7 +10898,7 @@
           <a:p>
             <a:fld id="{4BD3201E-7DF8-462B-AC18-61E63795AE0D}" type="slidenum">
               <a:rPr lang="en-CA" smtClean="0"/>
-              <a:t>‹N°›</a:t>
+              <a:t>‹#›</a:t>
             </a:fld>
             <a:endParaRPr lang="en-CA"/>
           </a:p>
@@ -10170,7 +11054,7 @@
           <a:p>
             <a:fld id="{CF633E34-DD75-4254-AB88-C9D2090F6CC5}" type="datetimeFigureOut">
               <a:rPr lang="en-CA" smtClean="0"/>
-              <a:t>2024-03-23</a:t>
+              <a:t>2024-03-24</a:t>
             </a:fld>
             <a:endParaRPr lang="en-CA"/>
           </a:p>
@@ -10224,7 +11108,7 @@
           <a:p>
             <a:fld id="{4BD3201E-7DF8-462B-AC18-61E63795AE0D}" type="slidenum">
               <a:rPr lang="en-CA" smtClean="0"/>
-              <a:t>‹N°›</a:t>
+              <a:t>‹#›</a:t>
             </a:fld>
             <a:endParaRPr lang="en-CA"/>
           </a:p>
@@ -10370,7 +11254,7 @@
           <a:p>
             <a:fld id="{CF633E34-DD75-4254-AB88-C9D2090F6CC5}" type="datetimeFigureOut">
               <a:rPr lang="en-CA" smtClean="0"/>
-              <a:t>2024-03-23</a:t>
+              <a:t>2024-03-24</a:t>
             </a:fld>
             <a:endParaRPr lang="en-CA"/>
           </a:p>
@@ -10424,7 +11308,7 @@
           <a:p>
             <a:fld id="{4BD3201E-7DF8-462B-AC18-61E63795AE0D}" type="slidenum">
               <a:rPr lang="en-CA" smtClean="0"/>
-              <a:t>‹N°›</a:t>
+              <a:t>‹#›</a:t>
             </a:fld>
             <a:endParaRPr lang="en-CA"/>
           </a:p>
@@ -10646,7 +11530,7 @@
           <a:p>
             <a:fld id="{CF633E34-DD75-4254-AB88-C9D2090F6CC5}" type="datetimeFigureOut">
               <a:rPr lang="en-CA" smtClean="0"/>
-              <a:t>2024-03-23</a:t>
+              <a:t>2024-03-24</a:t>
             </a:fld>
             <a:endParaRPr lang="en-CA"/>
           </a:p>
@@ -10700,7 +11584,7 @@
           <a:p>
             <a:fld id="{4BD3201E-7DF8-462B-AC18-61E63795AE0D}" type="slidenum">
               <a:rPr lang="en-CA" smtClean="0"/>
-              <a:t>‹N°›</a:t>
+              <a:t>‹#›</a:t>
             </a:fld>
             <a:endParaRPr lang="en-CA"/>
           </a:p>
@@ -10914,7 +11798,7 @@
           <a:p>
             <a:fld id="{CF633E34-DD75-4254-AB88-C9D2090F6CC5}" type="datetimeFigureOut">
               <a:rPr lang="en-CA" smtClean="0"/>
-              <a:t>2024-03-23</a:t>
+              <a:t>2024-03-24</a:t>
             </a:fld>
             <a:endParaRPr lang="en-CA"/>
           </a:p>
@@ -10968,7 +11852,7 @@
           <a:p>
             <a:fld id="{4BD3201E-7DF8-462B-AC18-61E63795AE0D}" type="slidenum">
               <a:rPr lang="en-CA" smtClean="0"/>
-              <a:t>‹N°›</a:t>
+              <a:t>‹#›</a:t>
             </a:fld>
             <a:endParaRPr lang="en-CA"/>
           </a:p>
@@ -11329,7 +12213,7 @@
           <a:p>
             <a:fld id="{CF633E34-DD75-4254-AB88-C9D2090F6CC5}" type="datetimeFigureOut">
               <a:rPr lang="en-CA" smtClean="0"/>
-              <a:t>2024-03-23</a:t>
+              <a:t>2024-03-24</a:t>
             </a:fld>
             <a:endParaRPr lang="en-CA"/>
           </a:p>
@@ -11383,7 +12267,7 @@
           <a:p>
             <a:fld id="{4BD3201E-7DF8-462B-AC18-61E63795AE0D}" type="slidenum">
               <a:rPr lang="en-CA" smtClean="0"/>
-              <a:t>‹N°›</a:t>
+              <a:t>‹#›</a:t>
             </a:fld>
             <a:endParaRPr lang="en-CA"/>
           </a:p>
@@ -11471,7 +12355,7 @@
           <a:p>
             <a:fld id="{CF633E34-DD75-4254-AB88-C9D2090F6CC5}" type="datetimeFigureOut">
               <a:rPr lang="en-CA" smtClean="0"/>
-              <a:t>2024-03-23</a:t>
+              <a:t>2024-03-24</a:t>
             </a:fld>
             <a:endParaRPr lang="en-CA"/>
           </a:p>
@@ -11525,7 +12409,7 @@
           <a:p>
             <a:fld id="{4BD3201E-7DF8-462B-AC18-61E63795AE0D}" type="slidenum">
               <a:rPr lang="en-CA" smtClean="0"/>
-              <a:t>‹N°›</a:t>
+              <a:t>‹#›</a:t>
             </a:fld>
             <a:endParaRPr lang="en-CA"/>
           </a:p>
@@ -11584,7 +12468,7 @@
           <a:p>
             <a:fld id="{CF633E34-DD75-4254-AB88-C9D2090F6CC5}" type="datetimeFigureOut">
               <a:rPr lang="en-CA" smtClean="0"/>
-              <a:t>2024-03-23</a:t>
+              <a:t>2024-03-24</a:t>
             </a:fld>
             <a:endParaRPr lang="en-CA"/>
           </a:p>
@@ -11638,7 +12522,7 @@
           <a:p>
             <a:fld id="{4BD3201E-7DF8-462B-AC18-61E63795AE0D}" type="slidenum">
               <a:rPr lang="en-CA" smtClean="0"/>
-              <a:t>‹N°›</a:t>
+              <a:t>‹#›</a:t>
             </a:fld>
             <a:endParaRPr lang="en-CA"/>
           </a:p>
@@ -11897,7 +12781,7 @@
           <a:p>
             <a:fld id="{CF633E34-DD75-4254-AB88-C9D2090F6CC5}" type="datetimeFigureOut">
               <a:rPr lang="en-CA" smtClean="0"/>
-              <a:t>2024-03-23</a:t>
+              <a:t>2024-03-24</a:t>
             </a:fld>
             <a:endParaRPr lang="en-CA"/>
           </a:p>
@@ -11951,7 +12835,7 @@
           <a:p>
             <a:fld id="{4BD3201E-7DF8-462B-AC18-61E63795AE0D}" type="slidenum">
               <a:rPr lang="en-CA" smtClean="0"/>
-              <a:t>‹N°›</a:t>
+              <a:t>‹#›</a:t>
             </a:fld>
             <a:endParaRPr lang="en-CA"/>
           </a:p>
@@ -12186,7 +13070,7 @@
           <a:p>
             <a:fld id="{CF633E34-DD75-4254-AB88-C9D2090F6CC5}" type="datetimeFigureOut">
               <a:rPr lang="en-CA" smtClean="0"/>
-              <a:t>2024-03-23</a:t>
+              <a:t>2024-03-24</a:t>
             </a:fld>
             <a:endParaRPr lang="en-CA"/>
           </a:p>
@@ -12240,7 +13124,7 @@
           <a:p>
             <a:fld id="{4BD3201E-7DF8-462B-AC18-61E63795AE0D}" type="slidenum">
               <a:rPr lang="en-CA" smtClean="0"/>
-              <a:t>‹N°›</a:t>
+              <a:t>‹#›</a:t>
             </a:fld>
             <a:endParaRPr lang="en-CA"/>
           </a:p>
@@ -12429,7 +13313,7 @@
           <a:p>
             <a:fld id="{CF633E34-DD75-4254-AB88-C9D2090F6CC5}" type="datetimeFigureOut">
               <a:rPr lang="en-CA" smtClean="0"/>
-              <a:t>2024-03-23</a:t>
+              <a:t>2024-03-24</a:t>
             </a:fld>
             <a:endParaRPr lang="en-CA"/>
           </a:p>
@@ -12519,7 +13403,7 @@
           <a:p>
             <a:fld id="{4BD3201E-7DF8-462B-AC18-61E63795AE0D}" type="slidenum">
               <a:rPr lang="en-CA" smtClean="0"/>
-              <a:t>‹N°›</a:t>
+              <a:t>‹#›</a:t>
             </a:fld>
             <a:endParaRPr lang="en-CA"/>
           </a:p>
@@ -13119,7 +14003,7 @@
               <a:rPr lang="en-CA" sz="2000" i="1" dirty="0">
                 <a:hlinkClick r:id="rId2"/>
               </a:rPr>
-              <a:t>https://github.com/mehdibendaya/MEC8211-DEV1.git</a:t>
+              <a:t>https://github.com/mehdibendaya/MEC8211DEV3</a:t>
             </a:r>
             <a:endParaRPr lang="en-CA" sz="2000" i="1" dirty="0"/>
           </a:p>
@@ -13242,27 +14126,27 @@
             </p:nvSpPr>
             <p:spPr>
               <a:xfrm>
-                <a:off x="838200" y="1825624"/>
-                <a:ext cx="10515600" cy="4667249"/>
+                <a:off x="838200" y="1130710"/>
+                <a:ext cx="10515600" cy="1494503"/>
               </a:xfrm>
             </p:spPr>
             <p:txBody>
               <a:bodyPr>
-                <a:normAutofit fontScale="92500" lnSpcReduction="20000"/>
+                <a:normAutofit/>
               </a:bodyPr>
               <a:lstStyle/>
               <a:p>
                 <a:pPr algn="just"/>
                 <a:r>
-                  <a:rPr lang="fr-FR" sz="2000" dirty="0"/>
-                  <a:t>D’après le calcul on voit que 0 n’appartient pas à l’intervalle de </a:t>
+                  <a:rPr lang="fr-FR" sz="1600" dirty="0"/>
+                  <a:t>D’après le calcul et le graphe de la figure 8, on voit que 0 n’appartient pas à l’intervalle de </a:t>
                 </a:r>
                 <a14:m>
                   <m:oMath xmlns:m="http://schemas.openxmlformats.org/officeDocument/2006/math">
                     <m:sSub>
                       <m:sSubPr>
                         <m:ctrlPr>
-                          <a:rPr lang="en-CA" sz="2000" i="1">
+                          <a:rPr lang="en-CA" sz="1600" i="1">
                             <a:latin typeface="Cambria Math" panose="02040503050406030204" pitchFamily="18" charset="0"/>
                           </a:rPr>
                         </m:ctrlPr>
@@ -13272,13 +14156,13 @@
                           <m:rPr>
                             <m:nor/>
                           </m:rPr>
-                          <a:rPr lang="el-GR" sz="2000" dirty="0"/>
+                          <a:rPr lang="el-GR" sz="1600" dirty="0"/>
                           <m:t>δ</m:t>
                         </m:r>
                       </m:e>
                       <m:sub>
                         <m:r>
-                          <a:rPr lang="en-US" sz="2000" i="1">
+                          <a:rPr lang="en-US" sz="1600" i="1">
                             <a:latin typeface="Cambria Math" panose="02040503050406030204" pitchFamily="18" charset="0"/>
                           </a:rPr>
                           <m:t>𝑚𝑜𝑑𝑒𝑙</m:t>
@@ -13288,25 +14172,25 @@
                   </m:oMath>
                 </a14:m>
                 <a:r>
-                  <a:rPr lang="fr-FR" sz="2000" dirty="0"/>
-                  <a:t> . Ceci indique que l’erreur du modèle n’est jamais nulle à un niveau de confiance de 95.4%. Ainsi le modèle échoue la validation et n’est pas adéquat pour représenter le phénomène physique qui a lieu dans le filtre.</a:t>
-                </a:r>
-                <a:r>
-                  <a:rPr lang="fr-FR" sz="2000" dirty="0">
+                  <a:rPr lang="fr-FR" sz="1600" dirty="0"/>
+                  <a:t> . Ceci indique que l’erreur du modèle n’est jamais nulle à un niveau de confiance de 95.4%. Ainsi le modèle échoue la validation et n’est pas adéquat pour représenter le phénomène physique qui a lieu dans le </a:t>
+                </a:r>
+                <a:r>
+                  <a:rPr lang="fr-FR" sz="1600" dirty="0">
                     <a:solidFill>
-                      <a:srgbClr val="FF0000"/>
+                      <a:schemeClr val="tx1"/>
                     </a:solidFill>
                   </a:rPr>
-                  <a:t> Il est aussi possible de conclure d’après les interprétations présentées dans la norme V&amp;V20-2009 que </a:t>
+                  <a:t>filtre. Il est aussi possible de conclure d’après les interprétations présentées dans la norme V&amp;V20-2009 que </a:t>
                 </a:r>
                 <a14:m>
                   <m:oMath xmlns:m="http://schemas.openxmlformats.org/officeDocument/2006/math">
                     <m:sSub>
                       <m:sSubPr>
                         <m:ctrlPr>
-                          <a:rPr lang="en-CA" sz="2000" i="1">
+                          <a:rPr lang="en-CA" sz="1600" i="1">
                             <a:solidFill>
-                              <a:srgbClr val="FF0000"/>
+                              <a:schemeClr val="tx1"/>
                             </a:solidFill>
                             <a:latin typeface="Cambria Math" panose="02040503050406030204" pitchFamily="18" charset="0"/>
                           </a:rPr>
@@ -13317,9 +14201,9 @@
                           <m:rPr>
                             <m:nor/>
                           </m:rPr>
-                          <a:rPr lang="el-GR" sz="2000" dirty="0">
+                          <a:rPr lang="el-GR" sz="1600" dirty="0">
                             <a:solidFill>
-                              <a:srgbClr val="FF0000"/>
+                              <a:schemeClr val="tx1"/>
                             </a:solidFill>
                           </a:rPr>
                           <m:t>δ</m:t>
@@ -13327,9 +14211,9 @@
                       </m:e>
                       <m:sub>
                         <m:r>
-                          <a:rPr lang="en-US" sz="2000" i="1">
+                          <a:rPr lang="en-US" sz="1600" i="1">
                             <a:solidFill>
-                              <a:srgbClr val="FF0000"/>
+                              <a:schemeClr val="tx1"/>
                             </a:solidFill>
                             <a:latin typeface="Cambria Math" panose="02040503050406030204" pitchFamily="18" charset="0"/>
                           </a:rPr>
@@ -13340,85 +14224,18 @@
                   </m:oMath>
                 </a14:m>
                 <a:r>
-                  <a:rPr lang="fr-FR" sz="2000" dirty="0">
+                  <a:rPr lang="fr-FR" sz="1600" dirty="0">
                     <a:solidFill>
-                      <a:srgbClr val="FF0000"/>
+                      <a:schemeClr val="tx1"/>
                     </a:solidFill>
                   </a:rPr>
                   <a:t> est de même signe que E donc qu’elle est négative.</a:t>
                 </a:r>
-              </a:p>
-              <a:p>
-                <a:pPr algn="just"/>
-                <a:r>
-                  <a:rPr lang="en-CA" sz="2000" dirty="0" err="1">
-                    <a:highlight>
-                      <a:srgbClr val="FFFF00"/>
-                    </a:highlight>
-                  </a:rPr>
-                  <a:t>Inserer</a:t>
-                </a:r>
-                <a:r>
-                  <a:rPr lang="en-CA" sz="2000" dirty="0">
-                    <a:highlight>
-                      <a:srgbClr val="FFFF00"/>
-                    </a:highlight>
-                  </a:rPr>
-                  <a:t> </a:t>
-                </a:r>
-                <a:r>
-                  <a:rPr lang="en-CA" sz="2000" dirty="0" err="1">
-                    <a:highlight>
-                      <a:srgbClr val="FFFF00"/>
-                    </a:highlight>
-                  </a:rPr>
-                  <a:t>graphe</a:t>
-                </a:r>
-                <a:r>
-                  <a:rPr lang="en-CA" sz="2000" dirty="0">
-                    <a:highlight>
-                      <a:srgbClr val="FFFF00"/>
-                    </a:highlight>
-                  </a:rPr>
-                  <a:t> avec barres</a:t>
-                </a:r>
-              </a:p>
-              <a:p>
-                <a:pPr marL="0" indent="0" algn="just">
-                  <a:buNone/>
-                </a:pPr>
-                <a:endParaRPr lang="fr-FR" sz="2000" dirty="0"/>
-              </a:p>
-              <a:p>
-                <a:pPr marL="0" indent="0" algn="just">
-                  <a:buNone/>
-                </a:pPr>
-                <a:endParaRPr lang="fr-FR" sz="2000" dirty="0"/>
-              </a:p>
-              <a:p>
-                <a:pPr marL="0" indent="0" algn="just">
-                  <a:buNone/>
-                </a:pPr>
-                <a:endParaRPr lang="fr-FR" sz="2000" dirty="0"/>
-              </a:p>
-              <a:p>
-                <a:pPr marL="0" indent="0" algn="just">
-                  <a:buNone/>
-                </a:pPr>
-                <a:endParaRPr lang="fr-FR" sz="2000" dirty="0"/>
-              </a:p>
-              <a:p>
-                <a:pPr marL="0" indent="0" algn="just">
-                  <a:buNone/>
-                </a:pPr>
-                <a:endParaRPr lang="fr-FR" sz="2000" dirty="0"/>
-              </a:p>
-              <a:p>
-                <a:pPr algn="just"/>
-                <a:r>
-                  <a:rPr lang="fr-FR" sz="2000" dirty="0"/>
-                  <a:t>Ceci est sans doute dû aux hypothèses simplificatrices posées pour la construction du modèle mathématique, dont la simplification 2D qui suppose toutes les fibres parallèles le long du filtre. Il faudrait probablement réviser cette hypothèse quitte à travailler avec un modèle 3D ou bien subdiviser la longueur du filtre par tranches fines où chacune peut être traitée comme un plan 2D mais où la répartition des fibres varie d’une tranche à une autre.</a:t>
-                </a:r>
+                <a:endParaRPr lang="fr-FR" sz="1600" dirty="0">
+                  <a:solidFill>
+                    <a:srgbClr val="FF0000"/>
+                  </a:solidFill>
+                </a:endParaRPr>
               </a:p>
             </p:txBody>
           </p:sp>
@@ -13442,13 +14259,13 @@
             </p:nvSpPr>
             <p:spPr>
               <a:xfrm>
-                <a:off x="838200" y="1825624"/>
-                <a:ext cx="10515600" cy="4667249"/>
+                <a:off x="838200" y="1130710"/>
+                <a:ext cx="10515600" cy="1494503"/>
               </a:xfrm>
               <a:blipFill>
                 <a:blip r:embed="rId2"/>
                 <a:stretch>
-                  <a:fillRect l="-464" t="-2219" r="-522"/>
+                  <a:fillRect l="-232" t="-2846" r="-290"/>
                 </a:stretch>
               </a:blipFill>
             </p:spPr>
@@ -13457,7 +14274,7 @@
               <a:lstStyle/>
               <a:p>
                 <a:r>
-                  <a:rPr lang="fr-FR">
+                  <a:rPr lang="en-CA">
                     <a:noFill/>
                   </a:rPr>
                   <a:t> </a:t>
@@ -13599,6 +14416,139 @@
           </p:sp>
         </mc:Fallback>
       </mc:AlternateContent>
+      <p:graphicFrame>
+        <p:nvGraphicFramePr>
+          <p:cNvPr id="2" name="Chart 1">
+            <a:extLst>
+              <a:ext uri="{FF2B5EF4-FFF2-40B4-BE49-F238E27FC236}">
+                <a16:creationId xmlns:a16="http://schemas.microsoft.com/office/drawing/2014/main" id="{14D55073-6759-D9EF-5BDD-307AD1136631}"/>
+              </a:ext>
+            </a:extLst>
+          </p:cNvPr>
+          <p:cNvGraphicFramePr>
+            <a:graphicFrameLocks/>
+          </p:cNvGraphicFramePr>
+          <p:nvPr>
+            <p:extLst>
+              <p:ext uri="{D42A27DB-BD31-4B8C-83A1-F6EECF244321}">
+                <p14:modId xmlns:p14="http://schemas.microsoft.com/office/powerpoint/2010/main" val="4088512589"/>
+              </p:ext>
+            </p:extLst>
+          </p:nvPr>
+        </p:nvGraphicFramePr>
+        <p:xfrm>
+          <a:off x="3638396" y="2204194"/>
+          <a:ext cx="4306775" cy="2898750"/>
+        </p:xfrm>
+        <a:graphic>
+          <a:graphicData uri="http://schemas.openxmlformats.org/drawingml/2006/chart">
+            <c:chart xmlns:c="http://schemas.openxmlformats.org/drawingml/2006/chart" xmlns:r="http://schemas.openxmlformats.org/officeDocument/2006/relationships" r:id="rId4"/>
+          </a:graphicData>
+        </a:graphic>
+      </p:graphicFrame>
+      <p:sp>
+        <p:nvSpPr>
+          <p:cNvPr id="6" name="TextBox 5">
+            <a:extLst>
+              <a:ext uri="{FF2B5EF4-FFF2-40B4-BE49-F238E27FC236}">
+                <a16:creationId xmlns:a16="http://schemas.microsoft.com/office/drawing/2014/main" id="{35650550-7410-9AA5-BDD2-F87C4257CC71}"/>
+              </a:ext>
+            </a:extLst>
+          </p:cNvPr>
+          <p:cNvSpPr txBox="1"/>
+          <p:nvPr/>
+        </p:nvSpPr>
+        <p:spPr>
+          <a:xfrm>
+            <a:off x="838200" y="5485647"/>
+            <a:ext cx="10515600" cy="1323439"/>
+          </a:xfrm>
+          <a:prstGeom prst="rect">
+            <a:avLst/>
+          </a:prstGeom>
+          <a:noFill/>
+        </p:spPr>
+        <p:txBody>
+          <a:bodyPr wrap="square">
+            <a:spAutoFit/>
+          </a:bodyPr>
+          <a:lstStyle/>
+          <a:p>
+            <a:pPr marL="285750" indent="-285750" algn="just">
+              <a:buFont typeface="Arial" panose="020B0604020202020204" pitchFamily="34" charset="0"/>
+              <a:buChar char="•"/>
+            </a:pPr>
+            <a:r>
+              <a:rPr lang="fr-FR" sz="1600" dirty="0"/>
+              <a:t>Ceci est sans doute dû aux hypothèses simplificatrices posées pour la construction du modèle mathématique, dont la simplification 2D qui suppose toutes les fibres parallèles le long du filtre. Il faudrait probablement réviser cette hypothèse quitte à travailler avec un modèle 3D ou bien subdiviser la profondeur du filtre en tranches fines où chacune peut être traitée comme un plan 2D avec fibres parallèles mais où la répartition des fibres varie d’une tranche à une autre.</a:t>
+            </a:r>
+          </a:p>
+        </p:txBody>
+      </p:sp>
+      <p:sp>
+        <p:nvSpPr>
+          <p:cNvPr id="7" name="ZoneTexte 6">
+            <a:extLst>
+              <a:ext uri="{FF2B5EF4-FFF2-40B4-BE49-F238E27FC236}">
+                <a16:creationId xmlns:a16="http://schemas.microsoft.com/office/drawing/2014/main" id="{953425DF-10CD-B01D-58B3-E43B4E43F139}"/>
+              </a:ext>
+            </a:extLst>
+          </p:cNvPr>
+          <p:cNvSpPr txBox="1"/>
+          <p:nvPr/>
+        </p:nvSpPr>
+        <p:spPr>
+          <a:xfrm>
+            <a:off x="4472971" y="5102944"/>
+            <a:ext cx="3698342" cy="307777"/>
+          </a:xfrm>
+          <a:prstGeom prst="rect">
+            <a:avLst/>
+          </a:prstGeom>
+          <a:noFill/>
+        </p:spPr>
+        <p:txBody>
+          <a:bodyPr wrap="square" rtlCol="0">
+            <a:spAutoFit/>
+          </a:bodyPr>
+          <a:lstStyle/>
+          <a:p>
+            <a:r>
+              <a:rPr lang="en-US" sz="1400" dirty="0"/>
+              <a:t>fig8. </a:t>
+            </a:r>
+            <a:r>
+              <a:rPr lang="en-US" sz="1400" dirty="0" err="1"/>
+              <a:t>Intervalle</a:t>
+            </a:r>
+            <a:r>
+              <a:rPr lang="en-US" sz="1400" dirty="0"/>
+              <a:t> </a:t>
+            </a:r>
+            <a:r>
+              <a:rPr lang="en-US" sz="1400" dirty="0" err="1"/>
+              <a:t>d’incertitude</a:t>
+            </a:r>
+            <a:r>
+              <a:rPr lang="en-US" sz="1400" dirty="0"/>
+              <a:t> sur </a:t>
+            </a:r>
+            <a:r>
+              <a:rPr lang="el-GR" sz="1400" dirty="0"/>
+              <a:t>δ</a:t>
+            </a:r>
+            <a:r>
+              <a:rPr lang="en-CA" sz="1000" dirty="0"/>
+              <a:t>model</a:t>
+            </a:r>
+            <a:r>
+              <a:rPr lang="en-US" sz="1400" dirty="0"/>
+              <a:t> </a:t>
+            </a:r>
+            <a:endParaRPr lang="fr-CA" sz="1400" dirty="0"/>
+          </a:p>
+        </p:txBody>
+      </p:sp>
     </p:spTree>
     <p:extLst>
       <p:ext uri="{BB962C8B-B14F-4D97-AF65-F5344CB8AC3E}">
@@ -14641,8 +15591,8 @@
           </p:sp>
         </mc:Fallback>
       </mc:AlternateContent>
-      <mc:AlternateContent xmlns:mc="http://schemas.openxmlformats.org/markup-compatibility/2006" xmlns:a14="http://schemas.microsoft.com/office/drawing/2010/main">
-        <mc:Choice Requires="a14">
+      <mc:AlternateContent xmlns:mc="http://schemas.openxmlformats.org/markup-compatibility/2006">
+        <mc:Choice xmlns:a14="http://schemas.microsoft.com/office/drawing/2010/main" Requires="a14">
           <p:sp>
             <p:nvSpPr>
               <p:cNvPr id="8" name="TextBox 7">
@@ -15450,10 +16400,7 @@
                     </m:sSup>
                   </m:oMath>
                 </a14:m>
-                <a:r>
-                  <a:rPr lang="en-CA" sz="1400" dirty="0"/>
-                  <a:t>.</a:t>
-                </a:r>
+                <a:endParaRPr lang="en-CA" sz="1400" dirty="0"/>
               </a:p>
               <a:p>
                 <a:pPr algn="just"/>
@@ -15633,7 +16580,23 @@
                 </a:r>
                 <a:r>
                   <a:rPr lang="en-CA" sz="1400" dirty="0"/>
-                  <a:t> observe (</a:t>
+                  <a:t> </a:t>
+                </a:r>
+                <a:r>
+                  <a:rPr lang="en-CA" sz="1400" dirty="0" err="1"/>
+                  <a:t>observé</a:t>
+                </a:r>
+                <a:r>
+                  <a:rPr lang="en-CA" sz="1400" dirty="0"/>
+                  <a:t> (</a:t>
+                </a:r>
+                <a:r>
+                  <a:rPr lang="en-CA" sz="1400" dirty="0" err="1"/>
+                  <a:t>voir</a:t>
+                </a:r>
+                <a:r>
+                  <a:rPr lang="en-CA" sz="1400" dirty="0"/>
+                  <a:t> </a:t>
                 </a:r>
                 <a:r>
                   <a:rPr lang="en-CA" sz="1400" dirty="0" err="1"/>
@@ -15655,7 +16618,7 @@
             </p:txBody>
           </p:sp>
         </mc:Choice>
-        <mc:Fallback xmlns="">
+        <mc:Fallback>
           <p:sp>
             <p:nvSpPr>
               <p:cNvPr id="8" name="TextBox 7">
@@ -19204,8 +20167,8 @@
           </a:p>
         </p:txBody>
       </p:sp>
-      <mc:AlternateContent xmlns:mc="http://schemas.openxmlformats.org/markup-compatibility/2006" xmlns:a14="http://schemas.microsoft.com/office/drawing/2010/main">
-        <mc:Choice Requires="a14">
+      <mc:AlternateContent xmlns:mc="http://schemas.openxmlformats.org/markup-compatibility/2006">
+        <mc:Choice xmlns:a14="http://schemas.microsoft.com/office/drawing/2010/main" Requires="a14">
           <p:sp>
             <p:nvSpPr>
               <p:cNvPr id="8" name="ZoneTexte 7">
@@ -19220,8 +20183,8 @@
             </p:nvSpPr>
             <p:spPr>
               <a:xfrm>
-                <a:off x="658762" y="4426166"/>
-                <a:ext cx="11021962" cy="970715"/>
+                <a:off x="658761" y="4426166"/>
+                <a:ext cx="11208773" cy="970715"/>
               </a:xfrm>
               <a:prstGeom prst="rect">
                 <a:avLst/>
@@ -19273,22 +20236,34 @@
                 </a14:m>
                 <a:r>
                   <a:rPr lang="fr-FR" sz="1400" dirty="0"/>
-                  <a:t>. Il est possible de conclure que la perméabilité k suit une loi log-normale. Pour calculer ses paramètres on passe au domaine logarithmique car si </a:t>
-                </a:r>
-                <a:r>
-                  <a:rPr lang="fr-FR" sz="1400" dirty="0" err="1"/>
+                  <a:t>. Il est possible de conclure que la perméabilité </a:t>
+                </a:r>
+                <a:r>
+                  <a:rPr lang="fr-FR" sz="1400" i="1" dirty="0"/>
+                  <a:t>k</a:t>
+                </a:r>
+                <a:r>
+                  <a:rPr lang="fr-FR" sz="1400" dirty="0"/>
+                  <a:t> suit une loi log-normale. Pour calculer ses paramètres on passe au domaine logarithmique car si </a:t>
+                </a:r>
+                <a:r>
+                  <a:rPr lang="fr-FR" sz="1400" i="1" dirty="0" err="1"/>
                   <a:t>k~log-N</a:t>
                 </a:r>
                 <a:r>
                   <a:rPr lang="fr-FR" sz="1400" dirty="0"/>
-                  <a:t>, alors log(k)~N(µ,</a:t>
-                </a:r>
-                <a:r>
-                  <a:rPr lang="el-GR" sz="1400" dirty="0"/>
+                  <a:t>, alors </a:t>
+                </a:r>
+                <a:r>
+                  <a:rPr lang="fr-FR" sz="1400" i="1" dirty="0"/>
+                  <a:t>log(k)~N(µ,</a:t>
+                </a:r>
+                <a:r>
+                  <a:rPr lang="el-GR" sz="1400" i="1" dirty="0"/>
                   <a:t>σ</a:t>
                 </a:r>
                 <a:r>
-                  <a:rPr lang="fr-FR" sz="1400" dirty="0"/>
+                  <a:rPr lang="fr-FR" sz="1400" i="1" dirty="0"/>
                   <a:t>).</a:t>
                 </a:r>
               </a:p>
@@ -19299,15 +20274,27 @@
                 </a:pPr>
                 <a:r>
                   <a:rPr lang="fr-FR" sz="1400" dirty="0"/>
-                  <a:t>On calcule µ et </a:t>
-                </a:r>
-                <a:r>
-                  <a:rPr lang="el-GR" sz="1400" dirty="0"/>
+                  <a:t>On calcule </a:t>
+                </a:r>
+                <a:r>
+                  <a:rPr lang="fr-FR" sz="1400" i="1" dirty="0"/>
+                  <a:t>µ</a:t>
+                </a:r>
+                <a:r>
+                  <a:rPr lang="fr-FR" sz="1400" dirty="0"/>
+                  <a:t> et </a:t>
+                </a:r>
+                <a:r>
+                  <a:rPr lang="el-GR" sz="1400" i="1" dirty="0"/>
                   <a:t>σ</a:t>
                 </a:r>
                 <a:r>
                   <a:rPr lang="en-CA" sz="1400" dirty="0"/>
-                  <a:t> de log(k) </a:t>
+                  <a:t> de </a:t>
+                </a:r>
+                <a:r>
+                  <a:rPr lang="en-CA" sz="1400" i="1" dirty="0"/>
+                  <a:t>log(k) </a:t>
                 </a:r>
                 <a:r>
                   <a:rPr lang="en-CA" sz="1400" dirty="0" err="1"/>
@@ -19347,22 +20334,54 @@
                 </a:r>
                 <a:r>
                   <a:rPr lang="en-CA" sz="1400" dirty="0"/>
-                  <a:t>) et on </a:t>
+                  <a:t>) </a:t>
                 </a:r>
                 <a:r>
                   <a:rPr lang="en-CA" sz="1400" dirty="0" err="1"/>
-                  <a:t>obtient</a:t>
+                  <a:t>puis</a:t>
                 </a:r>
                 <a:r>
                   <a:rPr lang="en-CA" sz="1400" dirty="0"/>
-                  <a:t>:</a:t>
+                  <a:t> on </a:t>
+                </a:r>
+                <a:r>
+                  <a:rPr lang="en-CA" sz="1400" dirty="0" err="1"/>
+                  <a:t>en</a:t>
+                </a:r>
+                <a:r>
+                  <a:rPr lang="en-CA" sz="1400" dirty="0"/>
+                  <a:t> </a:t>
+                </a:r>
+                <a:r>
+                  <a:rPr lang="en-CA" sz="1400" dirty="0" err="1"/>
+                  <a:t>déduit</a:t>
+                </a:r>
+                <a:r>
+                  <a:rPr lang="en-CA" sz="1400" dirty="0"/>
+                  <a:t> la </a:t>
+                </a:r>
+                <a:r>
+                  <a:rPr lang="en-CA" sz="1400" dirty="0" err="1"/>
+                  <a:t>médiane</a:t>
+                </a:r>
+                <a:r>
+                  <a:rPr lang="en-CA" sz="1400" dirty="0"/>
+                  <a:t> et la FVG de la distribution log-</a:t>
+                </a:r>
+                <a:r>
+                  <a:rPr lang="en-CA" sz="1400" dirty="0" err="1"/>
+                  <a:t>normale</a:t>
+                </a:r>
+                <a:r>
+                  <a:rPr lang="en-CA" sz="1400" dirty="0"/>
+                  <a:t> :</a:t>
                 </a:r>
                 <a:endParaRPr lang="fr-FR" sz="1400" dirty="0"/>
               </a:p>
             </p:txBody>
           </p:sp>
         </mc:Choice>
-        <mc:Fallback xmlns="">
+        <mc:Fallback>
           <p:sp>
             <p:nvSpPr>
               <p:cNvPr id="8" name="ZoneTexte 7">
@@ -19379,8 +20398,8 @@
             </p:nvSpPr>
             <p:spPr>
               <a:xfrm>
-                <a:off x="658762" y="4426166"/>
-                <a:ext cx="11021962" cy="970715"/>
+                <a:off x="658761" y="4426166"/>
+                <a:ext cx="11208773" cy="970715"/>
               </a:xfrm>
               <a:prstGeom prst="rect">
                 <a:avLst/>
@@ -19388,7 +20407,7 @@
               <a:blipFill>
                 <a:blip r:embed="rId4"/>
                 <a:stretch>
-                  <a:fillRect l="-55" t="-629" r="-166" b="-6289"/>
+                  <a:fillRect l="-54" t="-629" r="-163" b="-6289"/>
                 </a:stretch>
               </a:blipFill>
             </p:spPr>
@@ -21844,7 +22863,7 @@
             <p:ph idx="1"/>
             <p:extLst>
               <p:ext uri="{D42A27DB-BD31-4B8C-83A1-F6EECF244321}">
-                <p14:modId xmlns:p14="http://schemas.microsoft.com/office/powerpoint/2010/main" val="2600994088"/>
+                <p14:modId xmlns:p14="http://schemas.microsoft.com/office/powerpoint/2010/main" val="203942277"/>
               </p:ext>
             </p:extLst>
           </p:nvPr>
@@ -21860,14 +22879,14 @@
                 <a:tableStyleId>{5C22544A-7EE6-4342-B048-85BDC9FD1C3A}</a:tableStyleId>
               </a:tblPr>
               <a:tblGrid>
-                <a:gridCol w="6014884">
+                <a:gridCol w="7047271">
                   <a:extLst>
                     <a:ext uri="{9D8B030D-6E8A-4147-A177-3AD203B41FA5}">
                       <a16:colId xmlns:a16="http://schemas.microsoft.com/office/drawing/2014/main" val="961291158"/>
                     </a:ext>
                   </a:extLst>
                 </a:gridCol>
-                <a:gridCol w="4500716">
+                <a:gridCol w="3468329">
                   <a:extLst>
                     <a:ext uri="{9D8B030D-6E8A-4147-A177-3AD203B41FA5}">
                       <a16:colId xmlns:a16="http://schemas.microsoft.com/office/drawing/2014/main" val="3116165860"/>
@@ -21960,8 +22979,12 @@
                     <a:lstStyle/>
                     <a:p>
                       <a:r>
+                        <a:rPr lang="fr-FR" b="1" dirty="0"/>
+                        <a:t>D</a:t>
+                      </a:r>
+                      <a:r>
                         <a:rPr lang="fr-FR" dirty="0"/>
-                        <a:t>D (perméabilité médiane mesurée expérimentalement)</a:t>
+                        <a:t> (perméabilité médiane mesurée expérimentalement – voir énoncé)</a:t>
                       </a:r>
                     </a:p>
                   </a:txBody>
@@ -21997,8 +23020,12 @@
                     <a:lstStyle/>
                     <a:p>
                       <a:r>
+                        <a:rPr lang="fr-FR" b="1" dirty="0"/>
+                        <a:t>S</a:t>
+                      </a:r>
+                      <a:r>
                         <a:rPr lang="fr-FR" dirty="0"/>
-                        <a:t>S (perméabilité médiane obtenue par simulation)</a:t>
+                        <a:t> (perméabilité médiane obtenue par simulation – voir diapo 6)</a:t>
                       </a:r>
                     </a:p>
                   </a:txBody>
@@ -22027,8 +23054,8 @@
           </a:graphicData>
         </a:graphic>
       </p:graphicFrame>
-      <mc:AlternateContent xmlns:mc="http://schemas.openxmlformats.org/markup-compatibility/2006" xmlns:a14="http://schemas.microsoft.com/office/drawing/2010/main">
-        <mc:Choice Requires="a14">
+      <mc:AlternateContent xmlns:mc="http://schemas.openxmlformats.org/markup-compatibility/2006">
+        <mc:Choice xmlns:a14="http://schemas.microsoft.com/office/drawing/2010/main" Requires="a14">
           <p:sp>
             <p:nvSpPr>
               <p:cNvPr id="6" name="ZoneTexte 5">
@@ -22112,13 +23139,6 @@
                       <a:rPr lang="fr-CA"/>
                       <m:t>−54,0622</m:t>
                     </m:r>
-                    <m:r>
-                      <m:rPr>
-                        <m:nor/>
-                      </m:rPr>
-                      <a:rPr lang="en-US" b="0" i="0" smtClean="0"/>
-                      <m:t>.</m:t>
-                    </m:r>
                   </m:oMath>
                 </a14:m>
                 <a:endParaRPr lang="fr-FR" dirty="0"/>
@@ -22126,7 +23146,7 @@
             </p:txBody>
           </p:sp>
         </mc:Choice>
-        <mc:Fallback xmlns="">
+        <mc:Fallback>
           <p:sp>
             <p:nvSpPr>
               <p:cNvPr id="6" name="ZoneTexte 5">
@@ -23063,8 +24083,8 @@
           </p:graphicFrame>
         </mc:Fallback>
       </mc:AlternateContent>
-      <mc:AlternateContent xmlns:mc="http://schemas.openxmlformats.org/markup-compatibility/2006" xmlns:a14="http://schemas.microsoft.com/office/drawing/2010/main">
-        <mc:Choice Requires="a14">
+      <mc:AlternateContent xmlns:mc="http://schemas.openxmlformats.org/markup-compatibility/2006">
+        <mc:Choice xmlns:a14="http://schemas.microsoft.com/office/drawing/2010/main" Requires="a14">
           <p:sp>
             <p:nvSpPr>
               <p:cNvPr id="5" name="ZoneTexte 4">
@@ -23194,12 +24214,6 @@
                         </m:r>
                       </m:sub>
                     </m:sSub>
-                    <m:r>
-                      <a:rPr lang="en-US" sz="1600" b="0" i="0" smtClean="0">
-                        <a:latin typeface="Cambria Math" panose="02040503050406030204" pitchFamily="18" charset="0"/>
-                      </a:rPr>
-                      <m:t>.</m:t>
-                    </m:r>
                   </m:oMath>
                 </a14:m>
                 <a:endParaRPr lang="fr-FR" sz="1600" dirty="0"/>
@@ -23207,7 +24221,7 @@
             </p:txBody>
           </p:sp>
         </mc:Choice>
-        <mc:Fallback xmlns="">
+        <mc:Fallback>
           <p:sp>
             <p:nvSpPr>
               <p:cNvPr id="5" name="ZoneTexte 4">
@@ -24157,8 +25171,8 @@
           </a:p>
         </p:txBody>
       </p:sp>
-      <mc:AlternateContent xmlns:mc="http://schemas.openxmlformats.org/markup-compatibility/2006" xmlns:a14="http://schemas.microsoft.com/office/drawing/2010/main">
-        <mc:Choice Requires="a14">
+      <mc:AlternateContent xmlns:mc="http://schemas.openxmlformats.org/markup-compatibility/2006">
+        <mc:Choice xmlns:a14="http://schemas.microsoft.com/office/drawing/2010/main" Requires="a14">
           <p:sp>
             <p:nvSpPr>
               <p:cNvPr id="9" name="ZoneTexte 8">
@@ -24494,13 +25508,13 @@
                 </a14:m>
                 <a:r>
                   <a:rPr lang="fr-FR" dirty="0"/>
-                  <a:t>= [-93,414 ; -10,765]. </a:t>
+                  <a:t>= [-93,414 ; -10,765] </a:t>
                 </a:r>
               </a:p>
             </p:txBody>
           </p:sp>
         </mc:Choice>
-        <mc:Fallback xmlns="">
+        <mc:Fallback>
           <p:sp>
             <p:nvSpPr>
               <p:cNvPr id="9" name="ZoneTexte 8">
@@ -24545,8 +25559,8 @@
           </p:sp>
         </mc:Fallback>
       </mc:AlternateContent>
-      <mc:AlternateContent xmlns:mc="http://schemas.openxmlformats.org/markup-compatibility/2006" xmlns:a14="http://schemas.microsoft.com/office/drawing/2010/main">
-        <mc:Choice Requires="a14">
+      <mc:AlternateContent xmlns:mc="http://schemas.openxmlformats.org/markup-compatibility/2006">
+        <mc:Choice xmlns:a14="http://schemas.microsoft.com/office/drawing/2010/main" Requires="a14">
           <p:sp>
             <p:nvSpPr>
               <p:cNvPr id="13" name="TextBox 12">
@@ -24724,12 +25738,6 @@
                         </a:rPr>
                         <m:t>𝜎</m:t>
                       </m:r>
-                      <m:r>
-                        <a:rPr lang="en-CA" b="0" i="1" dirty="0" smtClean="0">
-                          <a:latin typeface="Cambria Math" panose="02040503050406030204" pitchFamily="18" charset="0"/>
-                        </a:rPr>
-                        <m:t>.</m:t>
-                      </m:r>
                     </m:oMath>
                   </m:oMathPara>
                 </a14:m>
@@ -24738,7 +25746,7 @@
             </p:txBody>
           </p:sp>
         </mc:Choice>
-        <mc:Fallback xmlns="">
+        <mc:Fallback>
           <p:sp>
             <p:nvSpPr>
               <p:cNvPr id="13" name="TextBox 12">

--- a/Devoir_3.pptx
+++ b/Devoir_3.pptx
@@ -14138,15 +14138,15 @@
               <a:p>
                 <a:pPr algn="just"/>
                 <a:r>
-                  <a:rPr lang="fr-FR" sz="1600" dirty="0"/>
-                  <a:t>D’après le calcul et le graphe de la figure 8, on voit que 0 n’appartient pas à l’intervalle de </a:t>
+                  <a:rPr lang="fr-FR" sz="1400" dirty="0"/>
+                  <a:t>D’après le calcul et le graphe de la figure 8, on voit que l’intervalle d’incertitude sur </a:t>
                 </a:r>
                 <a14:m>
                   <m:oMath xmlns:m="http://schemas.openxmlformats.org/officeDocument/2006/math">
                     <m:sSub>
                       <m:sSubPr>
                         <m:ctrlPr>
-                          <a:rPr lang="en-CA" sz="1600" i="1">
+                          <a:rPr lang="en-CA" sz="1400" i="1">
                             <a:latin typeface="Cambria Math" panose="02040503050406030204" pitchFamily="18" charset="0"/>
                           </a:rPr>
                         </m:ctrlPr>
@@ -14156,13 +14156,13 @@
                           <m:rPr>
                             <m:nor/>
                           </m:rPr>
-                          <a:rPr lang="el-GR" sz="1600" dirty="0"/>
+                          <a:rPr lang="el-GR" sz="1400" i="1" dirty="0"/>
                           <m:t>δ</m:t>
                         </m:r>
                       </m:e>
                       <m:sub>
                         <m:r>
-                          <a:rPr lang="en-US" sz="1600" i="1">
+                          <a:rPr lang="en-US" sz="1400" i="1">
                             <a:latin typeface="Cambria Math" panose="02040503050406030204" pitchFamily="18" charset="0"/>
                           </a:rPr>
                           <m:t>𝑚𝑜𝑑𝑒𝑙</m:t>
@@ -14172,26 +14172,102 @@
                   </m:oMath>
                 </a14:m>
                 <a:r>
-                  <a:rPr lang="fr-FR" sz="1600" dirty="0"/>
-                  <a:t> . Ceci indique que l’erreur du modèle n’est jamais nulle à un niveau de confiance de 95.4%. Ainsi le modèle échoue la validation et n’est pas adéquat pour représenter le phénomène physique qui a lieu dans le </a:t>
-                </a:r>
-                <a:r>
-                  <a:rPr lang="fr-FR" sz="1600" dirty="0">
-                    <a:solidFill>
-                      <a:schemeClr val="tx1"/>
-                    </a:solidFill>
-                  </a:rPr>
-                  <a:t>filtre. Il est aussi possible de conclure d’après les interprétations présentées dans la norme V&amp;V20-2009 que </a:t>
+                  <a:rPr lang="fr-FR" sz="1400" i="1" dirty="0"/>
+                  <a:t> </a:t>
+                </a:r>
+                <a:r>
+                  <a:rPr lang="fr-FR" sz="1400" dirty="0"/>
+                  <a:t>est très large et d’après les interprétations présentées dans la norme V&amp;V20-2009 puisque  </a:t>
                 </a:r>
                 <a14:m>
                   <m:oMath xmlns:m="http://schemas.openxmlformats.org/officeDocument/2006/math">
+                    <m:d>
+                      <m:dPr>
+                        <m:begChr m:val="|"/>
+                        <m:endChr m:val="|"/>
+                        <m:ctrlPr>
+                          <a:rPr lang="en-CA" sz="1400" b="0" i="1" dirty="0" smtClean="0">
+                            <a:latin typeface="Cambria Math" panose="02040503050406030204" pitchFamily="18" charset="0"/>
+                          </a:rPr>
+                        </m:ctrlPr>
+                      </m:dPr>
+                      <m:e>
+                        <m:r>
+                          <a:rPr lang="en-CA" sz="1400" b="0" i="1" dirty="0" smtClean="0">
+                            <a:latin typeface="Cambria Math" panose="02040503050406030204" pitchFamily="18" charset="0"/>
+                          </a:rPr>
+                          <m:t>𝐸</m:t>
+                        </m:r>
+                      </m:e>
+                    </m:d>
+                    <m:r>
+                      <a:rPr lang="en-CA" sz="1400" b="0" i="1" dirty="0" smtClean="0">
+                        <a:latin typeface="Cambria Math" panose="02040503050406030204" pitchFamily="18" charset="0"/>
+                      </a:rPr>
+                      <m:t>≥</m:t>
+                    </m:r>
                     <m:sSub>
                       <m:sSubPr>
                         <m:ctrlPr>
-                          <a:rPr lang="en-CA" sz="1600" i="1">
-                            <a:solidFill>
-                              <a:schemeClr val="tx1"/>
-                            </a:solidFill>
+                          <a:rPr lang="en-CA" sz="1400" b="0" i="1" dirty="0" smtClean="0">
+                            <a:latin typeface="Cambria Math" panose="02040503050406030204" pitchFamily="18" charset="0"/>
+                          </a:rPr>
+                        </m:ctrlPr>
+                      </m:sSubPr>
+                      <m:e>
+                        <m:r>
+                          <a:rPr lang="en-CA" sz="1400" b="0" i="1" dirty="0" smtClean="0">
+                            <a:latin typeface="Cambria Math" panose="02040503050406030204" pitchFamily="18" charset="0"/>
+                          </a:rPr>
+                          <m:t>𝑘</m:t>
+                        </m:r>
+                        <m:r>
+                          <a:rPr lang="en-CA" sz="1400" b="0" i="1" dirty="0" smtClean="0">
+                            <a:latin typeface="Cambria Math" panose="02040503050406030204" pitchFamily="18" charset="0"/>
+                          </a:rPr>
+                          <m:t>.</m:t>
+                        </m:r>
+                        <m:r>
+                          <a:rPr lang="en-CA" sz="1400" b="0" i="1" dirty="0" smtClean="0">
+                            <a:latin typeface="Cambria Math" panose="02040503050406030204" pitchFamily="18" charset="0"/>
+                          </a:rPr>
+                          <m:t>𝑈</m:t>
+                        </m:r>
+                      </m:e>
+                      <m:sub>
+                        <m:r>
+                          <a:rPr lang="en-CA" sz="1400" b="0" i="1" dirty="0" smtClean="0">
+                            <a:latin typeface="Cambria Math" panose="02040503050406030204" pitchFamily="18" charset="0"/>
+                          </a:rPr>
+                          <m:t>𝑣𝑎𝑙</m:t>
+                        </m:r>
+                      </m:sub>
+                    </m:sSub>
+                    <m:r>
+                      <a:rPr lang="en-CA" sz="1400" b="0" i="0" dirty="0" smtClean="0">
+                        <a:latin typeface="Cambria Math" panose="02040503050406030204" pitchFamily="18" charset="0"/>
+                      </a:rPr>
+                      <m:t> </m:t>
+                    </m:r>
+                    <m:r>
+                      <m:rPr>
+                        <m:sty m:val="p"/>
+                      </m:rPr>
+                      <a:rPr lang="en-CA" sz="1400" b="0" i="0" dirty="0" smtClean="0">
+                        <a:latin typeface="Cambria Math" panose="02040503050406030204" pitchFamily="18" charset="0"/>
+                      </a:rPr>
+                      <m:t>alors</m:t>
+                    </m:r>
+                    <m:r>
+                      <a:rPr lang="en-CA" sz="1400" b="0" i="0" dirty="0" smtClean="0">
+                        <a:latin typeface="Cambria Math" panose="02040503050406030204" pitchFamily="18" charset="0"/>
+                      </a:rPr>
+                      <m:t> </m:t>
+                    </m:r>
+                    <m:sSub>
+                      <m:sSubPr>
+                        <m:ctrlPr>
+                          <a:rPr lang="en-CA" sz="1400" i="1">
                             <a:latin typeface="Cambria Math" panose="02040503050406030204" pitchFamily="18" charset="0"/>
                           </a:rPr>
                         </m:ctrlPr>
@@ -14201,20 +14277,13 @@
                           <m:rPr>
                             <m:nor/>
                           </m:rPr>
-                          <a:rPr lang="el-GR" sz="1600" dirty="0">
-                            <a:solidFill>
-                              <a:schemeClr val="tx1"/>
-                            </a:solidFill>
-                          </a:rPr>
+                          <a:rPr lang="el-GR" sz="1400" i="1" dirty="0"/>
                           <m:t>δ</m:t>
                         </m:r>
                       </m:e>
                       <m:sub>
                         <m:r>
-                          <a:rPr lang="en-US" sz="1600" i="1">
-                            <a:solidFill>
-                              <a:schemeClr val="tx1"/>
-                            </a:solidFill>
+                          <a:rPr lang="en-US" sz="1400" i="1">
                             <a:latin typeface="Cambria Math" panose="02040503050406030204" pitchFamily="18" charset="0"/>
                           </a:rPr>
                           <m:t>𝑚𝑜𝑑𝑒𝑙</m:t>
@@ -14224,14 +14293,52 @@
                   </m:oMath>
                 </a14:m>
                 <a:r>
-                  <a:rPr lang="fr-FR" sz="1600" dirty="0">
+                  <a:rPr lang="fr-FR" sz="1400" dirty="0"/>
+                  <a:t> est de même signe que E donc dans notre cas elle est négative. Ceci indique que le modèle surestime la SRQ, ce qui pourrait être une conséquence du fait que certains phénomènes physiques non négligeables ne sont pas pris en compte par le modèle. On observe aussi que « 0 » n’appartient pas à l’intervalle de </a:t>
+                </a:r>
+                <a14:m>
+                  <m:oMath xmlns:m="http://schemas.openxmlformats.org/officeDocument/2006/math">
+                    <m:sSub>
+                      <m:sSubPr>
+                        <m:ctrlPr>
+                          <a:rPr lang="en-CA" sz="1400" i="1">
+                            <a:latin typeface="Cambria Math" panose="02040503050406030204" pitchFamily="18" charset="0"/>
+                          </a:rPr>
+                        </m:ctrlPr>
+                      </m:sSubPr>
+                      <m:e>
+                        <m:r>
+                          <m:rPr>
+                            <m:nor/>
+                          </m:rPr>
+                          <a:rPr lang="el-GR" sz="1400" i="1" dirty="0"/>
+                          <m:t>δ</m:t>
+                        </m:r>
+                      </m:e>
+                      <m:sub>
+                        <m:r>
+                          <a:rPr lang="en-US" sz="1400" i="1">
+                            <a:latin typeface="Cambria Math" panose="02040503050406030204" pitchFamily="18" charset="0"/>
+                          </a:rPr>
+                          <m:t>𝑚𝑜𝑑𝑒𝑙</m:t>
+                        </m:r>
+                      </m:sub>
+                    </m:sSub>
+                  </m:oMath>
+                </a14:m>
+                <a:r>
+                  <a:rPr lang="fr-FR" sz="1400" dirty="0"/>
+                  <a:t> . Ceci indique que l’erreur du modèle n’est jamais nulle à un niveau de confiance de 95.4%, alors qu’on voudrait idéalement une erreur ~0. Ainsi le modèle n’est pas adéquat pour représenter le phénomène physique qui a lieu dans le </a:t>
+                </a:r>
+                <a:r>
+                  <a:rPr lang="fr-FR" sz="1400" dirty="0">
                     <a:solidFill>
                       <a:schemeClr val="tx1"/>
                     </a:solidFill>
                   </a:rPr>
-                  <a:t> est de même signe que E donc qu’elle est négative.</a:t>
-                </a:r>
-                <a:endParaRPr lang="fr-FR" sz="1600" dirty="0">
+                  <a:t>filtre.</a:t>
+                </a:r>
+                <a:endParaRPr lang="fr-FR" sz="1400" dirty="0">
                   <a:solidFill>
                     <a:srgbClr val="FF0000"/>
                   </a:solidFill>
@@ -14265,7 +14372,7 @@
               <a:blipFill>
                 <a:blip r:embed="rId2"/>
                 <a:stretch>
-                  <a:fillRect l="-232" t="-2846" r="-290"/>
+                  <a:fillRect l="-116" t="-1626" r="-116"/>
                 </a:stretch>
               </a:blipFill>
             </p:spPr>
@@ -14431,14 +14538,14 @@
           <p:nvPr>
             <p:extLst>
               <p:ext uri="{D42A27DB-BD31-4B8C-83A1-F6EECF244321}">
-                <p14:modId xmlns:p14="http://schemas.microsoft.com/office/powerpoint/2010/main" val="4088512589"/>
+                <p14:modId xmlns:p14="http://schemas.microsoft.com/office/powerpoint/2010/main" val="387943595"/>
               </p:ext>
             </p:extLst>
           </p:nvPr>
         </p:nvGraphicFramePr>
         <p:xfrm>
-          <a:off x="3638396" y="2204194"/>
-          <a:ext cx="4306775" cy="2898750"/>
+          <a:off x="3638396" y="2507222"/>
+          <a:ext cx="4306775" cy="2703873"/>
         </p:xfrm>
         <a:graphic>
           <a:graphicData uri="http://schemas.openxmlformats.org/drawingml/2006/chart">
@@ -14461,7 +14568,7 @@
         <p:spPr>
           <a:xfrm>
             <a:off x="838200" y="5485647"/>
-            <a:ext cx="10515600" cy="1323439"/>
+            <a:ext cx="10515600" cy="954107"/>
           </a:xfrm>
           <a:prstGeom prst="rect">
             <a:avLst/>
@@ -14479,7 +14586,7 @@
               <a:buChar char="•"/>
             </a:pPr>
             <a:r>
-              <a:rPr lang="fr-FR" sz="1600" dirty="0"/>
+              <a:rPr lang="fr-FR" sz="1400" dirty="0"/>
               <a:t>Ceci est sans doute dû aux hypothèses simplificatrices posées pour la construction du modèle mathématique, dont la simplification 2D qui suppose toutes les fibres parallèles le long du filtre. Il faudrait probablement réviser cette hypothèse quitte à travailler avec un modèle 3D ou bien subdiviser la profondeur du filtre en tranches fines où chacune peut être traitée comme un plan 2D avec fibres parallèles mais où la répartition des fibres varie d’une tranche à une autre.</a:t>
             </a:r>
           </a:p>
@@ -15471,8 +15578,8 @@
           </a:graphicData>
         </a:graphic>
       </p:graphicFrame>
-      <mc:AlternateContent xmlns:mc="http://schemas.openxmlformats.org/markup-compatibility/2006" xmlns:a14="http://schemas.microsoft.com/office/drawing/2010/main">
-        <mc:Choice Requires="a14">
+      <mc:AlternateContent xmlns:mc="http://schemas.openxmlformats.org/markup-compatibility/2006">
+        <mc:Choice xmlns:a14="http://schemas.microsoft.com/office/drawing/2010/main" Requires="a14">
           <p:sp>
             <p:nvSpPr>
               <p:cNvPr id="6" name="Title 1">
@@ -15491,7 +15598,7 @@
             </p:nvSpPr>
             <p:spPr>
               <a:xfrm>
-                <a:off x="838200" y="365125"/>
+                <a:off x="838200" y="197973"/>
                 <a:ext cx="9308690" cy="706591"/>
               </a:xfrm>
             </p:spPr>
@@ -15547,7 +15654,7 @@
             </p:txBody>
           </p:sp>
         </mc:Choice>
-        <mc:Fallback xmlns="">
+        <mc:Fallback>
           <p:sp>
             <p:nvSpPr>
               <p:cNvPr id="6" name="Title 1">
@@ -15566,7 +15673,7 @@
             </p:nvSpPr>
             <p:spPr>
               <a:xfrm>
-                <a:off x="838200" y="365125"/>
+                <a:off x="838200" y="197973"/>
                 <a:ext cx="9308690" cy="706591"/>
               </a:xfrm>
               <a:blipFill>
@@ -15607,8 +15714,8 @@
             </p:nvSpPr>
             <p:spPr>
               <a:xfrm>
-                <a:off x="452285" y="1118860"/>
-                <a:ext cx="11287432" cy="1757084"/>
+                <a:off x="452285" y="833726"/>
+                <a:ext cx="11287432" cy="2192780"/>
               </a:xfrm>
               <a:prstGeom prst="rect">
                 <a:avLst/>
@@ -15627,7 +15734,7 @@
                   <a:t>Pour </a:t>
                 </a:r>
                 <a:r>
-                  <a:rPr lang="en-CA" sz="1400" dirty="0" err="1"/>
+                  <a:rPr lang="fr-CA" sz="1400" dirty="0"/>
                   <a:t>vérifier</a:t>
                 </a:r>
                 <a:r>
@@ -15635,52 +15742,52 @@
                   <a:t> </a:t>
                 </a:r>
                 <a:r>
+                  <a:rPr lang="fr-CA" sz="1400" dirty="0"/>
+                  <a:t>l’atteinte</a:t>
+                </a:r>
+                <a:r>
+                  <a:rPr lang="en-CA" sz="1400" dirty="0"/>
+                  <a:t> de la zone de convergence asymptotique, des </a:t>
+                </a:r>
+                <a:r>
+                  <a:rPr lang="fr-CA" sz="1400" dirty="0"/>
+                  <a:t>simulations ont été lancées (dans un </a:t>
+                </a:r>
+                <a:r>
+                  <a:rPr lang="en-CA" sz="1400" dirty="0"/>
+                  <a:t>code </a:t>
+                </a:r>
+                <a:r>
                   <a:rPr lang="en-CA" sz="1400" dirty="0" err="1"/>
-                  <a:t>l’atteinte</a:t>
+                  <a:t>Matlab</a:t>
                 </a:r>
                 <a:r>
                   <a:rPr lang="en-CA" sz="1400" dirty="0"/>
-                  <a:t> de la zone de convergence </a:t>
+                  <a:t> “launch_simulationLBM_AnalyseConv” qui </a:t>
                 </a:r>
                 <a:r>
                   <a:rPr lang="en-CA" sz="1400" dirty="0" err="1"/>
-                  <a:t>asymptotique</a:t>
+                  <a:t>reprend</a:t>
                 </a:r>
                 <a:r>
                   <a:rPr lang="en-CA" sz="1400" dirty="0"/>
-                  <a:t>, des simulations </a:t>
+                  <a:t> le code “</a:t>
                 </a:r>
                 <a:r>
                   <a:rPr lang="en-CA" sz="1400" dirty="0" err="1"/>
-                  <a:t>ont</a:t>
+                  <a:t>launch_simulationLBM</a:t>
                 </a:r>
                 <a:r>
                   <a:rPr lang="en-CA" sz="1400" dirty="0"/>
-                  <a:t> </a:t>
-                </a:r>
-                <a:r>
-                  <a:rPr lang="en-CA" sz="1400" dirty="0" err="1"/>
-                  <a:t>été</a:t>
+                  <a:t>” </a:t>
+                </a:r>
+                <a:r>
+                  <a:rPr lang="fr-CA" sz="1400" dirty="0"/>
+                  <a:t>mais</a:t>
                 </a:r>
                 <a:r>
                   <a:rPr lang="en-CA" sz="1400" dirty="0"/>
-                  <a:t> </a:t>
-                </a:r>
-                <a:r>
-                  <a:rPr lang="en-CA" sz="1400" dirty="0" err="1"/>
-                  <a:t>lancées</a:t>
-                </a:r>
-                <a:r>
-                  <a:rPr lang="en-CA" sz="1400" dirty="0"/>
-                  <a:t> pour 8 </a:t>
-                </a:r>
-                <a:r>
-                  <a:rPr lang="en-CA" sz="1400" dirty="0" err="1"/>
-                  <a:t>valeurs</a:t>
-                </a:r>
-                <a:r>
-                  <a:rPr lang="en-CA" sz="1400" dirty="0"/>
-                  <a:t> de </a:t>
+                  <a:t> avec un seed fixe) pour </a:t>
                 </a:r>
                 <a14:m>
                   <m:oMath xmlns:m="http://schemas.openxmlformats.org/officeDocument/2006/math">
@@ -15713,15 +15820,7 @@
                 </a14:m>
                 <a:r>
                   <a:rPr lang="en-CA" sz="1400" dirty="0"/>
-                  <a:t> </a:t>
-                </a:r>
-                <a:r>
-                  <a:rPr lang="en-CA" sz="1400" dirty="0" err="1"/>
-                  <a:t>allant</a:t>
-                </a:r>
-                <a:r>
-                  <a:rPr lang="en-CA" sz="1400" dirty="0"/>
-                  <a:t> de 50 à 600 points, </a:t>
+                  <a:t> = [50, 75, 100, 150, 200, 300, 400, 600] points, </a:t>
                 </a:r>
                 <a:r>
                   <a:rPr lang="en-CA" sz="1400" dirty="0" err="1"/>
@@ -15827,52 +15926,12 @@
                   <a:t>m. Les </a:t>
                 </a:r>
                 <a:r>
-                  <a:rPr lang="en-CA" sz="1400" dirty="0" err="1"/>
-                  <a:t>valeurs</a:t>
+                  <a:rPr lang="fr-FR" sz="1400" dirty="0"/>
+                  <a:t>valeurs de la perméabilité obtenues ont été tracées à la </a:t>
                 </a:r>
                 <a:r>
                   <a:rPr lang="en-CA" sz="1400" dirty="0"/>
-                  <a:t> de la </a:t>
-                </a:r>
-                <a:r>
-                  <a:rPr lang="en-CA" sz="1400" dirty="0" err="1"/>
-                  <a:t>perméabilité</a:t>
-                </a:r>
-                <a:r>
-                  <a:rPr lang="en-CA" sz="1400" dirty="0"/>
-                  <a:t> </a:t>
-                </a:r>
-                <a:r>
-                  <a:rPr lang="en-CA" sz="1400" dirty="0" err="1"/>
-                  <a:t>obtenues</a:t>
-                </a:r>
-                <a:r>
-                  <a:rPr lang="en-CA" sz="1400" dirty="0"/>
-                  <a:t> </a:t>
-                </a:r>
-                <a:r>
-                  <a:rPr lang="en-CA" sz="1400" dirty="0" err="1"/>
-                  <a:t>ont</a:t>
-                </a:r>
-                <a:r>
-                  <a:rPr lang="en-CA" sz="1400" dirty="0"/>
-                  <a:t> </a:t>
-                </a:r>
-                <a:r>
-                  <a:rPr lang="en-CA" sz="1400" dirty="0" err="1"/>
-                  <a:t>été</a:t>
-                </a:r>
-                <a:r>
-                  <a:rPr lang="en-CA" sz="1400" dirty="0"/>
-                  <a:t> </a:t>
-                </a:r>
-                <a:r>
-                  <a:rPr lang="en-CA" sz="1400" dirty="0" err="1"/>
-                  <a:t>tracées</a:t>
-                </a:r>
-                <a:r>
-                  <a:rPr lang="en-CA" sz="1400" dirty="0"/>
-                  <a:t> à la figure 4 </a:t>
+                  <a:t>figure 4 </a:t>
                 </a:r>
                 <a:r>
                   <a:rPr lang="en-CA" sz="1400" dirty="0" err="1"/>
@@ -15906,28 +15965,12 @@
                   <a:t>Pour </a:t>
                 </a:r>
                 <a:r>
-                  <a:rPr lang="en-CA" sz="1400" dirty="0" err="1"/>
-                  <a:t>calculer</a:t>
+                  <a:rPr lang="fr-CA" sz="1400" dirty="0"/>
+                  <a:t>calculer l’erreur, la solution du maillage le </a:t>
                 </a:r>
                 <a:r>
                   <a:rPr lang="en-CA" sz="1400" dirty="0"/>
-                  <a:t> </a:t>
-                </a:r>
-                <a:r>
-                  <a:rPr lang="en-CA" sz="1400" dirty="0" err="1"/>
-                  <a:t>l’erreur</a:t>
-                </a:r>
-                <a:r>
-                  <a:rPr lang="en-CA" sz="1400" dirty="0"/>
-                  <a:t>, la solution du </a:t>
-                </a:r>
-                <a:r>
-                  <a:rPr lang="en-CA" sz="1400" dirty="0" err="1"/>
-                  <a:t>maillage</a:t>
-                </a:r>
-                <a:r>
-                  <a:rPr lang="en-CA" sz="1400" dirty="0"/>
-                  <a:t> le plus fin (k=19.542286</a:t>
+                  <a:t>plus fin (k=19.542286</a:t>
                 </a:r>
                 <a:r>
                   <a:rPr lang="el-GR" sz="1400" dirty="0"/>
@@ -15936,32 +15979,24 @@
                 <a14:m>
                   <m:oMath xmlns:m="http://schemas.openxmlformats.org/officeDocument/2006/math">
                     <m:r>
-                      <a:rPr lang="en-CA" sz="1400" b="0" i="1" smtClean="0">
-                        <a:latin typeface="Cambria Math" panose="02040503050406030204" pitchFamily="18" charset="0"/>
-                      </a:rPr>
+                      <a:rPr lang="en-CA" sz="1400"/>
                       <m:t>𝜇</m:t>
                     </m:r>
                     <m:sSup>
                       <m:sSupPr>
                         <m:ctrlPr>
-                          <a:rPr lang="en-CA" sz="1400" b="0" i="1" smtClean="0">
-                            <a:latin typeface="Cambria Math" panose="02040503050406030204" pitchFamily="18" charset="0"/>
-                          </a:rPr>
+                          <a:rPr lang="en-CA" sz="1400"/>
                         </m:ctrlPr>
                       </m:sSupPr>
                       <m:e>
                         <m:r>
-                          <a:rPr lang="en-CA" sz="1400" b="0" i="1" smtClean="0">
-                            <a:latin typeface="Cambria Math" panose="02040503050406030204" pitchFamily="18" charset="0"/>
-                          </a:rPr>
+                          <a:rPr lang="en-CA" sz="1400"/>
                           <m:t>𝑚</m:t>
                         </m:r>
                       </m:e>
                       <m:sup>
                         <m:r>
-                          <a:rPr lang="en-CA" sz="1400" b="0" i="1" smtClean="0">
-                            <a:latin typeface="Cambria Math" panose="02040503050406030204" pitchFamily="18" charset="0"/>
-                          </a:rPr>
+                          <a:rPr lang="en-CA" sz="1400"/>
                           <m:t>2</m:t>
                         </m:r>
                       </m:sup>
@@ -15978,47 +16013,15 @@
                 </a:r>
                 <a:r>
                   <a:rPr lang="en-CA" sz="1400" dirty="0"/>
-                  <a:t>=600 points) a </a:t>
-                </a:r>
-                <a:r>
-                  <a:rPr lang="en-CA" sz="1400" dirty="0" err="1"/>
-                  <a:t>été</a:t>
+                  <a:t>=600 points) </a:t>
+                </a:r>
+                <a:r>
+                  <a:rPr lang="fr-CA" sz="1400" dirty="0"/>
+                  <a:t>a été prise comme référence. Chaque valeur </a:t>
                 </a:r>
                 <a:r>
                   <a:rPr lang="en-CA" sz="1400" dirty="0"/>
-                  <a:t> prise </a:t>
-                </a:r>
-                <a:r>
-                  <a:rPr lang="en-CA" sz="1400" dirty="0" err="1"/>
-                  <a:t>comme</a:t>
-                </a:r>
-                <a:r>
-                  <a:rPr lang="en-CA" sz="1400" dirty="0"/>
-                  <a:t> </a:t>
-                </a:r>
-                <a:r>
-                  <a:rPr lang="en-CA" sz="1400" dirty="0" err="1"/>
-                  <a:t>référence</a:t>
-                </a:r>
-                <a:r>
-                  <a:rPr lang="en-CA" sz="1400" dirty="0"/>
-                  <a:t>. </a:t>
-                </a:r>
-                <a:r>
-                  <a:rPr lang="en-CA" sz="1400" dirty="0" err="1"/>
-                  <a:t>Chaque</a:t>
-                </a:r>
-                <a:r>
-                  <a:rPr lang="en-CA" sz="1400" dirty="0"/>
-                  <a:t> </a:t>
-                </a:r>
-                <a:r>
-                  <a:rPr lang="en-CA" sz="1400" dirty="0" err="1"/>
-                  <a:t>valeur</a:t>
-                </a:r>
-                <a:r>
-                  <a:rPr lang="en-CA" sz="1400" dirty="0"/>
-                  <a:t> de </a:t>
+                  <a:t>de </a:t>
                 </a:r>
                 <a14:m>
                   <m:oMath xmlns:m="http://schemas.openxmlformats.org/officeDocument/2006/math">
@@ -16054,23 +16057,15 @@
                   <a:t> </a:t>
                 </a:r>
                 <a:r>
-                  <a:rPr lang="en-CA" sz="1400" dirty="0" err="1"/>
-                  <a:t>obtenue</a:t>
+                  <a:rPr lang="fr-CA" sz="1400" dirty="0"/>
+                  <a:t>obtenue par l’algorithme d</a:t>
                 </a:r>
                 <a:r>
                   <a:rPr lang="en-CA" sz="1400" dirty="0"/>
-                  <a:t> par </a:t>
-                </a:r>
-                <a:r>
-                  <a:rPr lang="en-CA" sz="1400" dirty="0" err="1"/>
-                  <a:t>l’algorithme</a:t>
-                </a:r>
-                <a:r>
-                  <a:rPr lang="en-CA" sz="1400" dirty="0"/>
-                  <a:t> de </a:t>
-                </a:r>
-                <a:r>
-                  <a:rPr lang="en-CA" sz="1400" dirty="0" err="1"/>
+                  <a:t>e </a:t>
+                </a:r>
+                <a:r>
+                  <a:rPr lang="fr-CA" sz="1400" dirty="0"/>
                   <a:t>calcul</a:t>
                 </a:r>
                 <a:r>
@@ -16078,92 +16073,16 @@
                   <a:t> </a:t>
                 </a:r>
                 <a:r>
-                  <a:rPr lang="en-CA" sz="1400" dirty="0" err="1"/>
-                  <a:t>est</a:t>
+                  <a:rPr lang="fr-CA" sz="1400" dirty="0"/>
+                  <a:t>est considérée comme la moyenne des </a:t>
                 </a:r>
                 <a:r>
                   <a:rPr lang="en-CA" sz="1400" dirty="0"/>
-                  <a:t> </a:t>
-                </a:r>
-                <a:r>
-                  <a:rPr lang="en-CA" sz="1400" dirty="0" err="1"/>
-                  <a:t>considérée</a:t>
-                </a:r>
-                <a:r>
-                  <a:rPr lang="en-CA" sz="1400" dirty="0"/>
-                  <a:t> </a:t>
-                </a:r>
-                <a:r>
-                  <a:rPr lang="en-CA" sz="1400" dirty="0" err="1"/>
-                  <a:t>comme</a:t>
-                </a:r>
-                <a:r>
-                  <a:rPr lang="en-CA" sz="1400" dirty="0"/>
-                  <a:t> la </a:t>
-                </a:r>
-                <a:r>
-                  <a:rPr lang="en-CA" sz="1400" dirty="0" err="1"/>
-                  <a:t>moyenne</a:t>
-                </a:r>
-                <a:r>
-                  <a:rPr lang="en-CA" sz="1400" dirty="0"/>
-                  <a:t> des k sur </a:t>
-                </a:r>
-                <a:r>
-                  <a:rPr lang="en-CA" sz="1400" dirty="0" err="1"/>
-                  <a:t>tous</a:t>
-                </a:r>
-                <a:r>
-                  <a:rPr lang="en-CA" sz="1400" dirty="0"/>
-                  <a:t> les </a:t>
-                </a:r>
-                <a:r>
-                  <a:rPr lang="en-CA" sz="1400" dirty="0" err="1"/>
-                  <a:t>noeuds</a:t>
-                </a:r>
-                <a:r>
-                  <a:rPr lang="en-CA" sz="1400" dirty="0"/>
-                  <a:t> de </a:t>
-                </a:r>
-                <a:r>
-                  <a:rPr lang="en-CA" sz="1400" dirty="0" err="1"/>
-                  <a:t>chaque</a:t>
-                </a:r>
-                <a:r>
-                  <a:rPr lang="en-CA" sz="1400" dirty="0"/>
-                  <a:t> </a:t>
-                </a:r>
-                <a:r>
-                  <a:rPr lang="en-CA" sz="1400" dirty="0" err="1"/>
-                  <a:t>maillage</a:t>
-                </a:r>
-                <a:r>
-                  <a:rPr lang="en-CA" sz="1400" dirty="0"/>
-                  <a:t>, </a:t>
-                </a:r>
-                <a:r>
-                  <a:rPr lang="en-CA" sz="1400" dirty="0" err="1"/>
-                  <a:t>donc</a:t>
-                </a:r>
-                <a:r>
-                  <a:rPr lang="en-CA" sz="1400" dirty="0"/>
-                  <a:t> la </a:t>
-                </a:r>
-                <a:r>
-                  <a:rPr lang="en-CA" sz="1400" dirty="0" err="1"/>
-                  <a:t>norme</a:t>
-                </a:r>
-                <a:r>
-                  <a:rPr lang="en-CA" sz="1400" dirty="0"/>
-                  <a:t> </a:t>
-                </a:r>
-                <a:r>
-                  <a:rPr lang="en-CA" sz="1400" dirty="0" err="1"/>
-                  <a:t>d’erreur</a:t>
-                </a:r>
-                <a:r>
-                  <a:rPr lang="en-CA" sz="1400" dirty="0"/>
-                  <a:t> </a:t>
+                  <a:t>k sur </a:t>
+                </a:r>
+                <a:r>
+                  <a:rPr lang="fr-CA" sz="1400" dirty="0"/>
+                  <a:t>tous les nœuds de chaque maillage, donc la norme d’erreur </a:t>
                 </a:r>
                 <a14:m>
                   <m:oMath xmlns:m="http://schemas.openxmlformats.org/officeDocument/2006/math">
@@ -16199,25 +16118,13 @@
                   <a:t> a </a:t>
                 </a:r>
                 <a:r>
-                  <a:rPr lang="en-CA" sz="1400" dirty="0" err="1"/>
-                  <a:t>été</a:t>
-                </a:r>
-                <a:r>
-                  <a:rPr lang="en-CA" sz="1400" dirty="0"/>
-                  <a:t> </a:t>
-                </a:r>
-                <a:r>
-                  <a:rPr lang="en-CA" sz="1400" dirty="0" err="1"/>
-                  <a:t>calculée</a:t>
-                </a:r>
-                <a:r>
-                  <a:rPr lang="en-CA" sz="1400" dirty="0"/>
-                  <a:t> tel que: </a:t>
+                  <a:rPr lang="fr-CA" sz="1400" dirty="0"/>
+                  <a:t>été calculée tel que: </a:t>
                 </a:r>
                 <a14:m>
                   <m:oMath xmlns:m="http://schemas.openxmlformats.org/officeDocument/2006/math">
                     <m:r>
-                      <a:rPr lang="en-CA" sz="1400" i="1">
+                      <a:rPr lang="fr-CA" sz="1400" i="1">
                         <a:latin typeface="Cambria Math" panose="02040503050406030204" pitchFamily="18" charset="0"/>
                       </a:rPr>
                       <m:t> </m:t>
@@ -16225,14 +16132,14 @@
                     <m:sSub>
                       <m:sSubPr>
                         <m:ctrlPr>
-                          <a:rPr lang="en-CA" sz="1400" b="0" i="1" smtClean="0">
+                          <a:rPr lang="fr-CA" sz="1400" b="0" i="1" smtClean="0">
                             <a:latin typeface="Cambria Math" panose="02040503050406030204" pitchFamily="18" charset="0"/>
                           </a:rPr>
                         </m:ctrlPr>
                       </m:sSubPr>
                       <m:e>
                         <m:r>
-                          <a:rPr lang="en-CA" sz="1400" b="0" i="1" smtClean="0">
+                          <a:rPr lang="fr-CA" sz="1400" b="0" i="1" smtClean="0">
                             <a:latin typeface="Cambria Math" panose="02040503050406030204" pitchFamily="18" charset="0"/>
                           </a:rPr>
                           <m:t>𝐿</m:t>
@@ -16240,7 +16147,7 @@
                       </m:e>
                       <m:sub>
                         <m:r>
-                          <a:rPr lang="en-CA" sz="1400" b="0" i="1" smtClean="0">
+                          <a:rPr lang="fr-CA" sz="1400" b="0" i="1" smtClean="0">
                             <a:latin typeface="Cambria Math" panose="02040503050406030204" pitchFamily="18" charset="0"/>
                           </a:rPr>
                           <m:t>2</m:t>
@@ -16248,7 +16155,7 @@
                       </m:sub>
                     </m:sSub>
                     <m:r>
-                      <a:rPr lang="en-CA" sz="1400" b="0" i="1" smtClean="0">
+                      <a:rPr lang="fr-CA" sz="1400" b="0" i="1" smtClean="0">
                         <a:latin typeface="Cambria Math" panose="02040503050406030204" pitchFamily="18" charset="0"/>
                       </a:rPr>
                       <m:t>=</m:t>
@@ -16256,7 +16163,7 @@
                     <m:sSup>
                       <m:sSupPr>
                         <m:ctrlPr>
-                          <a:rPr lang="en-CA" sz="1400" b="0" i="1" smtClean="0">
+                          <a:rPr lang="fr-CA" sz="1400" b="0" i="1" smtClean="0">
                             <a:latin typeface="Cambria Math" panose="02040503050406030204" pitchFamily="18" charset="0"/>
                           </a:rPr>
                         </m:ctrlPr>
@@ -16267,7 +16174,7 @@
                             <m:begChr m:val="["/>
                             <m:endChr m:val="]"/>
                             <m:ctrlPr>
-                              <a:rPr lang="en-CA" sz="1400" b="0" i="1" smtClean="0">
+                              <a:rPr lang="fr-CA" sz="1400" b="0" i="1" smtClean="0">
                                 <a:latin typeface="Cambria Math" panose="02040503050406030204" pitchFamily="18" charset="0"/>
                               </a:rPr>
                             </m:ctrlPr>
@@ -16276,14 +16183,14 @@
                             <m:f>
                               <m:fPr>
                                 <m:ctrlPr>
-                                  <a:rPr lang="en-CA" sz="1400" i="1">
+                                  <a:rPr lang="fr-CA" sz="1400" i="1">
                                     <a:latin typeface="Cambria Math" panose="02040503050406030204" pitchFamily="18" charset="0"/>
                                   </a:rPr>
                                 </m:ctrlPr>
                               </m:fPr>
                               <m:num>
                                 <m:r>
-                                  <a:rPr lang="en-CA" sz="1400" i="1">
+                                  <a:rPr lang="fr-CA" sz="1400" i="1">
                                     <a:latin typeface="Cambria Math" panose="02040503050406030204" pitchFamily="18" charset="0"/>
                                   </a:rPr>
                                   <m:t>1</m:t>
@@ -16291,7 +16198,7 @@
                               </m:num>
                               <m:den>
                                 <m:r>
-                                  <a:rPr lang="en-CA" sz="1400" i="1">
+                                  <a:rPr lang="fr-CA" sz="1400" i="1">
                                     <a:latin typeface="Cambria Math" panose="02040503050406030204" pitchFamily="18" charset="0"/>
                                   </a:rPr>
                                   <m:t>𝑁</m:t>
@@ -16301,7 +16208,7 @@
                             <m:sSup>
                               <m:sSupPr>
                                 <m:ctrlPr>
-                                  <a:rPr lang="en-CA" sz="1400" i="1">
+                                  <a:rPr lang="fr-CA" sz="1400" i="1">
                                     <a:latin typeface="Cambria Math" panose="02040503050406030204" pitchFamily="18" charset="0"/>
                                   </a:rPr>
                                 </m:ctrlPr>
@@ -16312,7 +16219,7 @@
                                     <m:begChr m:val="|"/>
                                     <m:endChr m:val="|"/>
                                     <m:ctrlPr>
-                                      <a:rPr lang="en-CA" sz="1400" i="1">
+                                      <a:rPr lang="fr-CA" sz="1400" i="1">
                                         <a:latin typeface="Cambria Math" panose="02040503050406030204" pitchFamily="18" charset="0"/>
                                       </a:rPr>
                                     </m:ctrlPr>
@@ -16321,14 +16228,14 @@
                                     <m:sSub>
                                       <m:sSubPr>
                                         <m:ctrlPr>
-                                          <a:rPr lang="en-CA" sz="1400" i="1">
+                                          <a:rPr lang="fr-CA" sz="1400" i="1">
                                             <a:latin typeface="Cambria Math" panose="02040503050406030204" pitchFamily="18" charset="0"/>
                                           </a:rPr>
                                         </m:ctrlPr>
                                       </m:sSubPr>
                                       <m:e>
                                         <m:r>
-                                          <a:rPr lang="en-CA" sz="1400" i="1">
+                                          <a:rPr lang="fr-CA" sz="1400" i="1">
                                             <a:latin typeface="Cambria Math" panose="02040503050406030204" pitchFamily="18" charset="0"/>
                                           </a:rPr>
                                           <m:t>𝑘</m:t>
@@ -16336,7 +16243,7 @@
                                       </m:e>
                                       <m:sub>
                                         <m:r>
-                                          <a:rPr lang="en-CA" sz="1400" i="1">
+                                          <a:rPr lang="fr-CA" sz="1400" i="1">
                                             <a:latin typeface="Cambria Math" panose="02040503050406030204" pitchFamily="18" charset="0"/>
                                           </a:rPr>
                                           <m:t>𝑖</m:t>
@@ -16344,7 +16251,7 @@
                                       </m:sub>
                                     </m:sSub>
                                     <m:r>
-                                      <a:rPr lang="en-CA" sz="1400" i="1">
+                                      <a:rPr lang="fr-CA" sz="1400" i="1">
                                         <a:latin typeface="Cambria Math" panose="02040503050406030204" pitchFamily="18" charset="0"/>
                                       </a:rPr>
                                       <m:t>−</m:t>
@@ -16352,14 +16259,14 @@
                                     <m:sSub>
                                       <m:sSubPr>
                                         <m:ctrlPr>
-                                          <a:rPr lang="en-CA" sz="1400" i="1">
+                                          <a:rPr lang="fr-CA" sz="1400" i="1">
                                             <a:latin typeface="Cambria Math" panose="02040503050406030204" pitchFamily="18" charset="0"/>
                                           </a:rPr>
                                         </m:ctrlPr>
                                       </m:sSubPr>
                                       <m:e>
                                         <m:r>
-                                          <a:rPr lang="en-CA" sz="1400" i="1">
+                                          <a:rPr lang="fr-CA" sz="1400" i="1">
                                             <a:latin typeface="Cambria Math" panose="02040503050406030204" pitchFamily="18" charset="0"/>
                                           </a:rPr>
                                           <m:t>𝑘</m:t>
@@ -16367,7 +16274,7 @@
                                       </m:e>
                                       <m:sub>
                                         <m:r>
-                                          <a:rPr lang="en-CA" sz="1400" i="1">
+                                          <a:rPr lang="fr-CA" sz="1400" i="1">
                                             <a:latin typeface="Cambria Math" panose="02040503050406030204" pitchFamily="18" charset="0"/>
                                           </a:rPr>
                                           <m:t>600</m:t>
@@ -16379,7 +16286,7 @@
                               </m:e>
                               <m:sup>
                                 <m:r>
-                                  <a:rPr lang="en-CA" sz="1400" i="1">
+                                  <a:rPr lang="fr-CA" sz="1400" i="1">
                                     <a:latin typeface="Cambria Math" panose="02040503050406030204" pitchFamily="18" charset="0"/>
                                   </a:rPr>
                                   <m:t>2</m:t>
@@ -16391,7 +16298,7 @@
                       </m:e>
                       <m:sup>
                         <m:r>
-                          <a:rPr lang="en-CA" sz="1400" b="0" i="1" smtClean="0">
+                          <a:rPr lang="fr-CA" sz="1400" b="0" i="1" smtClean="0">
                             <a:latin typeface="Cambria Math" panose="02040503050406030204" pitchFamily="18" charset="0"/>
                           </a:rPr>
                           <m:t>1/2</m:t>
@@ -16400,103 +16307,27 @@
                     </m:sSup>
                   </m:oMath>
                 </a14:m>
-                <a:endParaRPr lang="en-CA" sz="1400" dirty="0"/>
+                <a:endParaRPr lang="fr-CA" sz="1400" dirty="0"/>
               </a:p>
               <a:p>
                 <a:pPr algn="just"/>
                 <a:r>
-                  <a:rPr lang="en-CA" sz="1400" dirty="0" err="1"/>
-                  <a:t>D’apres</a:t>
-                </a:r>
-                <a:r>
-                  <a:rPr lang="en-CA" sz="1400" dirty="0"/>
-                  <a:t> la figure 5 on observe que pour les </a:t>
-                </a:r>
-                <a:r>
-                  <a:rPr lang="en-CA" sz="1400" dirty="0" err="1"/>
-                  <a:t>maillages</a:t>
-                </a:r>
-                <a:r>
-                  <a:rPr lang="en-CA" sz="1400" dirty="0"/>
-                  <a:t> les plus fins, la convergence </a:t>
-                </a:r>
-                <a:r>
-                  <a:rPr lang="en-CA" sz="1400" dirty="0" err="1"/>
-                  <a:t>asymptotique</a:t>
-                </a:r>
-                <a:r>
-                  <a:rPr lang="en-CA" sz="1400" dirty="0"/>
-                  <a:t> </a:t>
-                </a:r>
-                <a:r>
-                  <a:rPr lang="en-CA" sz="1400" dirty="0" err="1"/>
-                  <a:t>est</a:t>
-                </a:r>
-                <a:r>
-                  <a:rPr lang="en-CA" sz="1400" dirty="0"/>
-                  <a:t> </a:t>
-                </a:r>
-                <a:r>
-                  <a:rPr lang="en-CA" sz="1400" dirty="0" err="1"/>
-                  <a:t>effectivement</a:t>
-                </a:r>
-                <a:r>
-                  <a:rPr lang="en-CA" sz="1400" dirty="0"/>
-                  <a:t> </a:t>
-                </a:r>
-                <a:r>
-                  <a:rPr lang="en-CA" sz="1400" dirty="0" err="1"/>
-                  <a:t>atteinte</a:t>
-                </a:r>
-                <a:r>
-                  <a:rPr lang="en-CA" sz="1400" dirty="0"/>
-                  <a:t> </a:t>
-                </a:r>
-                <a:r>
-                  <a:rPr lang="en-CA" sz="1400" dirty="0" err="1"/>
-                  <a:t>puisque</a:t>
-                </a:r>
-                <a:r>
-                  <a:rPr lang="en-CA" sz="1400" dirty="0"/>
-                  <a:t> les points </a:t>
-                </a:r>
-                <a:r>
-                  <a:rPr lang="en-CA" sz="1400" dirty="0" err="1"/>
-                  <a:t>s’alignent</a:t>
-                </a:r>
-                <a:r>
-                  <a:rPr lang="en-CA" sz="1400" dirty="0"/>
-                  <a:t>. On </a:t>
-                </a:r>
-                <a:r>
-                  <a:rPr lang="en-CA" sz="1400" dirty="0" err="1"/>
-                  <a:t>peut</a:t>
-                </a:r>
-                <a:r>
-                  <a:rPr lang="en-CA" sz="1400" dirty="0"/>
-                  <a:t> </a:t>
-                </a:r>
-                <a:r>
-                  <a:rPr lang="en-CA" sz="1400" dirty="0" err="1"/>
-                  <a:t>alors</a:t>
-                </a:r>
-                <a:r>
-                  <a:rPr lang="en-CA" sz="1400" dirty="0"/>
-                  <a:t> prendre </a:t>
+                  <a:rPr lang="fr-CA" sz="1400" dirty="0"/>
+                  <a:t>D’après la figure 5 on observe que pour les maillages les plus fins, la convergence asymptotique est effectivement atteinte puisque les points s’alignent. On peut alors prendre </a:t>
                 </a:r>
                 <a14:m>
                   <m:oMath xmlns:m="http://schemas.openxmlformats.org/officeDocument/2006/math">
                     <m:sSub>
                       <m:sSubPr>
                         <m:ctrlPr>
-                          <a:rPr lang="en-CA" sz="1400" i="1" smtClean="0">
+                          <a:rPr lang="fr-CA" sz="1400" i="1" smtClean="0">
                             <a:latin typeface="Cambria Math" panose="02040503050406030204" pitchFamily="18" charset="0"/>
                           </a:rPr>
                         </m:ctrlPr>
                       </m:sSubPr>
                       <m:e>
                         <m:r>
-                          <a:rPr lang="en-CA" sz="1400" i="1">
+                          <a:rPr lang="fr-CA" sz="1400" i="1">
                             <a:latin typeface="Cambria Math" panose="02040503050406030204" pitchFamily="18" charset="0"/>
                           </a:rPr>
                           <m:t>𝑘</m:t>
@@ -16504,7 +16335,7 @@
                       </m:e>
                       <m:sub>
                         <m:r>
-                          <a:rPr lang="en-CA" sz="1400" i="1">
+                          <a:rPr lang="fr-CA" sz="1400" i="1">
                             <a:latin typeface="Cambria Math" panose="02040503050406030204" pitchFamily="18" charset="0"/>
                           </a:rPr>
                           <m:t>600</m:t>
@@ -16514,38 +16345,22 @@
                   </m:oMath>
                 </a14:m>
                 <a:r>
-                  <a:rPr lang="en-CA" sz="1400" dirty="0"/>
-                  <a:t> </a:t>
-                </a:r>
-                <a:r>
-                  <a:rPr lang="en-CA" sz="1400" dirty="0" err="1"/>
-                  <a:t>comme</a:t>
-                </a:r>
-                <a:r>
-                  <a:rPr lang="en-CA" sz="1400" dirty="0"/>
-                  <a:t> </a:t>
-                </a:r>
-                <a:r>
-                  <a:rPr lang="en-CA" sz="1400" dirty="0" err="1"/>
-                  <a:t>étant</a:t>
-                </a:r>
-                <a:r>
-                  <a:rPr lang="en-CA" sz="1400" dirty="0"/>
-                  <a:t> </a:t>
+                  <a:rPr lang="fr-CA" sz="1400" dirty="0"/>
+                  <a:t> comme étant </a:t>
                 </a:r>
                 <a14:m>
                   <m:oMath xmlns:m="http://schemas.openxmlformats.org/officeDocument/2006/math">
                     <m:sSub>
                       <m:sSubPr>
                         <m:ctrlPr>
-                          <a:rPr lang="en-CA" sz="1400" b="0" i="1" smtClean="0">
+                          <a:rPr lang="fr-CA" sz="1400" b="0" i="1" smtClean="0">
                             <a:latin typeface="Cambria Math" panose="02040503050406030204" pitchFamily="18" charset="0"/>
                           </a:rPr>
                         </m:ctrlPr>
                       </m:sSubPr>
                       <m:e>
                         <m:r>
-                          <a:rPr lang="en-CA" sz="1400" b="0" i="1" smtClean="0">
+                          <a:rPr lang="fr-CA" sz="1400" b="0" i="1" smtClean="0">
                             <a:latin typeface="Cambria Math" panose="02040503050406030204" pitchFamily="18" charset="0"/>
                           </a:rPr>
                           <m:t>𝑓</m:t>
@@ -16553,7 +16368,7 @@
                       </m:e>
                       <m:sub>
                         <m:r>
-                          <a:rPr lang="en-CA" sz="1400" b="0" i="1" smtClean="0">
+                          <a:rPr lang="fr-CA" sz="1400" b="0" i="1" smtClean="0">
                             <a:latin typeface="Cambria Math" panose="02040503050406030204" pitchFamily="18" charset="0"/>
                           </a:rPr>
                           <m:t>h</m:t>
@@ -16563,52 +16378,8 @@
                   </m:oMath>
                 </a14:m>
                 <a:r>
-                  <a:rPr lang="en-CA" sz="1400" dirty="0"/>
-                  <a:t> pour le </a:t>
-                </a:r>
-                <a:r>
-                  <a:rPr lang="en-CA" sz="1400" dirty="0" err="1"/>
-                  <a:t>calcul</a:t>
-                </a:r>
-                <a:r>
-                  <a:rPr lang="en-CA" sz="1400" dirty="0"/>
-                  <a:t> de </a:t>
-                </a:r>
-                <a:r>
-                  <a:rPr lang="en-CA" sz="1400" dirty="0" err="1"/>
-                  <a:t>l’ordre</a:t>
-                </a:r>
-                <a:r>
-                  <a:rPr lang="en-CA" sz="1400" dirty="0"/>
-                  <a:t> </a:t>
-                </a:r>
-                <a:r>
-                  <a:rPr lang="en-CA" sz="1400" dirty="0" err="1"/>
-                  <a:t>observé</a:t>
-                </a:r>
-                <a:r>
-                  <a:rPr lang="en-CA" sz="1400" dirty="0"/>
-                  <a:t> (</a:t>
-                </a:r>
-                <a:r>
-                  <a:rPr lang="en-CA" sz="1400" dirty="0" err="1"/>
-                  <a:t>voir</a:t>
-                </a:r>
-                <a:r>
-                  <a:rPr lang="en-CA" sz="1400" dirty="0"/>
-                  <a:t> </a:t>
-                </a:r>
-                <a:r>
-                  <a:rPr lang="en-CA" sz="1400" dirty="0" err="1"/>
-                  <a:t>diapo</a:t>
-                </a:r>
-                <a:r>
-                  <a:rPr lang="en-CA" sz="1400" dirty="0"/>
-                  <a:t> </a:t>
-                </a:r>
-                <a:r>
-                  <a:rPr lang="en-CA" sz="1400" dirty="0" err="1"/>
-                  <a:t>suivante</a:t>
+                  <a:rPr lang="fr-CA" sz="1400" dirty="0"/>
+                  <a:t> pour le calcul de l’ordre observé (voir diapo suivante</a:t>
                 </a:r>
                 <a:r>
                   <a:rPr lang="en-CA" sz="1400" dirty="0"/>
@@ -16635,8 +16406,8 @@
             </p:nvSpPr>
             <p:spPr>
               <a:xfrm>
-                <a:off x="452285" y="1118860"/>
-                <a:ext cx="11287432" cy="1757084"/>
+                <a:off x="452285" y="833726"/>
+                <a:ext cx="11287432" cy="2192780"/>
               </a:xfrm>
               <a:prstGeom prst="rect">
                 <a:avLst/>
@@ -16644,7 +16415,7 @@
               <a:blipFill>
                 <a:blip r:embed="rId5"/>
                 <a:stretch>
-                  <a:fillRect l="-162" t="-694" r="-108" b="-2778"/>
+                  <a:fillRect l="-162" t="-557" r="-108" b="-1950"/>
                 </a:stretch>
               </a:blipFill>
             </p:spPr>
@@ -20167,8 +19938,8 @@
           </a:p>
         </p:txBody>
       </p:sp>
-      <mc:AlternateContent xmlns:mc="http://schemas.openxmlformats.org/markup-compatibility/2006">
-        <mc:Choice xmlns:a14="http://schemas.microsoft.com/office/drawing/2010/main" Requires="a14">
+      <mc:AlternateContent xmlns:mc="http://schemas.openxmlformats.org/markup-compatibility/2006" xmlns:a14="http://schemas.microsoft.com/office/drawing/2010/main">
+        <mc:Choice Requires="a14">
           <p:sp>
             <p:nvSpPr>
               <p:cNvPr id="8" name="ZoneTexte 7">
@@ -20381,7 +20152,7 @@
             </p:txBody>
           </p:sp>
         </mc:Choice>
-        <mc:Fallback>
+        <mc:Fallback xmlns="">
           <p:sp>
             <p:nvSpPr>
               <p:cNvPr id="8" name="ZoneTexte 7">
@@ -23054,8 +22825,8 @@
           </a:graphicData>
         </a:graphic>
       </p:graphicFrame>
-      <mc:AlternateContent xmlns:mc="http://schemas.openxmlformats.org/markup-compatibility/2006">
-        <mc:Choice xmlns:a14="http://schemas.microsoft.com/office/drawing/2010/main" Requires="a14">
+      <mc:AlternateContent xmlns:mc="http://schemas.openxmlformats.org/markup-compatibility/2006" xmlns:a14="http://schemas.microsoft.com/office/drawing/2010/main">
+        <mc:Choice Requires="a14">
           <p:sp>
             <p:nvSpPr>
               <p:cNvPr id="6" name="ZoneTexte 5">
@@ -23146,7 +22917,7 @@
             </p:txBody>
           </p:sp>
         </mc:Choice>
-        <mc:Fallback>
+        <mc:Fallback xmlns="">
           <p:sp>
             <p:nvSpPr>
               <p:cNvPr id="6" name="ZoneTexte 5">
@@ -24083,8 +23854,8 @@
           </p:graphicFrame>
         </mc:Fallback>
       </mc:AlternateContent>
-      <mc:AlternateContent xmlns:mc="http://schemas.openxmlformats.org/markup-compatibility/2006">
-        <mc:Choice xmlns:a14="http://schemas.microsoft.com/office/drawing/2010/main" Requires="a14">
+      <mc:AlternateContent xmlns:mc="http://schemas.openxmlformats.org/markup-compatibility/2006" xmlns:a14="http://schemas.microsoft.com/office/drawing/2010/main">
+        <mc:Choice Requires="a14">
           <p:sp>
             <p:nvSpPr>
               <p:cNvPr id="5" name="ZoneTexte 4">
@@ -24221,7 +23992,7 @@
             </p:txBody>
           </p:sp>
         </mc:Choice>
-        <mc:Fallback>
+        <mc:Fallback xmlns="">
           <p:sp>
             <p:nvSpPr>
               <p:cNvPr id="5" name="ZoneTexte 4">
@@ -25412,14 +25183,14 @@
                       </a:rPr>
                       <m:t>.</m:t>
                     </m:r>
-                    <m:sSub>
-                      <m:sSubPr>
+                    <m:sSubSup>
+                      <m:sSubSupPr>
                         <m:ctrlPr>
-                          <a:rPr lang="en-CA" i="1">
+                          <a:rPr lang="en-CA" b="0" i="1" smtClean="0">
                             <a:latin typeface="Cambria Math" panose="02040503050406030204" pitchFamily="18" charset="0"/>
                           </a:rPr>
                         </m:ctrlPr>
-                      </m:sSubPr>
+                      </m:sSubSupPr>
                       <m:e>
                         <m:r>
                           <a:rPr lang="en-CA" i="1">
@@ -25436,7 +25207,15 @@
                           <m:t>𝑣𝑎𝑙</m:t>
                         </m:r>
                       </m:sub>
-                    </m:sSub>
+                      <m:sup>
+                        <m:r>
+                          <a:rPr lang="en-CA" b="0" i="1" smtClean="0">
+                            <a:latin typeface="Cambria Math" panose="02040503050406030204" pitchFamily="18" charset="0"/>
+                          </a:rPr>
+                          <m:t>−</m:t>
+                        </m:r>
+                      </m:sup>
+                    </m:sSubSup>
                     <m:r>
                       <a:rPr lang="en-CA" i="1">
                         <a:latin typeface="Cambria Math" panose="02040503050406030204" pitchFamily="18" charset="0"/>
@@ -25467,14 +25246,14 @@
                       </a:rPr>
                       <m:t>.</m:t>
                     </m:r>
-                    <m:sSub>
-                      <m:sSubPr>
+                    <m:sSubSup>
+                      <m:sSubSupPr>
                         <m:ctrlPr>
-                          <a:rPr lang="en-CA" i="1">
+                          <a:rPr lang="en-CA" b="0" i="1" smtClean="0">
                             <a:latin typeface="Cambria Math" panose="02040503050406030204" pitchFamily="18" charset="0"/>
                           </a:rPr>
                         </m:ctrlPr>
-                      </m:sSubPr>
+                      </m:sSubSupPr>
                       <m:e>
                         <m:r>
                           <a:rPr lang="en-CA" i="1">
@@ -25491,7 +25270,15 @@
                           <m:t>𝑣𝑎𝑙</m:t>
                         </m:r>
                       </m:sub>
-                    </m:sSub>
+                      <m:sup>
+                        <m:r>
+                          <a:rPr lang="en-CA" b="0" i="1" smtClean="0">
+                            <a:latin typeface="Cambria Math" panose="02040503050406030204" pitchFamily="18" charset="0"/>
+                          </a:rPr>
+                          <m:t>+</m:t>
+                        </m:r>
+                      </m:sup>
+                    </m:sSubSup>
                     <m:r>
                       <a:rPr lang="en-CA" i="1">
                         <a:latin typeface="Cambria Math" panose="02040503050406030204" pitchFamily="18" charset="0"/>
@@ -25508,7 +25295,7 @@
                 </a14:m>
                 <a:r>
                   <a:rPr lang="fr-FR" dirty="0"/>
-                  <a:t>= [-93,414 ; -10,765] </a:t>
+                  <a:t>= =[-54.0622-39.35 ; -54.0622 +43.297]=[-93,414 ; -10,765] </a:t>
                 </a:r>
               </a:p>
             </p:txBody>
@@ -25559,8 +25346,8 @@
           </p:sp>
         </mc:Fallback>
       </mc:AlternateContent>
-      <mc:AlternateContent xmlns:mc="http://schemas.openxmlformats.org/markup-compatibility/2006">
-        <mc:Choice xmlns:a14="http://schemas.microsoft.com/office/drawing/2010/main" Requires="a14">
+      <mc:AlternateContent xmlns:mc="http://schemas.openxmlformats.org/markup-compatibility/2006" xmlns:a14="http://schemas.microsoft.com/office/drawing/2010/main">
+        <mc:Choice Requires="a14">
           <p:sp>
             <p:nvSpPr>
               <p:cNvPr id="13" name="TextBox 12">
@@ -25746,7 +25533,7 @@
             </p:txBody>
           </p:sp>
         </mc:Choice>
-        <mc:Fallback>
+        <mc:Fallback xmlns="">
           <p:sp>
             <p:nvSpPr>
               <p:cNvPr id="13" name="TextBox 12">
